--- a/Data 698 Final Project Presentation.pptx
+++ b/Data 698 Final Project Presentation.pptx
@@ -1,34 +1,34 @@
 
 <file path=ppt/presentation.xml><?xml version="1.0" encoding="utf-8"?>
-<p:presentation xmlns:a="http://schemas.openxmlformats.org/drawingml/2006/main" xmlns:r="http://schemas.openxmlformats.org/officeDocument/2006/relationships" xmlns:mc="http://schemas.openxmlformats.org/markup-compatibility/2006" xmlns:mv="urn:schemas-microsoft-com:mac:vml" xmlns:p="http://schemas.openxmlformats.org/presentationml/2006/main" xmlns:c="http://schemas.openxmlformats.org/drawingml/2006/chart" xmlns:dgm="http://schemas.openxmlformats.org/drawingml/2006/diagram" xmlns:o="urn:schemas-microsoft-com:office:office" xmlns:v="urn:schemas-microsoft-com:vml" xmlns:pvml="urn:schemas-microsoft-com:office:powerpoint" xmlns:com="http://schemas.openxmlformats.org/drawingml/2006/compatibility" xmlns:p14="http://schemas.microsoft.com/office/powerpoint/2010/main" xmlns:p15="http://schemas.microsoft.com/office/powerpoint/2012/main" xmlns:ahyp="http://schemas.microsoft.com/office/drawing/2018/hyperlinkcolor" autoCompressPictures="0" strictFirstAndLastChars="0" saveSubsetFonts="1">
+<p:presentation xmlns:a="http://schemas.openxmlformats.org/drawingml/2006/main" xmlns:r="http://schemas.openxmlformats.org/officeDocument/2006/relationships" xmlns:p="http://schemas.openxmlformats.org/presentationml/2006/main" strictFirstAndLastChars="0" saveSubsetFonts="1" autoCompressPictures="0">
   <p:sldMasterIdLst>
-    <p:sldMasterId id="2147483659" r:id="rId5"/>
+    <p:sldMasterId id="2147483659" r:id="rId1"/>
   </p:sldMasterIdLst>
   <p:notesMasterIdLst>
-    <p:notesMasterId r:id="rId6"/>
+    <p:notesMasterId r:id="rId18"/>
   </p:notesMasterIdLst>
   <p:sldIdLst>
-    <p:sldId id="256" r:id="rId7"/>
-    <p:sldId id="257" r:id="rId8"/>
-    <p:sldId id="258" r:id="rId9"/>
-    <p:sldId id="259" r:id="rId10"/>
-    <p:sldId id="260" r:id="rId11"/>
-    <p:sldId id="261" r:id="rId12"/>
-    <p:sldId id="262" r:id="rId13"/>
-    <p:sldId id="263" r:id="rId14"/>
-    <p:sldId id="264" r:id="rId15"/>
-    <p:sldId id="265" r:id="rId16"/>
-    <p:sldId id="266" r:id="rId17"/>
-    <p:sldId id="267" r:id="rId18"/>
-    <p:sldId id="268" r:id="rId19"/>
-    <p:sldId id="269" r:id="rId20"/>
-    <p:sldId id="270" r:id="rId21"/>
-    <p:sldId id="271" r:id="rId22"/>
+    <p:sldId id="256" r:id="rId2"/>
+    <p:sldId id="257" r:id="rId3"/>
+    <p:sldId id="258" r:id="rId4"/>
+    <p:sldId id="259" r:id="rId5"/>
+    <p:sldId id="260" r:id="rId6"/>
+    <p:sldId id="261" r:id="rId7"/>
+    <p:sldId id="262" r:id="rId8"/>
+    <p:sldId id="263" r:id="rId9"/>
+    <p:sldId id="264" r:id="rId10"/>
+    <p:sldId id="265" r:id="rId11"/>
+    <p:sldId id="266" r:id="rId12"/>
+    <p:sldId id="267" r:id="rId13"/>
+    <p:sldId id="268" r:id="rId14"/>
+    <p:sldId id="269" r:id="rId15"/>
+    <p:sldId id="270" r:id="rId16"/>
+    <p:sldId id="271" r:id="rId17"/>
   </p:sldIdLst>
-  <p:sldSz cy="5143500" cx="9144000"/>
+  <p:sldSz cx="9144000" cy="5143500" type="screen16x9"/>
   <p:notesSz cx="6858000" cy="9144000"/>
   <p:defaultTextStyle>
-    <a:defPPr lvl="0" marR="0" rtl="0" algn="l">
+    <a:defPPr marR="0" lvl="0" algn="l" rtl="0">
       <a:lnSpc>
         <a:spcPct val="100000"/>
       </a:lnSpc>
@@ -39,7 +39,7 @@
         <a:spcPts val="0"/>
       </a:spcAft>
     </a:defPPr>
-    <a:lvl1pPr lvl="0" marR="0" rtl="0" algn="l">
+    <a:lvl1pPr marR="0" lvl="0" algn="l" rtl="0">
       <a:lnSpc>
         <a:spcPct val="100000"/>
       </a:lnSpc>
@@ -53,7 +53,7 @@
         <a:srgbClr val="000000"/>
       </a:buClr>
       <a:buFont typeface="Arial"/>
-      <a:defRPr b="0" i="0" sz="1400" u="none" cap="none" strike="noStrike">
+      <a:defRPr sz="1400" b="0" i="0" u="none" strike="noStrike" cap="none">
         <a:solidFill>
           <a:srgbClr val="000000"/>
         </a:solidFill>
@@ -63,7 +63,7 @@
         <a:sym typeface="Arial"/>
       </a:defRPr>
     </a:lvl1pPr>
-    <a:lvl2pPr lvl="1" marR="0" rtl="0" algn="l">
+    <a:lvl2pPr marR="0" lvl="1" algn="l" rtl="0">
       <a:lnSpc>
         <a:spcPct val="100000"/>
       </a:lnSpc>
@@ -77,7 +77,7 @@
         <a:srgbClr val="000000"/>
       </a:buClr>
       <a:buFont typeface="Arial"/>
-      <a:defRPr b="0" i="0" sz="1400" u="none" cap="none" strike="noStrike">
+      <a:defRPr sz="1400" b="0" i="0" u="none" strike="noStrike" cap="none">
         <a:solidFill>
           <a:srgbClr val="000000"/>
         </a:solidFill>
@@ -87,7 +87,7 @@
         <a:sym typeface="Arial"/>
       </a:defRPr>
     </a:lvl2pPr>
-    <a:lvl3pPr lvl="2" marR="0" rtl="0" algn="l">
+    <a:lvl3pPr marR="0" lvl="2" algn="l" rtl="0">
       <a:lnSpc>
         <a:spcPct val="100000"/>
       </a:lnSpc>
@@ -101,7 +101,7 @@
         <a:srgbClr val="000000"/>
       </a:buClr>
       <a:buFont typeface="Arial"/>
-      <a:defRPr b="0" i="0" sz="1400" u="none" cap="none" strike="noStrike">
+      <a:defRPr sz="1400" b="0" i="0" u="none" strike="noStrike" cap="none">
         <a:solidFill>
           <a:srgbClr val="000000"/>
         </a:solidFill>
@@ -111,7 +111,7 @@
         <a:sym typeface="Arial"/>
       </a:defRPr>
     </a:lvl3pPr>
-    <a:lvl4pPr lvl="3" marR="0" rtl="0" algn="l">
+    <a:lvl4pPr marR="0" lvl="3" algn="l" rtl="0">
       <a:lnSpc>
         <a:spcPct val="100000"/>
       </a:lnSpc>
@@ -125,7 +125,7 @@
         <a:srgbClr val="000000"/>
       </a:buClr>
       <a:buFont typeface="Arial"/>
-      <a:defRPr b="0" i="0" sz="1400" u="none" cap="none" strike="noStrike">
+      <a:defRPr sz="1400" b="0" i="0" u="none" strike="noStrike" cap="none">
         <a:solidFill>
           <a:srgbClr val="000000"/>
         </a:solidFill>
@@ -135,7 +135,7 @@
         <a:sym typeface="Arial"/>
       </a:defRPr>
     </a:lvl4pPr>
-    <a:lvl5pPr lvl="4" marR="0" rtl="0" algn="l">
+    <a:lvl5pPr marR="0" lvl="4" algn="l" rtl="0">
       <a:lnSpc>
         <a:spcPct val="100000"/>
       </a:lnSpc>
@@ -149,7 +149,7 @@
         <a:srgbClr val="000000"/>
       </a:buClr>
       <a:buFont typeface="Arial"/>
-      <a:defRPr b="0" i="0" sz="1400" u="none" cap="none" strike="noStrike">
+      <a:defRPr sz="1400" b="0" i="0" u="none" strike="noStrike" cap="none">
         <a:solidFill>
           <a:srgbClr val="000000"/>
         </a:solidFill>
@@ -159,7 +159,7 @@
         <a:sym typeface="Arial"/>
       </a:defRPr>
     </a:lvl5pPr>
-    <a:lvl6pPr lvl="5" marR="0" rtl="0" algn="l">
+    <a:lvl6pPr marR="0" lvl="5" algn="l" rtl="0">
       <a:lnSpc>
         <a:spcPct val="100000"/>
       </a:lnSpc>
@@ -173,7 +173,7 @@
         <a:srgbClr val="000000"/>
       </a:buClr>
       <a:buFont typeface="Arial"/>
-      <a:defRPr b="0" i="0" sz="1400" u="none" cap="none" strike="noStrike">
+      <a:defRPr sz="1400" b="0" i="0" u="none" strike="noStrike" cap="none">
         <a:solidFill>
           <a:srgbClr val="000000"/>
         </a:solidFill>
@@ -183,7 +183,7 @@
         <a:sym typeface="Arial"/>
       </a:defRPr>
     </a:lvl6pPr>
-    <a:lvl7pPr lvl="6" marR="0" rtl="0" algn="l">
+    <a:lvl7pPr marR="0" lvl="6" algn="l" rtl="0">
       <a:lnSpc>
         <a:spcPct val="100000"/>
       </a:lnSpc>
@@ -197,7 +197,7 @@
         <a:srgbClr val="000000"/>
       </a:buClr>
       <a:buFont typeface="Arial"/>
-      <a:defRPr b="0" i="0" sz="1400" u="none" cap="none" strike="noStrike">
+      <a:defRPr sz="1400" b="0" i="0" u="none" strike="noStrike" cap="none">
         <a:solidFill>
           <a:srgbClr val="000000"/>
         </a:solidFill>
@@ -207,7 +207,7 @@
         <a:sym typeface="Arial"/>
       </a:defRPr>
     </a:lvl7pPr>
-    <a:lvl8pPr lvl="7" marR="0" rtl="0" algn="l">
+    <a:lvl8pPr marR="0" lvl="7" algn="l" rtl="0">
       <a:lnSpc>
         <a:spcPct val="100000"/>
       </a:lnSpc>
@@ -221,7 +221,7 @@
         <a:srgbClr val="000000"/>
       </a:buClr>
       <a:buFont typeface="Arial"/>
-      <a:defRPr b="0" i="0" sz="1400" u="none" cap="none" strike="noStrike">
+      <a:defRPr sz="1400" b="0" i="0" u="none" strike="noStrike" cap="none">
         <a:solidFill>
           <a:srgbClr val="000000"/>
         </a:solidFill>
@@ -231,7 +231,7 @@
         <a:sym typeface="Arial"/>
       </a:defRPr>
     </a:lvl8pPr>
-    <a:lvl9pPr lvl="8" marR="0" rtl="0" algn="l">
+    <a:lvl9pPr marR="0" lvl="8" algn="l" rtl="0">
       <a:lnSpc>
         <a:spcPct val="100000"/>
       </a:lnSpc>
@@ -245,7 +245,7 @@
         <a:srgbClr val="000000"/>
       </a:buClr>
       <a:buFont typeface="Arial"/>
-      <a:defRPr b="0" i="0" sz="1400" u="none" cap="none" strike="noStrike">
+      <a:defRPr sz="1400" b="0" i="0" u="none" strike="noStrike" cap="none">
         <a:solidFill>
           <a:srgbClr val="000000"/>
         </a:solidFill>
@@ -258,7 +258,7 @@
   </p:defaultTextStyle>
   <p:extLst>
     <p:ext uri="{EFAFB233-063F-42B5-8137-9DF3F51BA10A}">
-      <p15:sldGuideLst>
+      <p15:sldGuideLst xmlns:ahyp="http://schemas.microsoft.com/office/drawing/2018/hyperlinkcolor" xmlns:p15="http://schemas.microsoft.com/office/powerpoint/2012/main" xmlns:p14="http://schemas.microsoft.com/office/powerpoint/2010/main" xmlns:com="http://schemas.openxmlformats.org/drawingml/2006/compatibility" xmlns:pvml="urn:schemas-microsoft-com:office:powerpoint" xmlns:v="urn:schemas-microsoft-com:vml" xmlns:o="urn:schemas-microsoft-com:office:office" xmlns:dgm="http://schemas.openxmlformats.org/drawingml/2006/diagram" xmlns:c="http://schemas.openxmlformats.org/drawingml/2006/chart" xmlns:mv="urn:schemas-microsoft-com:mac:vml" xmlns:mc="http://schemas.openxmlformats.org/markup-compatibility/2006" xmlns="">
         <p15:guide id="1" orient="horz" pos="1620">
           <p15:clr>
             <a:srgbClr val="A4A3A4"/>
@@ -276,11 +276,16 @@
 </file>
 
 <file path=ppt/notesMasters/notesMaster1.xml><?xml version="1.0" encoding="utf-8"?>
-<p:notesMaster xmlns:a="http://schemas.openxmlformats.org/drawingml/2006/main" xmlns:r="http://schemas.openxmlformats.org/officeDocument/2006/relationships" xmlns:mc="http://schemas.openxmlformats.org/markup-compatibility/2006" xmlns:mv="urn:schemas-microsoft-com:mac:vml" xmlns:p="http://schemas.openxmlformats.org/presentationml/2006/main" xmlns:c="http://schemas.openxmlformats.org/drawingml/2006/chart" xmlns:dgm="http://schemas.openxmlformats.org/drawingml/2006/diagram" xmlns:o="urn:schemas-microsoft-com:office:office" xmlns:v="urn:schemas-microsoft-com:vml" xmlns:pvml="urn:schemas-microsoft-com:office:powerpoint" xmlns:com="http://schemas.openxmlformats.org/drawingml/2006/compatibility" xmlns:p14="http://schemas.microsoft.com/office/powerpoint/2010/main" xmlns:p15="http://schemas.microsoft.com/office/powerpoint/2012/main" xmlns:ahyp="http://schemas.microsoft.com/office/drawing/2018/hyperlinkcolor">
+<p:notesMaster xmlns:a="http://schemas.openxmlformats.org/drawingml/2006/main" xmlns:r="http://schemas.openxmlformats.org/officeDocument/2006/relationships" xmlns:p="http://schemas.openxmlformats.org/presentationml/2006/main">
   <p:cSld>
+    <p:bg>
+      <p:bgRef idx="1001">
+        <a:schemeClr val="bg1"/>
+      </p:bgRef>
+    </p:bg>
     <p:spTree>
       <p:nvGrpSpPr>
-        <p:cNvPr id="2" name="Shape 2"/>
+        <p:cNvPr id="1" name="Shape 2"/>
         <p:cNvGrpSpPr/>
         <p:nvPr/>
       </p:nvGrpSpPr>
@@ -295,9 +300,11 @@
       <p:sp>
         <p:nvSpPr>
           <p:cNvPr id="3" name="Google Shape;3;n"/>
-          <p:cNvSpPr/>
+          <p:cNvSpPr>
+            <a:spLocks noGrp="1" noRot="1" noChangeAspect="1"/>
+          </p:cNvSpPr>
           <p:nvPr>
-            <p:ph idx="2" type="sldImg"/>
+            <p:ph type="sldImg" idx="2"/>
           </p:nvPr>
         </p:nvSpPr>
         <p:spPr>
@@ -306,9 +313,13 @@
             <a:ext cx="6096075" cy="3429000"/>
           </a:xfrm>
           <a:custGeom>
-            <a:rect b="b" l="l" r="r" t="t"/>
+            <a:avLst/>
+            <a:gdLst/>
+            <a:ahLst/>
+            <a:cxnLst/>
+            <a:rect l="l" t="t" r="r" b="b"/>
             <a:pathLst>
-              <a:path extrusionOk="0" h="120000" w="120000">
+              <a:path w="120000" h="120000" extrusionOk="0">
                 <a:moveTo>
                   <a:pt x="0" y="0"/>
                 </a:moveTo>
@@ -326,23 +337,25 @@
             </a:pathLst>
           </a:custGeom>
           <a:noFill/>
-          <a:ln cap="flat" cmpd="sng" w="9525">
+          <a:ln w="9525" cap="flat" cmpd="sng">
             <a:solidFill>
               <a:srgbClr val="000000"/>
             </a:solidFill>
             <a:prstDash val="solid"/>
             <a:round/>
-            <a:headEnd len="sm" w="sm" type="none"/>
-            <a:tailEnd len="sm" w="sm" type="none"/>
+            <a:headEnd type="none" w="sm" len="sm"/>
+            <a:tailEnd type="none" w="sm" len="sm"/>
           </a:ln>
         </p:spPr>
       </p:sp>
       <p:sp>
         <p:nvSpPr>
           <p:cNvPr id="4" name="Google Shape;4;n"/>
-          <p:cNvSpPr txBox="1"/>
+          <p:cNvSpPr txBox="1">
+            <a:spLocks noGrp="1"/>
+          </p:cNvSpPr>
           <p:nvPr>
-            <p:ph idx="1" type="body"/>
+            <p:ph type="body" idx="1"/>
           </p:nvPr>
         </p:nvSpPr>
         <p:spPr>
@@ -359,11 +372,11 @@
           </a:ln>
         </p:spPr>
         <p:txBody>
-          <a:bodyPr anchorCtr="0" anchor="t" bIns="91425" lIns="91425" spcFirstLastPara="1" rIns="91425" wrap="square" tIns="91425">
+          <a:bodyPr spcFirstLastPara="1" wrap="square" lIns="91425" tIns="91425" rIns="91425" bIns="91425" anchor="t" anchorCtr="0">
             <a:noAutofit/>
           </a:bodyPr>
           <a:lstStyle>
-            <a:lvl1pPr indent="-298450" lvl="0" marL="457200">
+            <a:lvl1pPr marL="457200" lvl="0" indent="-298450">
               <a:spcBef>
                 <a:spcPts val="0"/>
               </a:spcBef>
@@ -374,7 +387,7 @@
               <a:buChar char="●"/>
               <a:defRPr sz="1100"/>
             </a:lvl1pPr>
-            <a:lvl2pPr indent="-298450" lvl="1" marL="914400">
+            <a:lvl2pPr marL="914400" lvl="1" indent="-298450">
               <a:spcBef>
                 <a:spcPts val="0"/>
               </a:spcBef>
@@ -385,7 +398,7 @@
               <a:buChar char="○"/>
               <a:defRPr sz="1100"/>
             </a:lvl2pPr>
-            <a:lvl3pPr indent="-298450" lvl="2" marL="1371600">
+            <a:lvl3pPr marL="1371600" lvl="2" indent="-298450">
               <a:spcBef>
                 <a:spcPts val="0"/>
               </a:spcBef>
@@ -396,7 +409,7 @@
               <a:buChar char="■"/>
               <a:defRPr sz="1100"/>
             </a:lvl3pPr>
-            <a:lvl4pPr indent="-298450" lvl="3" marL="1828800">
+            <a:lvl4pPr marL="1828800" lvl="3" indent="-298450">
               <a:spcBef>
                 <a:spcPts val="0"/>
               </a:spcBef>
@@ -407,7 +420,7 @@
               <a:buChar char="●"/>
               <a:defRPr sz="1100"/>
             </a:lvl4pPr>
-            <a:lvl5pPr indent="-298450" lvl="4" marL="2286000">
+            <a:lvl5pPr marL="2286000" lvl="4" indent="-298450">
               <a:spcBef>
                 <a:spcPts val="0"/>
               </a:spcBef>
@@ -418,7 +431,7 @@
               <a:buChar char="○"/>
               <a:defRPr sz="1100"/>
             </a:lvl5pPr>
-            <a:lvl6pPr indent="-298450" lvl="5" marL="2743200">
+            <a:lvl6pPr marL="2743200" lvl="5" indent="-298450">
               <a:spcBef>
                 <a:spcPts val="0"/>
               </a:spcBef>
@@ -429,7 +442,7 @@
               <a:buChar char="■"/>
               <a:defRPr sz="1100"/>
             </a:lvl6pPr>
-            <a:lvl7pPr indent="-298450" lvl="6" marL="3200400">
+            <a:lvl7pPr marL="3200400" lvl="6" indent="-298450">
               <a:spcBef>
                 <a:spcPts val="0"/>
               </a:spcBef>
@@ -440,7 +453,7 @@
               <a:buChar char="●"/>
               <a:defRPr sz="1100"/>
             </a:lvl7pPr>
-            <a:lvl8pPr indent="-298450" lvl="7" marL="3657600">
+            <a:lvl8pPr marL="3657600" lvl="7" indent="-298450">
               <a:spcBef>
                 <a:spcPts val="0"/>
               </a:spcBef>
@@ -451,7 +464,7 @@
               <a:buChar char="○"/>
               <a:defRPr sz="1100"/>
             </a:lvl8pPr>
-            <a:lvl9pPr indent="-298450" lvl="8" marL="4114800">
+            <a:lvl9pPr marL="4114800" lvl="8" indent="-298450">
               <a:spcBef>
                 <a:spcPts val="0"/>
               </a:spcBef>
@@ -463,14 +476,21 @@
               <a:defRPr sz="1100"/>
             </a:lvl9pPr>
           </a:lstStyle>
-          <a:p/>
+          <a:p>
+            <a:endParaRPr/>
+          </a:p>
         </p:txBody>
       </p:sp>
     </p:spTree>
+    <p:extLst>
+      <p:ext uri="{BB962C8B-B14F-4D97-AF65-F5344CB8AC3E}">
+        <p14:creationId xmlns:p14="http://schemas.microsoft.com/office/powerpoint/2010/main" val="1159500953"/>
+      </p:ext>
+    </p:extLst>
   </p:cSld>
-  <p:clrMap accent1="accent1" accent2="accent2" accent3="accent3" accent4="accent4" accent5="accent5" accent6="accent6" bg1="lt1" bg2="dk2" tx1="dk1" tx2="lt2" folHlink="folHlink" hlink="hlink"/>
+  <p:clrMap bg1="lt1" tx1="dk1" bg2="dk2" tx2="lt2" accent1="accent1" accent2="accent2" accent3="accent3" accent4="accent4" accent5="accent5" accent6="accent6" hlink="hlink" folHlink="folHlink"/>
   <p:notesStyle>
-    <a:defPPr lvl="0" marR="0" rtl="0" algn="l">
+    <a:defPPr marR="0" lvl="0" algn="l" rtl="0">
       <a:lnSpc>
         <a:spcPct val="100000"/>
       </a:lnSpc>
@@ -481,7 +501,7 @@
         <a:spcPts val="0"/>
       </a:spcAft>
     </a:defPPr>
-    <a:lvl1pPr lvl="0" marR="0" rtl="0" algn="l">
+    <a:lvl1pPr marR="0" lvl="0" algn="l" rtl="0">
       <a:lnSpc>
         <a:spcPct val="100000"/>
       </a:lnSpc>
@@ -495,7 +515,7 @@
         <a:srgbClr val="000000"/>
       </a:buClr>
       <a:buFont typeface="Arial"/>
-      <a:defRPr b="0" i="0" sz="1400" u="none" cap="none" strike="noStrike">
+      <a:defRPr sz="1400" b="0" i="0" u="none" strike="noStrike" cap="none">
         <a:solidFill>
           <a:srgbClr val="000000"/>
         </a:solidFill>
@@ -505,7 +525,7 @@
         <a:sym typeface="Arial"/>
       </a:defRPr>
     </a:lvl1pPr>
-    <a:lvl2pPr lvl="1" marR="0" rtl="0" algn="l">
+    <a:lvl2pPr marR="0" lvl="1" algn="l" rtl="0">
       <a:lnSpc>
         <a:spcPct val="100000"/>
       </a:lnSpc>
@@ -519,7 +539,7 @@
         <a:srgbClr val="000000"/>
       </a:buClr>
       <a:buFont typeface="Arial"/>
-      <a:defRPr b="0" i="0" sz="1400" u="none" cap="none" strike="noStrike">
+      <a:defRPr sz="1400" b="0" i="0" u="none" strike="noStrike" cap="none">
         <a:solidFill>
           <a:srgbClr val="000000"/>
         </a:solidFill>
@@ -529,7 +549,7 @@
         <a:sym typeface="Arial"/>
       </a:defRPr>
     </a:lvl2pPr>
-    <a:lvl3pPr lvl="2" marR="0" rtl="0" algn="l">
+    <a:lvl3pPr marR="0" lvl="2" algn="l" rtl="0">
       <a:lnSpc>
         <a:spcPct val="100000"/>
       </a:lnSpc>
@@ -543,7 +563,7 @@
         <a:srgbClr val="000000"/>
       </a:buClr>
       <a:buFont typeface="Arial"/>
-      <a:defRPr b="0" i="0" sz="1400" u="none" cap="none" strike="noStrike">
+      <a:defRPr sz="1400" b="0" i="0" u="none" strike="noStrike" cap="none">
         <a:solidFill>
           <a:srgbClr val="000000"/>
         </a:solidFill>
@@ -553,7 +573,7 @@
         <a:sym typeface="Arial"/>
       </a:defRPr>
     </a:lvl3pPr>
-    <a:lvl4pPr lvl="3" marR="0" rtl="0" algn="l">
+    <a:lvl4pPr marR="0" lvl="3" algn="l" rtl="0">
       <a:lnSpc>
         <a:spcPct val="100000"/>
       </a:lnSpc>
@@ -567,7 +587,7 @@
         <a:srgbClr val="000000"/>
       </a:buClr>
       <a:buFont typeface="Arial"/>
-      <a:defRPr b="0" i="0" sz="1400" u="none" cap="none" strike="noStrike">
+      <a:defRPr sz="1400" b="0" i="0" u="none" strike="noStrike" cap="none">
         <a:solidFill>
           <a:srgbClr val="000000"/>
         </a:solidFill>
@@ -577,7 +597,7 @@
         <a:sym typeface="Arial"/>
       </a:defRPr>
     </a:lvl4pPr>
-    <a:lvl5pPr lvl="4" marR="0" rtl="0" algn="l">
+    <a:lvl5pPr marR="0" lvl="4" algn="l" rtl="0">
       <a:lnSpc>
         <a:spcPct val="100000"/>
       </a:lnSpc>
@@ -591,7 +611,7 @@
         <a:srgbClr val="000000"/>
       </a:buClr>
       <a:buFont typeface="Arial"/>
-      <a:defRPr b="0" i="0" sz="1400" u="none" cap="none" strike="noStrike">
+      <a:defRPr sz="1400" b="0" i="0" u="none" strike="noStrike" cap="none">
         <a:solidFill>
           <a:srgbClr val="000000"/>
         </a:solidFill>
@@ -601,7 +621,7 @@
         <a:sym typeface="Arial"/>
       </a:defRPr>
     </a:lvl5pPr>
-    <a:lvl6pPr lvl="5" marR="0" rtl="0" algn="l">
+    <a:lvl6pPr marR="0" lvl="5" algn="l" rtl="0">
       <a:lnSpc>
         <a:spcPct val="100000"/>
       </a:lnSpc>
@@ -615,7 +635,7 @@
         <a:srgbClr val="000000"/>
       </a:buClr>
       <a:buFont typeface="Arial"/>
-      <a:defRPr b="0" i="0" sz="1400" u="none" cap="none" strike="noStrike">
+      <a:defRPr sz="1400" b="0" i="0" u="none" strike="noStrike" cap="none">
         <a:solidFill>
           <a:srgbClr val="000000"/>
         </a:solidFill>
@@ -625,7 +645,7 @@
         <a:sym typeface="Arial"/>
       </a:defRPr>
     </a:lvl6pPr>
-    <a:lvl7pPr lvl="6" marR="0" rtl="0" algn="l">
+    <a:lvl7pPr marR="0" lvl="6" algn="l" rtl="0">
       <a:lnSpc>
         <a:spcPct val="100000"/>
       </a:lnSpc>
@@ -639,7 +659,7 @@
         <a:srgbClr val="000000"/>
       </a:buClr>
       <a:buFont typeface="Arial"/>
-      <a:defRPr b="0" i="0" sz="1400" u="none" cap="none" strike="noStrike">
+      <a:defRPr sz="1400" b="0" i="0" u="none" strike="noStrike" cap="none">
         <a:solidFill>
           <a:srgbClr val="000000"/>
         </a:solidFill>
@@ -649,7 +669,7 @@
         <a:sym typeface="Arial"/>
       </a:defRPr>
     </a:lvl7pPr>
-    <a:lvl8pPr lvl="7" marR="0" rtl="0" algn="l">
+    <a:lvl8pPr marR="0" lvl="7" algn="l" rtl="0">
       <a:lnSpc>
         <a:spcPct val="100000"/>
       </a:lnSpc>
@@ -663,7 +683,7 @@
         <a:srgbClr val="000000"/>
       </a:buClr>
       <a:buFont typeface="Arial"/>
-      <a:defRPr b="0" i="0" sz="1400" u="none" cap="none" strike="noStrike">
+      <a:defRPr sz="1400" b="0" i="0" u="none" strike="noStrike" cap="none">
         <a:solidFill>
           <a:srgbClr val="000000"/>
         </a:solidFill>
@@ -673,7 +693,7 @@
         <a:sym typeface="Arial"/>
       </a:defRPr>
     </a:lvl8pPr>
-    <a:lvl9pPr lvl="8" marR="0" rtl="0" algn="l">
+    <a:lvl9pPr marR="0" lvl="8" algn="l" rtl="0">
       <a:lnSpc>
         <a:spcPct val="100000"/>
       </a:lnSpc>
@@ -687,7 +707,7 @@
         <a:srgbClr val="000000"/>
       </a:buClr>
       <a:buFont typeface="Arial"/>
-      <a:defRPr b="0" i="0" sz="1400" u="none" cap="none" strike="noStrike">
+      <a:defRPr sz="1400" b="0" i="0" u="none" strike="noStrike" cap="none">
         <a:solidFill>
           <a:srgbClr val="000000"/>
         </a:solidFill>
@@ -702,11 +722,11 @@
 </file>
 
 <file path=ppt/notesSlides/notesSlide1.xml><?xml version="1.0" encoding="utf-8"?>
-<p:notes xmlns:a="http://schemas.openxmlformats.org/drawingml/2006/main" xmlns:r="http://schemas.openxmlformats.org/officeDocument/2006/relationships" xmlns:mc="http://schemas.openxmlformats.org/markup-compatibility/2006" xmlns:mv="urn:schemas-microsoft-com:mac:vml" xmlns:p="http://schemas.openxmlformats.org/presentationml/2006/main" xmlns:c="http://schemas.openxmlformats.org/drawingml/2006/chart" xmlns:dgm="http://schemas.openxmlformats.org/drawingml/2006/diagram" xmlns:o="urn:schemas-microsoft-com:office:office" xmlns:v="urn:schemas-microsoft-com:vml" xmlns:pvml="urn:schemas-microsoft-com:office:powerpoint" xmlns:com="http://schemas.openxmlformats.org/drawingml/2006/compatibility" xmlns:p14="http://schemas.microsoft.com/office/powerpoint/2010/main" xmlns:p15="http://schemas.microsoft.com/office/powerpoint/2012/main" xmlns:ahyp="http://schemas.microsoft.com/office/drawing/2018/hyperlinkcolor" showMasterPhAnim="0" showMasterSp="0">
+<p:notes xmlns:a="http://schemas.openxmlformats.org/drawingml/2006/main" xmlns:r="http://schemas.openxmlformats.org/officeDocument/2006/relationships" xmlns:p="http://schemas.openxmlformats.org/presentationml/2006/main" showMasterSp="0" showMasterPhAnim="0">
   <p:cSld>
     <p:spTree>
       <p:nvGrpSpPr>
-        <p:cNvPr id="50" name="Shape 50"/>
+        <p:cNvPr id="1" name="Shape 50"/>
         <p:cNvGrpSpPr/>
         <p:nvPr/>
       </p:nvGrpSpPr>
@@ -721,9 +741,11 @@
       <p:sp>
         <p:nvSpPr>
           <p:cNvPr id="51" name="Google Shape;51;p:notes"/>
-          <p:cNvSpPr/>
+          <p:cNvSpPr>
+            <a:spLocks noGrp="1" noRot="1" noChangeAspect="1"/>
+          </p:cNvSpPr>
           <p:nvPr>
-            <p:ph idx="2" type="sldImg"/>
+            <p:ph type="sldImg" idx="2"/>
           </p:nvPr>
         </p:nvSpPr>
         <p:spPr>
@@ -732,9 +754,13 @@
             <a:ext cx="6096075" cy="3429000"/>
           </a:xfrm>
           <a:custGeom>
-            <a:rect b="b" l="l" r="r" t="t"/>
+            <a:avLst/>
+            <a:gdLst/>
+            <a:ahLst/>
+            <a:cxnLst/>
+            <a:rect l="l" t="t" r="r" b="b"/>
             <a:pathLst>
-              <a:path extrusionOk="0" h="120000" w="120000">
+              <a:path w="120000" h="120000" extrusionOk="0">
                 <a:moveTo>
                   <a:pt x="0" y="0"/>
                 </a:moveTo>
@@ -756,9 +782,11 @@
       <p:sp>
         <p:nvSpPr>
           <p:cNvPr id="52" name="Google Shape;52;p:notes"/>
-          <p:cNvSpPr txBox="1"/>
+          <p:cNvSpPr txBox="1">
+            <a:spLocks noGrp="1"/>
+          </p:cNvSpPr>
           <p:nvPr>
-            <p:ph idx="1" type="body"/>
+            <p:ph type="body" idx="1"/>
           </p:nvPr>
         </p:nvSpPr>
         <p:spPr>
@@ -771,12 +799,12 @@
           </a:prstGeom>
         </p:spPr>
         <p:txBody>
-          <a:bodyPr anchorCtr="0" anchor="t" bIns="91425" lIns="91425" spcFirstLastPara="1" rIns="91425" wrap="square" tIns="91425">
+          <a:bodyPr spcFirstLastPara="1" wrap="square" lIns="91425" tIns="91425" rIns="91425" bIns="91425" anchor="t" anchorCtr="0">
             <a:noAutofit/>
           </a:bodyPr>
           <a:lstStyle/>
           <a:p>
-            <a:pPr indent="0" lvl="0" marL="0" rtl="0" algn="l">
+            <a:pPr marL="0" lvl="0" indent="0" algn="l" rtl="0">
               <a:spcBef>
                 <a:spcPts val="0"/>
               </a:spcBef>
@@ -785,9 +813,6 @@
               </a:spcAft>
               <a:buNone/>
             </a:pPr>
-            <a:r>
-              <a:t/>
-            </a:r>
             <a:endParaRPr/>
           </a:p>
         </p:txBody>
@@ -801,11 +826,11 @@
 </file>
 
 <file path=ppt/notesSlides/notesSlide10.xml><?xml version="1.0" encoding="utf-8"?>
-<p:notes xmlns:a="http://schemas.openxmlformats.org/drawingml/2006/main" xmlns:r="http://schemas.openxmlformats.org/officeDocument/2006/relationships" xmlns:mc="http://schemas.openxmlformats.org/markup-compatibility/2006" xmlns:mv="urn:schemas-microsoft-com:mac:vml" xmlns:p="http://schemas.openxmlformats.org/presentationml/2006/main" xmlns:c="http://schemas.openxmlformats.org/drawingml/2006/chart" xmlns:dgm="http://schemas.openxmlformats.org/drawingml/2006/diagram" xmlns:o="urn:schemas-microsoft-com:office:office" xmlns:v="urn:schemas-microsoft-com:vml" xmlns:pvml="urn:schemas-microsoft-com:office:powerpoint" xmlns:com="http://schemas.openxmlformats.org/drawingml/2006/compatibility" xmlns:p14="http://schemas.microsoft.com/office/powerpoint/2010/main" xmlns:p15="http://schemas.microsoft.com/office/powerpoint/2012/main" xmlns:ahyp="http://schemas.microsoft.com/office/drawing/2018/hyperlinkcolor" showMasterPhAnim="0" showMasterSp="0">
+<p:notes xmlns:a="http://schemas.openxmlformats.org/drawingml/2006/main" xmlns:r="http://schemas.openxmlformats.org/officeDocument/2006/relationships" xmlns:p="http://schemas.openxmlformats.org/presentationml/2006/main" showMasterSp="0" showMasterPhAnim="0">
   <p:cSld>
     <p:spTree>
       <p:nvGrpSpPr>
-        <p:cNvPr id="110" name="Shape 110"/>
+        <p:cNvPr id="1" name="Shape 110"/>
         <p:cNvGrpSpPr/>
         <p:nvPr/>
       </p:nvGrpSpPr>
@@ -820,9 +845,11 @@
       <p:sp>
         <p:nvSpPr>
           <p:cNvPr id="111" name="Google Shape;111;gd943094ce9_0_95:notes"/>
-          <p:cNvSpPr/>
+          <p:cNvSpPr>
+            <a:spLocks noGrp="1" noRot="1" noChangeAspect="1"/>
+          </p:cNvSpPr>
           <p:nvPr>
-            <p:ph idx="2" type="sldImg"/>
+            <p:ph type="sldImg" idx="2"/>
           </p:nvPr>
         </p:nvSpPr>
         <p:spPr>
@@ -831,9 +858,13 @@
             <a:ext cx="6096000" cy="3429000"/>
           </a:xfrm>
           <a:custGeom>
-            <a:rect b="b" l="l" r="r" t="t"/>
+            <a:avLst/>
+            <a:gdLst/>
+            <a:ahLst/>
+            <a:cxnLst/>
+            <a:rect l="l" t="t" r="r" b="b"/>
             <a:pathLst>
-              <a:path extrusionOk="0" h="120000" w="120000">
+              <a:path w="120000" h="120000" extrusionOk="0">
                 <a:moveTo>
                   <a:pt x="0" y="0"/>
                 </a:moveTo>
@@ -855,9 +886,11 @@
       <p:sp>
         <p:nvSpPr>
           <p:cNvPr id="112" name="Google Shape;112;gd943094ce9_0_95:notes"/>
-          <p:cNvSpPr txBox="1"/>
+          <p:cNvSpPr txBox="1">
+            <a:spLocks noGrp="1"/>
+          </p:cNvSpPr>
           <p:nvPr>
-            <p:ph idx="1" type="body"/>
+            <p:ph type="body" idx="1"/>
           </p:nvPr>
         </p:nvSpPr>
         <p:spPr>
@@ -870,12 +903,12 @@
           </a:prstGeom>
         </p:spPr>
         <p:txBody>
-          <a:bodyPr anchorCtr="0" anchor="t" bIns="91425" lIns="91425" spcFirstLastPara="1" rIns="91425" wrap="square" tIns="91425">
+          <a:bodyPr spcFirstLastPara="1" wrap="square" lIns="91425" tIns="91425" rIns="91425" bIns="91425" anchor="t" anchorCtr="0">
             <a:noAutofit/>
           </a:bodyPr>
           <a:lstStyle/>
           <a:p>
-            <a:pPr indent="0" lvl="0" marL="0" rtl="0" algn="l">
+            <a:pPr marL="0" lvl="0" indent="0" algn="l" rtl="0">
               <a:spcBef>
                 <a:spcPts val="0"/>
               </a:spcBef>
@@ -884,9 +917,6 @@
               </a:spcAft>
               <a:buNone/>
             </a:pPr>
-            <a:r>
-              <a:t/>
-            </a:r>
             <a:endParaRPr/>
           </a:p>
         </p:txBody>
@@ -900,11 +930,11 @@
 </file>
 
 <file path=ppt/notesSlides/notesSlide11.xml><?xml version="1.0" encoding="utf-8"?>
-<p:notes xmlns:a="http://schemas.openxmlformats.org/drawingml/2006/main" xmlns:r="http://schemas.openxmlformats.org/officeDocument/2006/relationships" xmlns:mc="http://schemas.openxmlformats.org/markup-compatibility/2006" xmlns:mv="urn:schemas-microsoft-com:mac:vml" xmlns:p="http://schemas.openxmlformats.org/presentationml/2006/main" xmlns:c="http://schemas.openxmlformats.org/drawingml/2006/chart" xmlns:dgm="http://schemas.openxmlformats.org/drawingml/2006/diagram" xmlns:o="urn:schemas-microsoft-com:office:office" xmlns:v="urn:schemas-microsoft-com:vml" xmlns:pvml="urn:schemas-microsoft-com:office:powerpoint" xmlns:com="http://schemas.openxmlformats.org/drawingml/2006/compatibility" xmlns:p14="http://schemas.microsoft.com/office/powerpoint/2010/main" xmlns:p15="http://schemas.microsoft.com/office/powerpoint/2012/main" xmlns:ahyp="http://schemas.microsoft.com/office/drawing/2018/hyperlinkcolor" showMasterPhAnim="0" showMasterSp="0">
+<p:notes xmlns:a="http://schemas.openxmlformats.org/drawingml/2006/main" xmlns:r="http://schemas.openxmlformats.org/officeDocument/2006/relationships" xmlns:p="http://schemas.openxmlformats.org/presentationml/2006/main" showMasterSp="0" showMasterPhAnim="0">
   <p:cSld>
     <p:spTree>
       <p:nvGrpSpPr>
-        <p:cNvPr id="116" name="Shape 116"/>
+        <p:cNvPr id="1" name="Shape 116"/>
         <p:cNvGrpSpPr/>
         <p:nvPr/>
       </p:nvGrpSpPr>
@@ -919,9 +949,11 @@
       <p:sp>
         <p:nvSpPr>
           <p:cNvPr id="117" name="Google Shape;117;gd943094ce9_0_100:notes"/>
-          <p:cNvSpPr/>
+          <p:cNvSpPr>
+            <a:spLocks noGrp="1" noRot="1" noChangeAspect="1"/>
+          </p:cNvSpPr>
           <p:nvPr>
-            <p:ph idx="2" type="sldImg"/>
+            <p:ph type="sldImg" idx="2"/>
           </p:nvPr>
         </p:nvSpPr>
         <p:spPr>
@@ -930,9 +962,13 @@
             <a:ext cx="6096000" cy="3429000"/>
           </a:xfrm>
           <a:custGeom>
-            <a:rect b="b" l="l" r="r" t="t"/>
+            <a:avLst/>
+            <a:gdLst/>
+            <a:ahLst/>
+            <a:cxnLst/>
+            <a:rect l="l" t="t" r="r" b="b"/>
             <a:pathLst>
-              <a:path extrusionOk="0" h="120000" w="120000">
+              <a:path w="120000" h="120000" extrusionOk="0">
                 <a:moveTo>
                   <a:pt x="0" y="0"/>
                 </a:moveTo>
@@ -954,9 +990,11 @@
       <p:sp>
         <p:nvSpPr>
           <p:cNvPr id="118" name="Google Shape;118;gd943094ce9_0_100:notes"/>
-          <p:cNvSpPr txBox="1"/>
+          <p:cNvSpPr txBox="1">
+            <a:spLocks noGrp="1"/>
+          </p:cNvSpPr>
           <p:nvPr>
-            <p:ph idx="1" type="body"/>
+            <p:ph type="body" idx="1"/>
           </p:nvPr>
         </p:nvSpPr>
         <p:spPr>
@@ -969,12 +1007,12 @@
           </a:prstGeom>
         </p:spPr>
         <p:txBody>
-          <a:bodyPr anchorCtr="0" anchor="t" bIns="91425" lIns="91425" spcFirstLastPara="1" rIns="91425" wrap="square" tIns="91425">
+          <a:bodyPr spcFirstLastPara="1" wrap="square" lIns="91425" tIns="91425" rIns="91425" bIns="91425" anchor="t" anchorCtr="0">
             <a:noAutofit/>
           </a:bodyPr>
           <a:lstStyle/>
           <a:p>
-            <a:pPr indent="0" lvl="0" marL="0" rtl="0" algn="l">
+            <a:pPr marL="0" lvl="0" indent="0" algn="l" rtl="0">
               <a:spcBef>
                 <a:spcPts val="0"/>
               </a:spcBef>
@@ -983,9 +1021,6 @@
               </a:spcAft>
               <a:buNone/>
             </a:pPr>
-            <a:r>
-              <a:t/>
-            </a:r>
             <a:endParaRPr/>
           </a:p>
         </p:txBody>
@@ -999,11 +1034,11 @@
 </file>
 
 <file path=ppt/notesSlides/notesSlide12.xml><?xml version="1.0" encoding="utf-8"?>
-<p:notes xmlns:a="http://schemas.openxmlformats.org/drawingml/2006/main" xmlns:r="http://schemas.openxmlformats.org/officeDocument/2006/relationships" xmlns:mc="http://schemas.openxmlformats.org/markup-compatibility/2006" xmlns:mv="urn:schemas-microsoft-com:mac:vml" xmlns:p="http://schemas.openxmlformats.org/presentationml/2006/main" xmlns:c="http://schemas.openxmlformats.org/drawingml/2006/chart" xmlns:dgm="http://schemas.openxmlformats.org/drawingml/2006/diagram" xmlns:o="urn:schemas-microsoft-com:office:office" xmlns:v="urn:schemas-microsoft-com:vml" xmlns:pvml="urn:schemas-microsoft-com:office:powerpoint" xmlns:com="http://schemas.openxmlformats.org/drawingml/2006/compatibility" xmlns:p14="http://schemas.microsoft.com/office/powerpoint/2010/main" xmlns:p15="http://schemas.microsoft.com/office/powerpoint/2012/main" xmlns:ahyp="http://schemas.microsoft.com/office/drawing/2018/hyperlinkcolor" showMasterPhAnim="0" showMasterSp="0">
+<p:notes xmlns:a="http://schemas.openxmlformats.org/drawingml/2006/main" xmlns:r="http://schemas.openxmlformats.org/officeDocument/2006/relationships" xmlns:p="http://schemas.openxmlformats.org/presentationml/2006/main" showMasterSp="0" showMasterPhAnim="0">
   <p:cSld>
     <p:spTree>
       <p:nvGrpSpPr>
-        <p:cNvPr id="122" name="Shape 122"/>
+        <p:cNvPr id="1" name="Shape 122"/>
         <p:cNvGrpSpPr/>
         <p:nvPr/>
       </p:nvGrpSpPr>
@@ -1018,9 +1053,11 @@
       <p:sp>
         <p:nvSpPr>
           <p:cNvPr id="123" name="Google Shape;123;gd943094ce9_0_105:notes"/>
-          <p:cNvSpPr/>
+          <p:cNvSpPr>
+            <a:spLocks noGrp="1" noRot="1" noChangeAspect="1"/>
+          </p:cNvSpPr>
           <p:nvPr>
-            <p:ph idx="2" type="sldImg"/>
+            <p:ph type="sldImg" idx="2"/>
           </p:nvPr>
         </p:nvSpPr>
         <p:spPr>
@@ -1029,9 +1066,13 @@
             <a:ext cx="6096000" cy="3429000"/>
           </a:xfrm>
           <a:custGeom>
-            <a:rect b="b" l="l" r="r" t="t"/>
+            <a:avLst/>
+            <a:gdLst/>
+            <a:ahLst/>
+            <a:cxnLst/>
+            <a:rect l="l" t="t" r="r" b="b"/>
             <a:pathLst>
-              <a:path extrusionOk="0" h="120000" w="120000">
+              <a:path w="120000" h="120000" extrusionOk="0">
                 <a:moveTo>
                   <a:pt x="0" y="0"/>
                 </a:moveTo>
@@ -1053,9 +1094,11 @@
       <p:sp>
         <p:nvSpPr>
           <p:cNvPr id="124" name="Google Shape;124;gd943094ce9_0_105:notes"/>
-          <p:cNvSpPr txBox="1"/>
+          <p:cNvSpPr txBox="1">
+            <a:spLocks noGrp="1"/>
+          </p:cNvSpPr>
           <p:nvPr>
-            <p:ph idx="1" type="body"/>
+            <p:ph type="body" idx="1"/>
           </p:nvPr>
         </p:nvSpPr>
         <p:spPr>
@@ -1068,12 +1111,12 @@
           </a:prstGeom>
         </p:spPr>
         <p:txBody>
-          <a:bodyPr anchorCtr="0" anchor="t" bIns="91425" lIns="91425" spcFirstLastPara="1" rIns="91425" wrap="square" tIns="91425">
+          <a:bodyPr spcFirstLastPara="1" wrap="square" lIns="91425" tIns="91425" rIns="91425" bIns="91425" anchor="t" anchorCtr="0">
             <a:noAutofit/>
           </a:bodyPr>
           <a:lstStyle/>
           <a:p>
-            <a:pPr indent="0" lvl="0" marL="0" rtl="0" algn="l">
+            <a:pPr marL="0" lvl="0" indent="0" algn="l" rtl="0">
               <a:spcBef>
                 <a:spcPts val="0"/>
               </a:spcBef>
@@ -1082,9 +1125,6 @@
               </a:spcAft>
               <a:buNone/>
             </a:pPr>
-            <a:r>
-              <a:t/>
-            </a:r>
             <a:endParaRPr/>
           </a:p>
         </p:txBody>
@@ -1098,11 +1138,11 @@
 </file>
 
 <file path=ppt/notesSlides/notesSlide13.xml><?xml version="1.0" encoding="utf-8"?>
-<p:notes xmlns:a="http://schemas.openxmlformats.org/drawingml/2006/main" xmlns:r="http://schemas.openxmlformats.org/officeDocument/2006/relationships" xmlns:mc="http://schemas.openxmlformats.org/markup-compatibility/2006" xmlns:mv="urn:schemas-microsoft-com:mac:vml" xmlns:p="http://schemas.openxmlformats.org/presentationml/2006/main" xmlns:c="http://schemas.openxmlformats.org/drawingml/2006/chart" xmlns:dgm="http://schemas.openxmlformats.org/drawingml/2006/diagram" xmlns:o="urn:schemas-microsoft-com:office:office" xmlns:v="urn:schemas-microsoft-com:vml" xmlns:pvml="urn:schemas-microsoft-com:office:powerpoint" xmlns:com="http://schemas.openxmlformats.org/drawingml/2006/compatibility" xmlns:p14="http://schemas.microsoft.com/office/powerpoint/2010/main" xmlns:p15="http://schemas.microsoft.com/office/powerpoint/2012/main" xmlns:ahyp="http://schemas.microsoft.com/office/drawing/2018/hyperlinkcolor" showMasterPhAnim="0" showMasterSp="0">
+<p:notes xmlns:a="http://schemas.openxmlformats.org/drawingml/2006/main" xmlns:r="http://schemas.openxmlformats.org/officeDocument/2006/relationships" xmlns:p="http://schemas.openxmlformats.org/presentationml/2006/main" showMasterSp="0" showMasterPhAnim="0">
   <p:cSld>
     <p:spTree>
       <p:nvGrpSpPr>
-        <p:cNvPr id="128" name="Shape 128"/>
+        <p:cNvPr id="1" name="Shape 128"/>
         <p:cNvGrpSpPr/>
         <p:nvPr/>
       </p:nvGrpSpPr>
@@ -1117,20 +1157,26 @@
       <p:sp>
         <p:nvSpPr>
           <p:cNvPr id="129" name="Google Shape;129;gd943094ce9_0_110:notes"/>
-          <p:cNvSpPr/>
+          <p:cNvSpPr>
+            <a:spLocks noGrp="1" noRot="1" noChangeAspect="1"/>
+          </p:cNvSpPr>
           <p:nvPr>
-            <p:ph idx="2" type="sldImg"/>
+            <p:ph type="sldImg" idx="2"/>
           </p:nvPr>
         </p:nvSpPr>
         <p:spPr>
           <a:xfrm>
-            <a:off x="381300" y="685800"/>
+            <a:off x="381000" y="685800"/>
             <a:ext cx="6096000" cy="3429000"/>
           </a:xfrm>
           <a:custGeom>
-            <a:rect b="b" l="l" r="r" t="t"/>
+            <a:avLst/>
+            <a:gdLst/>
+            <a:ahLst/>
+            <a:cxnLst/>
+            <a:rect l="l" t="t" r="r" b="b"/>
             <a:pathLst>
-              <a:path extrusionOk="0" h="120000" w="120000">
+              <a:path w="120000" h="120000" extrusionOk="0">
                 <a:moveTo>
                   <a:pt x="0" y="0"/>
                 </a:moveTo>
@@ -1152,9 +1198,11 @@
       <p:sp>
         <p:nvSpPr>
           <p:cNvPr id="130" name="Google Shape;130;gd943094ce9_0_110:notes"/>
-          <p:cNvSpPr txBox="1"/>
+          <p:cNvSpPr txBox="1">
+            <a:spLocks noGrp="1"/>
+          </p:cNvSpPr>
           <p:nvPr>
-            <p:ph idx="1" type="body"/>
+            <p:ph type="body" idx="1"/>
           </p:nvPr>
         </p:nvSpPr>
         <p:spPr>
@@ -1167,12 +1215,12 @@
           </a:prstGeom>
         </p:spPr>
         <p:txBody>
-          <a:bodyPr anchorCtr="0" anchor="t" bIns="91425" lIns="91425" spcFirstLastPara="1" rIns="91425" wrap="square" tIns="91425">
+          <a:bodyPr spcFirstLastPara="1" wrap="square" lIns="91425" tIns="91425" rIns="91425" bIns="91425" anchor="t" anchorCtr="0">
             <a:noAutofit/>
           </a:bodyPr>
           <a:lstStyle/>
           <a:p>
-            <a:pPr indent="0" lvl="0" marL="0" rtl="0" algn="l">
+            <a:pPr marL="0" lvl="0" indent="0" algn="l" rtl="0">
               <a:spcBef>
                 <a:spcPts val="0"/>
               </a:spcBef>
@@ -1181,9 +1229,6 @@
               </a:spcAft>
               <a:buNone/>
             </a:pPr>
-            <a:r>
-              <a:t/>
-            </a:r>
             <a:endParaRPr/>
           </a:p>
         </p:txBody>
@@ -1197,11 +1242,11 @@
 </file>
 
 <file path=ppt/notesSlides/notesSlide14.xml><?xml version="1.0" encoding="utf-8"?>
-<p:notes xmlns:a="http://schemas.openxmlformats.org/drawingml/2006/main" xmlns:r="http://schemas.openxmlformats.org/officeDocument/2006/relationships" xmlns:mc="http://schemas.openxmlformats.org/markup-compatibility/2006" xmlns:mv="urn:schemas-microsoft-com:mac:vml" xmlns:p="http://schemas.openxmlformats.org/presentationml/2006/main" xmlns:c="http://schemas.openxmlformats.org/drawingml/2006/chart" xmlns:dgm="http://schemas.openxmlformats.org/drawingml/2006/diagram" xmlns:o="urn:schemas-microsoft-com:office:office" xmlns:v="urn:schemas-microsoft-com:vml" xmlns:pvml="urn:schemas-microsoft-com:office:powerpoint" xmlns:com="http://schemas.openxmlformats.org/drawingml/2006/compatibility" xmlns:p14="http://schemas.microsoft.com/office/powerpoint/2010/main" xmlns:p15="http://schemas.microsoft.com/office/powerpoint/2012/main" xmlns:ahyp="http://schemas.microsoft.com/office/drawing/2018/hyperlinkcolor" showMasterPhAnim="0" showMasterSp="0">
+<p:notes xmlns:a="http://schemas.openxmlformats.org/drawingml/2006/main" xmlns:r="http://schemas.openxmlformats.org/officeDocument/2006/relationships" xmlns:p="http://schemas.openxmlformats.org/presentationml/2006/main" showMasterSp="0" showMasterPhAnim="0">
   <p:cSld>
     <p:spTree>
       <p:nvGrpSpPr>
-        <p:cNvPr id="134" name="Shape 134"/>
+        <p:cNvPr id="1" name="Shape 134"/>
         <p:cNvGrpSpPr/>
         <p:nvPr/>
       </p:nvGrpSpPr>
@@ -1216,20 +1261,26 @@
       <p:sp>
         <p:nvSpPr>
           <p:cNvPr id="135" name="Google Shape;135;gd943094ce9_0_120:notes"/>
-          <p:cNvSpPr/>
+          <p:cNvSpPr>
+            <a:spLocks noGrp="1" noRot="1" noChangeAspect="1"/>
+          </p:cNvSpPr>
           <p:nvPr>
-            <p:ph idx="2" type="sldImg"/>
+            <p:ph type="sldImg" idx="2"/>
           </p:nvPr>
         </p:nvSpPr>
         <p:spPr>
           <a:xfrm>
-            <a:off x="381300" y="685800"/>
+            <a:off x="381000" y="685800"/>
             <a:ext cx="6096000" cy="3429000"/>
           </a:xfrm>
           <a:custGeom>
-            <a:rect b="b" l="l" r="r" t="t"/>
+            <a:avLst/>
+            <a:gdLst/>
+            <a:ahLst/>
+            <a:cxnLst/>
+            <a:rect l="l" t="t" r="r" b="b"/>
             <a:pathLst>
-              <a:path extrusionOk="0" h="120000" w="120000">
+              <a:path w="120000" h="120000" extrusionOk="0">
                 <a:moveTo>
                   <a:pt x="0" y="0"/>
                 </a:moveTo>
@@ -1251,9 +1302,11 @@
       <p:sp>
         <p:nvSpPr>
           <p:cNvPr id="136" name="Google Shape;136;gd943094ce9_0_120:notes"/>
-          <p:cNvSpPr txBox="1"/>
+          <p:cNvSpPr txBox="1">
+            <a:spLocks noGrp="1"/>
+          </p:cNvSpPr>
           <p:nvPr>
-            <p:ph idx="1" type="body"/>
+            <p:ph type="body" idx="1"/>
           </p:nvPr>
         </p:nvSpPr>
         <p:spPr>
@@ -1266,12 +1319,12 @@
           </a:prstGeom>
         </p:spPr>
         <p:txBody>
-          <a:bodyPr anchorCtr="0" anchor="t" bIns="91425" lIns="91425" spcFirstLastPara="1" rIns="91425" wrap="square" tIns="91425">
+          <a:bodyPr spcFirstLastPara="1" wrap="square" lIns="91425" tIns="91425" rIns="91425" bIns="91425" anchor="t" anchorCtr="0">
             <a:noAutofit/>
           </a:bodyPr>
           <a:lstStyle/>
           <a:p>
-            <a:pPr indent="0" lvl="0" marL="0" rtl="0" algn="l">
+            <a:pPr marL="0" lvl="0" indent="0" algn="l" rtl="0">
               <a:spcBef>
                 <a:spcPts val="0"/>
               </a:spcBef>
@@ -1280,9 +1333,6 @@
               </a:spcAft>
               <a:buNone/>
             </a:pPr>
-            <a:r>
-              <a:t/>
-            </a:r>
             <a:endParaRPr/>
           </a:p>
         </p:txBody>
@@ -1296,11 +1346,11 @@
 </file>
 
 <file path=ppt/notesSlides/notesSlide15.xml><?xml version="1.0" encoding="utf-8"?>
-<p:notes xmlns:a="http://schemas.openxmlformats.org/drawingml/2006/main" xmlns:r="http://schemas.openxmlformats.org/officeDocument/2006/relationships" xmlns:mc="http://schemas.openxmlformats.org/markup-compatibility/2006" xmlns:mv="urn:schemas-microsoft-com:mac:vml" xmlns:p="http://schemas.openxmlformats.org/presentationml/2006/main" xmlns:c="http://schemas.openxmlformats.org/drawingml/2006/chart" xmlns:dgm="http://schemas.openxmlformats.org/drawingml/2006/diagram" xmlns:o="urn:schemas-microsoft-com:office:office" xmlns:v="urn:schemas-microsoft-com:vml" xmlns:pvml="urn:schemas-microsoft-com:office:powerpoint" xmlns:com="http://schemas.openxmlformats.org/drawingml/2006/compatibility" xmlns:p14="http://schemas.microsoft.com/office/powerpoint/2010/main" xmlns:p15="http://schemas.microsoft.com/office/powerpoint/2012/main" xmlns:ahyp="http://schemas.microsoft.com/office/drawing/2018/hyperlinkcolor" showMasterPhAnim="0" showMasterSp="0">
+<p:notes xmlns:a="http://schemas.openxmlformats.org/drawingml/2006/main" xmlns:r="http://schemas.openxmlformats.org/officeDocument/2006/relationships" xmlns:p="http://schemas.openxmlformats.org/presentationml/2006/main" showMasterSp="0" showMasterPhAnim="0">
   <p:cSld>
     <p:spTree>
       <p:nvGrpSpPr>
-        <p:cNvPr id="140" name="Shape 140"/>
+        <p:cNvPr id="1" name="Shape 140"/>
         <p:cNvGrpSpPr/>
         <p:nvPr/>
       </p:nvGrpSpPr>
@@ -1315,9 +1365,11 @@
       <p:sp>
         <p:nvSpPr>
           <p:cNvPr id="141" name="Google Shape;141;gdc65a5b1c5_0_20:notes"/>
-          <p:cNvSpPr/>
+          <p:cNvSpPr>
+            <a:spLocks noGrp="1" noRot="1" noChangeAspect="1"/>
+          </p:cNvSpPr>
           <p:nvPr>
-            <p:ph idx="2" type="sldImg"/>
+            <p:ph type="sldImg" idx="2"/>
           </p:nvPr>
         </p:nvSpPr>
         <p:spPr>
@@ -1326,9 +1378,13 @@
             <a:ext cx="6096000" cy="3429000"/>
           </a:xfrm>
           <a:custGeom>
-            <a:rect b="b" l="l" r="r" t="t"/>
+            <a:avLst/>
+            <a:gdLst/>
+            <a:ahLst/>
+            <a:cxnLst/>
+            <a:rect l="l" t="t" r="r" b="b"/>
             <a:pathLst>
-              <a:path extrusionOk="0" h="120000" w="120000">
+              <a:path w="120000" h="120000" extrusionOk="0">
                 <a:moveTo>
                   <a:pt x="0" y="0"/>
                 </a:moveTo>
@@ -1350,9 +1406,11 @@
       <p:sp>
         <p:nvSpPr>
           <p:cNvPr id="142" name="Google Shape;142;gdc65a5b1c5_0_20:notes"/>
-          <p:cNvSpPr txBox="1"/>
+          <p:cNvSpPr txBox="1">
+            <a:spLocks noGrp="1"/>
+          </p:cNvSpPr>
           <p:nvPr>
-            <p:ph idx="1" type="body"/>
+            <p:ph type="body" idx="1"/>
           </p:nvPr>
         </p:nvSpPr>
         <p:spPr>
@@ -1365,12 +1423,12 @@
           </a:prstGeom>
         </p:spPr>
         <p:txBody>
-          <a:bodyPr anchorCtr="0" anchor="t" bIns="91425" lIns="91425" spcFirstLastPara="1" rIns="91425" wrap="square" tIns="91425">
+          <a:bodyPr spcFirstLastPara="1" wrap="square" lIns="91425" tIns="91425" rIns="91425" bIns="91425" anchor="t" anchorCtr="0">
             <a:noAutofit/>
           </a:bodyPr>
           <a:lstStyle/>
           <a:p>
-            <a:pPr indent="0" lvl="0" marL="0" rtl="0" algn="l">
+            <a:pPr marL="0" lvl="0" indent="0" algn="l" rtl="0">
               <a:spcBef>
                 <a:spcPts val="0"/>
               </a:spcBef>
@@ -1379,9 +1437,6 @@
               </a:spcAft>
               <a:buNone/>
             </a:pPr>
-            <a:r>
-              <a:t/>
-            </a:r>
             <a:endParaRPr/>
           </a:p>
         </p:txBody>
@@ -1395,11 +1450,11 @@
 </file>
 
 <file path=ppt/notesSlides/notesSlide16.xml><?xml version="1.0" encoding="utf-8"?>
-<p:notes xmlns:a="http://schemas.openxmlformats.org/drawingml/2006/main" xmlns:r="http://schemas.openxmlformats.org/officeDocument/2006/relationships" xmlns:mc="http://schemas.openxmlformats.org/markup-compatibility/2006" xmlns:mv="urn:schemas-microsoft-com:mac:vml" xmlns:p="http://schemas.openxmlformats.org/presentationml/2006/main" xmlns:c="http://schemas.openxmlformats.org/drawingml/2006/chart" xmlns:dgm="http://schemas.openxmlformats.org/drawingml/2006/diagram" xmlns:o="urn:schemas-microsoft-com:office:office" xmlns:v="urn:schemas-microsoft-com:vml" xmlns:pvml="urn:schemas-microsoft-com:office:powerpoint" xmlns:com="http://schemas.openxmlformats.org/drawingml/2006/compatibility" xmlns:p14="http://schemas.microsoft.com/office/powerpoint/2010/main" xmlns:p15="http://schemas.microsoft.com/office/powerpoint/2012/main" xmlns:ahyp="http://schemas.microsoft.com/office/drawing/2018/hyperlinkcolor" showMasterPhAnim="0" showMasterSp="0">
+<p:notes xmlns:a="http://schemas.openxmlformats.org/drawingml/2006/main" xmlns:r="http://schemas.openxmlformats.org/officeDocument/2006/relationships" xmlns:p="http://schemas.openxmlformats.org/presentationml/2006/main" showMasterSp="0" showMasterPhAnim="0">
   <p:cSld>
     <p:spTree>
       <p:nvGrpSpPr>
-        <p:cNvPr id="146" name="Shape 146"/>
+        <p:cNvPr id="1" name="Shape 146"/>
         <p:cNvGrpSpPr/>
         <p:nvPr/>
       </p:nvGrpSpPr>
@@ -1414,9 +1469,11 @@
       <p:sp>
         <p:nvSpPr>
           <p:cNvPr id="147" name="Google Shape;147;gd943094ce9_0_125:notes"/>
-          <p:cNvSpPr/>
+          <p:cNvSpPr>
+            <a:spLocks noGrp="1" noRot="1" noChangeAspect="1"/>
+          </p:cNvSpPr>
           <p:nvPr>
-            <p:ph idx="2" type="sldImg"/>
+            <p:ph type="sldImg" idx="2"/>
           </p:nvPr>
         </p:nvSpPr>
         <p:spPr>
@@ -1425,9 +1482,13 @@
             <a:ext cx="6096000" cy="3429000"/>
           </a:xfrm>
           <a:custGeom>
-            <a:rect b="b" l="l" r="r" t="t"/>
+            <a:avLst/>
+            <a:gdLst/>
+            <a:ahLst/>
+            <a:cxnLst/>
+            <a:rect l="l" t="t" r="r" b="b"/>
             <a:pathLst>
-              <a:path extrusionOk="0" h="120000" w="120000">
+              <a:path w="120000" h="120000" extrusionOk="0">
                 <a:moveTo>
                   <a:pt x="0" y="0"/>
                 </a:moveTo>
@@ -1449,9 +1510,11 @@
       <p:sp>
         <p:nvSpPr>
           <p:cNvPr id="148" name="Google Shape;148;gd943094ce9_0_125:notes"/>
-          <p:cNvSpPr txBox="1"/>
+          <p:cNvSpPr txBox="1">
+            <a:spLocks noGrp="1"/>
+          </p:cNvSpPr>
           <p:nvPr>
-            <p:ph idx="1" type="body"/>
+            <p:ph type="body" idx="1"/>
           </p:nvPr>
         </p:nvSpPr>
         <p:spPr>
@@ -1464,12 +1527,12 @@
           </a:prstGeom>
         </p:spPr>
         <p:txBody>
-          <a:bodyPr anchorCtr="0" anchor="t" bIns="91425" lIns="91425" spcFirstLastPara="1" rIns="91425" wrap="square" tIns="91425">
+          <a:bodyPr spcFirstLastPara="1" wrap="square" lIns="91425" tIns="91425" rIns="91425" bIns="91425" anchor="t" anchorCtr="0">
             <a:noAutofit/>
           </a:bodyPr>
           <a:lstStyle/>
           <a:p>
-            <a:pPr indent="0" lvl="0" marL="0" rtl="0" algn="l">
+            <a:pPr marL="0" lvl="0" indent="0" algn="l" rtl="0">
               <a:spcBef>
                 <a:spcPts val="0"/>
               </a:spcBef>
@@ -1478,9 +1541,6 @@
               </a:spcAft>
               <a:buNone/>
             </a:pPr>
-            <a:r>
-              <a:t/>
-            </a:r>
             <a:endParaRPr/>
           </a:p>
         </p:txBody>
@@ -1494,11 +1554,11 @@
 </file>
 
 <file path=ppt/notesSlides/notesSlide2.xml><?xml version="1.0" encoding="utf-8"?>
-<p:notes xmlns:a="http://schemas.openxmlformats.org/drawingml/2006/main" xmlns:r="http://schemas.openxmlformats.org/officeDocument/2006/relationships" xmlns:mc="http://schemas.openxmlformats.org/markup-compatibility/2006" xmlns:mv="urn:schemas-microsoft-com:mac:vml" xmlns:p="http://schemas.openxmlformats.org/presentationml/2006/main" xmlns:c="http://schemas.openxmlformats.org/drawingml/2006/chart" xmlns:dgm="http://schemas.openxmlformats.org/drawingml/2006/diagram" xmlns:o="urn:schemas-microsoft-com:office:office" xmlns:v="urn:schemas-microsoft-com:vml" xmlns:pvml="urn:schemas-microsoft-com:office:powerpoint" xmlns:com="http://schemas.openxmlformats.org/drawingml/2006/compatibility" xmlns:p14="http://schemas.microsoft.com/office/powerpoint/2010/main" xmlns:p15="http://schemas.microsoft.com/office/powerpoint/2012/main" xmlns:ahyp="http://schemas.microsoft.com/office/drawing/2018/hyperlinkcolor" showMasterPhAnim="0" showMasterSp="0">
+<p:notes xmlns:a="http://schemas.openxmlformats.org/drawingml/2006/main" xmlns:r="http://schemas.openxmlformats.org/officeDocument/2006/relationships" xmlns:p="http://schemas.openxmlformats.org/presentationml/2006/main" showMasterSp="0" showMasterPhAnim="0">
   <p:cSld>
     <p:spTree>
       <p:nvGrpSpPr>
-        <p:cNvPr id="56" name="Shape 56"/>
+        <p:cNvPr id="1" name="Shape 56"/>
         <p:cNvGrpSpPr/>
         <p:nvPr/>
       </p:nvGrpSpPr>
@@ -1513,20 +1573,26 @@
       <p:sp>
         <p:nvSpPr>
           <p:cNvPr id="57" name="Google Shape;57;gd943094ce9_0_0:notes"/>
-          <p:cNvSpPr/>
+          <p:cNvSpPr>
+            <a:spLocks noGrp="1" noRot="1" noChangeAspect="1"/>
+          </p:cNvSpPr>
           <p:nvPr>
-            <p:ph idx="2" type="sldImg"/>
+            <p:ph type="sldImg" idx="2"/>
           </p:nvPr>
         </p:nvSpPr>
         <p:spPr>
           <a:xfrm>
-            <a:off x="381300" y="685800"/>
+            <a:off x="381000" y="685800"/>
             <a:ext cx="6096000" cy="3429000"/>
           </a:xfrm>
           <a:custGeom>
-            <a:rect b="b" l="l" r="r" t="t"/>
+            <a:avLst/>
+            <a:gdLst/>
+            <a:ahLst/>
+            <a:cxnLst/>
+            <a:rect l="l" t="t" r="r" b="b"/>
             <a:pathLst>
-              <a:path extrusionOk="0" h="120000" w="120000">
+              <a:path w="120000" h="120000" extrusionOk="0">
                 <a:moveTo>
                   <a:pt x="0" y="0"/>
                 </a:moveTo>
@@ -1548,9 +1614,11 @@
       <p:sp>
         <p:nvSpPr>
           <p:cNvPr id="58" name="Google Shape;58;gd943094ce9_0_0:notes"/>
-          <p:cNvSpPr txBox="1"/>
+          <p:cNvSpPr txBox="1">
+            <a:spLocks noGrp="1"/>
+          </p:cNvSpPr>
           <p:nvPr>
-            <p:ph idx="1" type="body"/>
+            <p:ph type="body" idx="1"/>
           </p:nvPr>
         </p:nvSpPr>
         <p:spPr>
@@ -1563,12 +1631,12 @@
           </a:prstGeom>
         </p:spPr>
         <p:txBody>
-          <a:bodyPr anchorCtr="0" anchor="t" bIns="91425" lIns="91425" spcFirstLastPara="1" rIns="91425" wrap="square" tIns="91425">
+          <a:bodyPr spcFirstLastPara="1" wrap="square" lIns="91425" tIns="91425" rIns="91425" bIns="91425" anchor="t" anchorCtr="0">
             <a:noAutofit/>
           </a:bodyPr>
           <a:lstStyle/>
           <a:p>
-            <a:pPr indent="0" lvl="0" marL="0" rtl="0" algn="l">
+            <a:pPr marL="0" lvl="0" indent="0" algn="l" rtl="0">
               <a:spcBef>
                 <a:spcPts val="0"/>
               </a:spcBef>
@@ -1577,9 +1645,6 @@
               </a:spcAft>
               <a:buNone/>
             </a:pPr>
-            <a:r>
-              <a:t/>
-            </a:r>
             <a:endParaRPr/>
           </a:p>
         </p:txBody>
@@ -1593,11 +1658,11 @@
 </file>
 
 <file path=ppt/notesSlides/notesSlide3.xml><?xml version="1.0" encoding="utf-8"?>
-<p:notes xmlns:a="http://schemas.openxmlformats.org/drawingml/2006/main" xmlns:r="http://schemas.openxmlformats.org/officeDocument/2006/relationships" xmlns:mc="http://schemas.openxmlformats.org/markup-compatibility/2006" xmlns:mv="urn:schemas-microsoft-com:mac:vml" xmlns:p="http://schemas.openxmlformats.org/presentationml/2006/main" xmlns:c="http://schemas.openxmlformats.org/drawingml/2006/chart" xmlns:dgm="http://schemas.openxmlformats.org/drawingml/2006/diagram" xmlns:o="urn:schemas-microsoft-com:office:office" xmlns:v="urn:schemas-microsoft-com:vml" xmlns:pvml="urn:schemas-microsoft-com:office:powerpoint" xmlns:com="http://schemas.openxmlformats.org/drawingml/2006/compatibility" xmlns:p14="http://schemas.microsoft.com/office/powerpoint/2010/main" xmlns:p15="http://schemas.microsoft.com/office/powerpoint/2012/main" xmlns:ahyp="http://schemas.microsoft.com/office/drawing/2018/hyperlinkcolor" showMasterPhAnim="0" showMasterSp="0">
+<p:notes xmlns:a="http://schemas.openxmlformats.org/drawingml/2006/main" xmlns:r="http://schemas.openxmlformats.org/officeDocument/2006/relationships" xmlns:p="http://schemas.openxmlformats.org/presentationml/2006/main" showMasterSp="0" showMasterPhAnim="0">
   <p:cSld>
     <p:spTree>
       <p:nvGrpSpPr>
-        <p:cNvPr id="62" name="Shape 62"/>
+        <p:cNvPr id="1" name="Shape 62"/>
         <p:cNvGrpSpPr/>
         <p:nvPr/>
       </p:nvGrpSpPr>
@@ -1612,9 +1677,11 @@
       <p:sp>
         <p:nvSpPr>
           <p:cNvPr id="63" name="Google Shape;63;gd943094ce9_0_11:notes"/>
-          <p:cNvSpPr/>
+          <p:cNvSpPr>
+            <a:spLocks noGrp="1" noRot="1" noChangeAspect="1"/>
+          </p:cNvSpPr>
           <p:nvPr>
-            <p:ph idx="2" type="sldImg"/>
+            <p:ph type="sldImg" idx="2"/>
           </p:nvPr>
         </p:nvSpPr>
         <p:spPr>
@@ -1623,9 +1690,13 @@
             <a:ext cx="6096000" cy="3429000"/>
           </a:xfrm>
           <a:custGeom>
-            <a:rect b="b" l="l" r="r" t="t"/>
+            <a:avLst/>
+            <a:gdLst/>
+            <a:ahLst/>
+            <a:cxnLst/>
+            <a:rect l="l" t="t" r="r" b="b"/>
             <a:pathLst>
-              <a:path extrusionOk="0" h="120000" w="120000">
+              <a:path w="120000" h="120000" extrusionOk="0">
                 <a:moveTo>
                   <a:pt x="0" y="0"/>
                 </a:moveTo>
@@ -1647,9 +1718,11 @@
       <p:sp>
         <p:nvSpPr>
           <p:cNvPr id="64" name="Google Shape;64;gd943094ce9_0_11:notes"/>
-          <p:cNvSpPr txBox="1"/>
+          <p:cNvSpPr txBox="1">
+            <a:spLocks noGrp="1"/>
+          </p:cNvSpPr>
           <p:nvPr>
-            <p:ph idx="1" type="body"/>
+            <p:ph type="body" idx="1"/>
           </p:nvPr>
         </p:nvSpPr>
         <p:spPr>
@@ -1662,12 +1735,12 @@
           </a:prstGeom>
         </p:spPr>
         <p:txBody>
-          <a:bodyPr anchorCtr="0" anchor="t" bIns="91425" lIns="91425" spcFirstLastPara="1" rIns="91425" wrap="square" tIns="91425">
+          <a:bodyPr spcFirstLastPara="1" wrap="square" lIns="91425" tIns="91425" rIns="91425" bIns="91425" anchor="t" anchorCtr="0">
             <a:noAutofit/>
           </a:bodyPr>
           <a:lstStyle/>
           <a:p>
-            <a:pPr indent="0" lvl="0" marL="0" rtl="0" algn="l">
+            <a:pPr marL="0" lvl="0" indent="0" algn="l" rtl="0">
               <a:spcBef>
                 <a:spcPts val="0"/>
               </a:spcBef>
@@ -1676,9 +1749,6 @@
               </a:spcAft>
               <a:buNone/>
             </a:pPr>
-            <a:r>
-              <a:t/>
-            </a:r>
             <a:endParaRPr/>
           </a:p>
         </p:txBody>
@@ -1692,11 +1762,11 @@
 </file>
 
 <file path=ppt/notesSlides/notesSlide4.xml><?xml version="1.0" encoding="utf-8"?>
-<p:notes xmlns:a="http://schemas.openxmlformats.org/drawingml/2006/main" xmlns:r="http://schemas.openxmlformats.org/officeDocument/2006/relationships" xmlns:mc="http://schemas.openxmlformats.org/markup-compatibility/2006" xmlns:mv="urn:schemas-microsoft-com:mac:vml" xmlns:p="http://schemas.openxmlformats.org/presentationml/2006/main" xmlns:c="http://schemas.openxmlformats.org/drawingml/2006/chart" xmlns:dgm="http://schemas.openxmlformats.org/drawingml/2006/diagram" xmlns:o="urn:schemas-microsoft-com:office:office" xmlns:v="urn:schemas-microsoft-com:vml" xmlns:pvml="urn:schemas-microsoft-com:office:powerpoint" xmlns:com="http://schemas.openxmlformats.org/drawingml/2006/compatibility" xmlns:p14="http://schemas.microsoft.com/office/powerpoint/2010/main" xmlns:p15="http://schemas.microsoft.com/office/powerpoint/2012/main" xmlns:ahyp="http://schemas.microsoft.com/office/drawing/2018/hyperlinkcolor" showMasterPhAnim="0" showMasterSp="0">
+<p:notes xmlns:a="http://schemas.openxmlformats.org/drawingml/2006/main" xmlns:r="http://schemas.openxmlformats.org/officeDocument/2006/relationships" xmlns:p="http://schemas.openxmlformats.org/presentationml/2006/main" showMasterSp="0" showMasterPhAnim="0">
   <p:cSld>
     <p:spTree>
       <p:nvGrpSpPr>
-        <p:cNvPr id="68" name="Shape 68"/>
+        <p:cNvPr id="1" name="Shape 68"/>
         <p:cNvGrpSpPr/>
         <p:nvPr/>
       </p:nvGrpSpPr>
@@ -1711,9 +1781,11 @@
       <p:sp>
         <p:nvSpPr>
           <p:cNvPr id="69" name="Google Shape;69;gd943094ce9_0_61:notes"/>
-          <p:cNvSpPr/>
+          <p:cNvSpPr>
+            <a:spLocks noGrp="1" noRot="1" noChangeAspect="1"/>
+          </p:cNvSpPr>
           <p:nvPr>
-            <p:ph idx="2" type="sldImg"/>
+            <p:ph type="sldImg" idx="2"/>
           </p:nvPr>
         </p:nvSpPr>
         <p:spPr>
@@ -1722,9 +1794,13 @@
             <a:ext cx="6096000" cy="3429000"/>
           </a:xfrm>
           <a:custGeom>
-            <a:rect b="b" l="l" r="r" t="t"/>
+            <a:avLst/>
+            <a:gdLst/>
+            <a:ahLst/>
+            <a:cxnLst/>
+            <a:rect l="l" t="t" r="r" b="b"/>
             <a:pathLst>
-              <a:path extrusionOk="0" h="120000" w="120000">
+              <a:path w="120000" h="120000" extrusionOk="0">
                 <a:moveTo>
                   <a:pt x="0" y="0"/>
                 </a:moveTo>
@@ -1746,9 +1822,11 @@
       <p:sp>
         <p:nvSpPr>
           <p:cNvPr id="70" name="Google Shape;70;gd943094ce9_0_61:notes"/>
-          <p:cNvSpPr txBox="1"/>
+          <p:cNvSpPr txBox="1">
+            <a:spLocks noGrp="1"/>
+          </p:cNvSpPr>
           <p:nvPr>
-            <p:ph idx="1" type="body"/>
+            <p:ph type="body" idx="1"/>
           </p:nvPr>
         </p:nvSpPr>
         <p:spPr>
@@ -1761,12 +1839,12 @@
           </a:prstGeom>
         </p:spPr>
         <p:txBody>
-          <a:bodyPr anchorCtr="0" anchor="t" bIns="91425" lIns="91425" spcFirstLastPara="1" rIns="91425" wrap="square" tIns="91425">
+          <a:bodyPr spcFirstLastPara="1" wrap="square" lIns="91425" tIns="91425" rIns="91425" bIns="91425" anchor="t" anchorCtr="0">
             <a:noAutofit/>
           </a:bodyPr>
           <a:lstStyle/>
           <a:p>
-            <a:pPr indent="0" lvl="0" marL="0" rtl="0" algn="l">
+            <a:pPr marL="0" lvl="0" indent="0" algn="l" rtl="0">
               <a:spcBef>
                 <a:spcPts val="0"/>
               </a:spcBef>
@@ -1775,9 +1853,6 @@
               </a:spcAft>
               <a:buNone/>
             </a:pPr>
-            <a:r>
-              <a:t/>
-            </a:r>
             <a:endParaRPr/>
           </a:p>
         </p:txBody>
@@ -1791,11 +1866,11 @@
 </file>
 
 <file path=ppt/notesSlides/notesSlide5.xml><?xml version="1.0" encoding="utf-8"?>
-<p:notes xmlns:a="http://schemas.openxmlformats.org/drawingml/2006/main" xmlns:r="http://schemas.openxmlformats.org/officeDocument/2006/relationships" xmlns:mc="http://schemas.openxmlformats.org/markup-compatibility/2006" xmlns:mv="urn:schemas-microsoft-com:mac:vml" xmlns:p="http://schemas.openxmlformats.org/presentationml/2006/main" xmlns:c="http://schemas.openxmlformats.org/drawingml/2006/chart" xmlns:dgm="http://schemas.openxmlformats.org/drawingml/2006/diagram" xmlns:o="urn:schemas-microsoft-com:office:office" xmlns:v="urn:schemas-microsoft-com:vml" xmlns:pvml="urn:schemas-microsoft-com:office:powerpoint" xmlns:com="http://schemas.openxmlformats.org/drawingml/2006/compatibility" xmlns:p14="http://schemas.microsoft.com/office/powerpoint/2010/main" xmlns:p15="http://schemas.microsoft.com/office/powerpoint/2012/main" xmlns:ahyp="http://schemas.microsoft.com/office/drawing/2018/hyperlinkcolor" showMasterPhAnim="0" showMasterSp="0">
+<p:notes xmlns:a="http://schemas.openxmlformats.org/drawingml/2006/main" xmlns:r="http://schemas.openxmlformats.org/officeDocument/2006/relationships" xmlns:p="http://schemas.openxmlformats.org/presentationml/2006/main" showMasterSp="0" showMasterPhAnim="0">
   <p:cSld>
     <p:spTree>
       <p:nvGrpSpPr>
-        <p:cNvPr id="77" name="Shape 77"/>
+        <p:cNvPr id="1" name="Shape 77"/>
         <p:cNvGrpSpPr/>
         <p:nvPr/>
       </p:nvGrpSpPr>
@@ -1810,9 +1885,11 @@
       <p:sp>
         <p:nvSpPr>
           <p:cNvPr id="78" name="Google Shape;78;gd943094ce9_0_70:notes"/>
-          <p:cNvSpPr/>
+          <p:cNvSpPr>
+            <a:spLocks noGrp="1" noRot="1" noChangeAspect="1"/>
+          </p:cNvSpPr>
           <p:nvPr>
-            <p:ph idx="2" type="sldImg"/>
+            <p:ph type="sldImg" idx="2"/>
           </p:nvPr>
         </p:nvSpPr>
         <p:spPr>
@@ -1821,9 +1898,13 @@
             <a:ext cx="6096000" cy="3429000"/>
           </a:xfrm>
           <a:custGeom>
-            <a:rect b="b" l="l" r="r" t="t"/>
+            <a:avLst/>
+            <a:gdLst/>
+            <a:ahLst/>
+            <a:cxnLst/>
+            <a:rect l="l" t="t" r="r" b="b"/>
             <a:pathLst>
-              <a:path extrusionOk="0" h="120000" w="120000">
+              <a:path w="120000" h="120000" extrusionOk="0">
                 <a:moveTo>
                   <a:pt x="0" y="0"/>
                 </a:moveTo>
@@ -1845,9 +1926,11 @@
       <p:sp>
         <p:nvSpPr>
           <p:cNvPr id="79" name="Google Shape;79;gd943094ce9_0_70:notes"/>
-          <p:cNvSpPr txBox="1"/>
+          <p:cNvSpPr txBox="1">
+            <a:spLocks noGrp="1"/>
+          </p:cNvSpPr>
           <p:nvPr>
-            <p:ph idx="1" type="body"/>
+            <p:ph type="body" idx="1"/>
           </p:nvPr>
         </p:nvSpPr>
         <p:spPr>
@@ -1860,12 +1943,12 @@
           </a:prstGeom>
         </p:spPr>
         <p:txBody>
-          <a:bodyPr anchorCtr="0" anchor="t" bIns="91425" lIns="91425" spcFirstLastPara="1" rIns="91425" wrap="square" tIns="91425">
+          <a:bodyPr spcFirstLastPara="1" wrap="square" lIns="91425" tIns="91425" rIns="91425" bIns="91425" anchor="t" anchorCtr="0">
             <a:noAutofit/>
           </a:bodyPr>
           <a:lstStyle/>
           <a:p>
-            <a:pPr indent="0" lvl="0" marL="0" rtl="0" algn="l">
+            <a:pPr marL="0" lvl="0" indent="0" algn="l" rtl="0">
               <a:spcBef>
                 <a:spcPts val="0"/>
               </a:spcBef>
@@ -1874,9 +1957,6 @@
               </a:spcAft>
               <a:buNone/>
             </a:pPr>
-            <a:r>
-              <a:t/>
-            </a:r>
             <a:endParaRPr/>
           </a:p>
         </p:txBody>
@@ -1890,11 +1970,11 @@
 </file>
 
 <file path=ppt/notesSlides/notesSlide6.xml><?xml version="1.0" encoding="utf-8"?>
-<p:notes xmlns:a="http://schemas.openxmlformats.org/drawingml/2006/main" xmlns:r="http://schemas.openxmlformats.org/officeDocument/2006/relationships" xmlns:mc="http://schemas.openxmlformats.org/markup-compatibility/2006" xmlns:mv="urn:schemas-microsoft-com:mac:vml" xmlns:p="http://schemas.openxmlformats.org/presentationml/2006/main" xmlns:c="http://schemas.openxmlformats.org/drawingml/2006/chart" xmlns:dgm="http://schemas.openxmlformats.org/drawingml/2006/diagram" xmlns:o="urn:schemas-microsoft-com:office:office" xmlns:v="urn:schemas-microsoft-com:vml" xmlns:pvml="urn:schemas-microsoft-com:office:powerpoint" xmlns:com="http://schemas.openxmlformats.org/drawingml/2006/compatibility" xmlns:p14="http://schemas.microsoft.com/office/powerpoint/2010/main" xmlns:p15="http://schemas.microsoft.com/office/powerpoint/2012/main" xmlns:ahyp="http://schemas.microsoft.com/office/drawing/2018/hyperlinkcolor" showMasterPhAnim="0" showMasterSp="0">
+<p:notes xmlns:a="http://schemas.openxmlformats.org/drawingml/2006/main" xmlns:r="http://schemas.openxmlformats.org/officeDocument/2006/relationships" xmlns:p="http://schemas.openxmlformats.org/presentationml/2006/main" showMasterSp="0" showMasterPhAnim="0">
   <p:cSld>
     <p:spTree>
       <p:nvGrpSpPr>
-        <p:cNvPr id="86" name="Shape 86"/>
+        <p:cNvPr id="1" name="Shape 86"/>
         <p:cNvGrpSpPr/>
         <p:nvPr/>
       </p:nvGrpSpPr>
@@ -1909,9 +1989,11 @@
       <p:sp>
         <p:nvSpPr>
           <p:cNvPr id="87" name="Google Shape;87;gdc65a5b1c5_0_7:notes"/>
-          <p:cNvSpPr/>
+          <p:cNvSpPr>
+            <a:spLocks noGrp="1" noRot="1" noChangeAspect="1"/>
+          </p:cNvSpPr>
           <p:nvPr>
-            <p:ph idx="2" type="sldImg"/>
+            <p:ph type="sldImg" idx="2"/>
           </p:nvPr>
         </p:nvSpPr>
         <p:spPr>
@@ -1920,9 +2002,13 @@
             <a:ext cx="6096000" cy="3429000"/>
           </a:xfrm>
           <a:custGeom>
-            <a:rect b="b" l="l" r="r" t="t"/>
+            <a:avLst/>
+            <a:gdLst/>
+            <a:ahLst/>
+            <a:cxnLst/>
+            <a:rect l="l" t="t" r="r" b="b"/>
             <a:pathLst>
-              <a:path extrusionOk="0" h="120000" w="120000">
+              <a:path w="120000" h="120000" extrusionOk="0">
                 <a:moveTo>
                   <a:pt x="0" y="0"/>
                 </a:moveTo>
@@ -1944,9 +2030,11 @@
       <p:sp>
         <p:nvSpPr>
           <p:cNvPr id="88" name="Google Shape;88;gdc65a5b1c5_0_7:notes"/>
-          <p:cNvSpPr txBox="1"/>
+          <p:cNvSpPr txBox="1">
+            <a:spLocks noGrp="1"/>
+          </p:cNvSpPr>
           <p:nvPr>
-            <p:ph idx="1" type="body"/>
+            <p:ph type="body" idx="1"/>
           </p:nvPr>
         </p:nvSpPr>
         <p:spPr>
@@ -1959,12 +2047,12 @@
           </a:prstGeom>
         </p:spPr>
         <p:txBody>
-          <a:bodyPr anchorCtr="0" anchor="t" bIns="91425" lIns="91425" spcFirstLastPara="1" rIns="91425" wrap="square" tIns="91425">
+          <a:bodyPr spcFirstLastPara="1" wrap="square" lIns="91425" tIns="91425" rIns="91425" bIns="91425" anchor="t" anchorCtr="0">
             <a:noAutofit/>
           </a:bodyPr>
           <a:lstStyle/>
           <a:p>
-            <a:pPr indent="0" lvl="0" marL="0" rtl="0" algn="l">
+            <a:pPr marL="0" lvl="0" indent="0" algn="l" rtl="0">
               <a:spcBef>
                 <a:spcPts val="0"/>
               </a:spcBef>
@@ -1973,9 +2061,6 @@
               </a:spcAft>
               <a:buNone/>
             </a:pPr>
-            <a:r>
-              <a:t/>
-            </a:r>
             <a:endParaRPr/>
           </a:p>
         </p:txBody>
@@ -1989,11 +2074,11 @@
 </file>
 
 <file path=ppt/notesSlides/notesSlide7.xml><?xml version="1.0" encoding="utf-8"?>
-<p:notes xmlns:a="http://schemas.openxmlformats.org/drawingml/2006/main" xmlns:r="http://schemas.openxmlformats.org/officeDocument/2006/relationships" xmlns:mc="http://schemas.openxmlformats.org/markup-compatibility/2006" xmlns:mv="urn:schemas-microsoft-com:mac:vml" xmlns:p="http://schemas.openxmlformats.org/presentationml/2006/main" xmlns:c="http://schemas.openxmlformats.org/drawingml/2006/chart" xmlns:dgm="http://schemas.openxmlformats.org/drawingml/2006/diagram" xmlns:o="urn:schemas-microsoft-com:office:office" xmlns:v="urn:schemas-microsoft-com:vml" xmlns:pvml="urn:schemas-microsoft-com:office:powerpoint" xmlns:com="http://schemas.openxmlformats.org/drawingml/2006/compatibility" xmlns:p14="http://schemas.microsoft.com/office/powerpoint/2010/main" xmlns:p15="http://schemas.microsoft.com/office/powerpoint/2012/main" xmlns:ahyp="http://schemas.microsoft.com/office/drawing/2018/hyperlinkcolor" showMasterPhAnim="0" showMasterSp="0">
+<p:notes xmlns:a="http://schemas.openxmlformats.org/drawingml/2006/main" xmlns:r="http://schemas.openxmlformats.org/officeDocument/2006/relationships" xmlns:p="http://schemas.openxmlformats.org/presentationml/2006/main" showMasterSp="0" showMasterPhAnim="0">
   <p:cSld>
     <p:spTree>
       <p:nvGrpSpPr>
-        <p:cNvPr id="92" name="Shape 92"/>
+        <p:cNvPr id="1" name="Shape 92"/>
         <p:cNvGrpSpPr/>
         <p:nvPr/>
       </p:nvGrpSpPr>
@@ -2008,9 +2093,11 @@
       <p:sp>
         <p:nvSpPr>
           <p:cNvPr id="93" name="Google Shape;93;gdc65a5b1c5_0_14:notes"/>
-          <p:cNvSpPr/>
+          <p:cNvSpPr>
+            <a:spLocks noGrp="1" noRot="1" noChangeAspect="1"/>
+          </p:cNvSpPr>
           <p:nvPr>
-            <p:ph idx="2" type="sldImg"/>
+            <p:ph type="sldImg" idx="2"/>
           </p:nvPr>
         </p:nvSpPr>
         <p:spPr>
@@ -2019,9 +2106,13 @@
             <a:ext cx="6096000" cy="3429000"/>
           </a:xfrm>
           <a:custGeom>
-            <a:rect b="b" l="l" r="r" t="t"/>
+            <a:avLst/>
+            <a:gdLst/>
+            <a:ahLst/>
+            <a:cxnLst/>
+            <a:rect l="l" t="t" r="r" b="b"/>
             <a:pathLst>
-              <a:path extrusionOk="0" h="120000" w="120000">
+              <a:path w="120000" h="120000" extrusionOk="0">
                 <a:moveTo>
                   <a:pt x="0" y="0"/>
                 </a:moveTo>
@@ -2043,9 +2134,11 @@
       <p:sp>
         <p:nvSpPr>
           <p:cNvPr id="94" name="Google Shape;94;gdc65a5b1c5_0_14:notes"/>
-          <p:cNvSpPr txBox="1"/>
+          <p:cNvSpPr txBox="1">
+            <a:spLocks noGrp="1"/>
+          </p:cNvSpPr>
           <p:nvPr>
-            <p:ph idx="1" type="body"/>
+            <p:ph type="body" idx="1"/>
           </p:nvPr>
         </p:nvSpPr>
         <p:spPr>
@@ -2058,12 +2151,12 @@
           </a:prstGeom>
         </p:spPr>
         <p:txBody>
-          <a:bodyPr anchorCtr="0" anchor="t" bIns="91425" lIns="91425" spcFirstLastPara="1" rIns="91425" wrap="square" tIns="91425">
+          <a:bodyPr spcFirstLastPara="1" wrap="square" lIns="91425" tIns="91425" rIns="91425" bIns="91425" anchor="t" anchorCtr="0">
             <a:noAutofit/>
           </a:bodyPr>
           <a:lstStyle/>
           <a:p>
-            <a:pPr indent="0" lvl="0" marL="0" rtl="0" algn="l">
+            <a:pPr marL="0" lvl="0" indent="0" algn="l" rtl="0">
               <a:spcBef>
                 <a:spcPts val="0"/>
               </a:spcBef>
@@ -2072,9 +2165,6 @@
               </a:spcAft>
               <a:buNone/>
             </a:pPr>
-            <a:r>
-              <a:t/>
-            </a:r>
             <a:endParaRPr/>
           </a:p>
         </p:txBody>
@@ -2088,11 +2178,11 @@
 </file>
 
 <file path=ppt/notesSlides/notesSlide8.xml><?xml version="1.0" encoding="utf-8"?>
-<p:notes xmlns:a="http://schemas.openxmlformats.org/drawingml/2006/main" xmlns:r="http://schemas.openxmlformats.org/officeDocument/2006/relationships" xmlns:mc="http://schemas.openxmlformats.org/markup-compatibility/2006" xmlns:mv="urn:schemas-microsoft-com:mac:vml" xmlns:p="http://schemas.openxmlformats.org/presentationml/2006/main" xmlns:c="http://schemas.openxmlformats.org/drawingml/2006/chart" xmlns:dgm="http://schemas.openxmlformats.org/drawingml/2006/diagram" xmlns:o="urn:schemas-microsoft-com:office:office" xmlns:v="urn:schemas-microsoft-com:vml" xmlns:pvml="urn:schemas-microsoft-com:office:powerpoint" xmlns:com="http://schemas.openxmlformats.org/drawingml/2006/compatibility" xmlns:p14="http://schemas.microsoft.com/office/powerpoint/2010/main" xmlns:p15="http://schemas.microsoft.com/office/powerpoint/2012/main" xmlns:ahyp="http://schemas.microsoft.com/office/drawing/2018/hyperlinkcolor" showMasterPhAnim="0" showMasterSp="0">
+<p:notes xmlns:a="http://schemas.openxmlformats.org/drawingml/2006/main" xmlns:r="http://schemas.openxmlformats.org/officeDocument/2006/relationships" xmlns:p="http://schemas.openxmlformats.org/presentationml/2006/main" showMasterSp="0" showMasterPhAnim="0">
   <p:cSld>
     <p:spTree>
       <p:nvGrpSpPr>
-        <p:cNvPr id="98" name="Shape 98"/>
+        <p:cNvPr id="1" name="Shape 98"/>
         <p:cNvGrpSpPr/>
         <p:nvPr/>
       </p:nvGrpSpPr>
@@ -2107,9 +2197,11 @@
       <p:sp>
         <p:nvSpPr>
           <p:cNvPr id="99" name="Google Shape;99;gd943094ce9_0_78:notes"/>
-          <p:cNvSpPr/>
+          <p:cNvSpPr>
+            <a:spLocks noGrp="1" noRot="1" noChangeAspect="1"/>
+          </p:cNvSpPr>
           <p:nvPr>
-            <p:ph idx="2" type="sldImg"/>
+            <p:ph type="sldImg" idx="2"/>
           </p:nvPr>
         </p:nvSpPr>
         <p:spPr>
@@ -2118,9 +2210,13 @@
             <a:ext cx="6096000" cy="3429000"/>
           </a:xfrm>
           <a:custGeom>
-            <a:rect b="b" l="l" r="r" t="t"/>
+            <a:avLst/>
+            <a:gdLst/>
+            <a:ahLst/>
+            <a:cxnLst/>
+            <a:rect l="l" t="t" r="r" b="b"/>
             <a:pathLst>
-              <a:path extrusionOk="0" h="120000" w="120000">
+              <a:path w="120000" h="120000" extrusionOk="0">
                 <a:moveTo>
                   <a:pt x="0" y="0"/>
                 </a:moveTo>
@@ -2142,9 +2238,11 @@
       <p:sp>
         <p:nvSpPr>
           <p:cNvPr id="100" name="Google Shape;100;gd943094ce9_0_78:notes"/>
-          <p:cNvSpPr txBox="1"/>
+          <p:cNvSpPr txBox="1">
+            <a:spLocks noGrp="1"/>
+          </p:cNvSpPr>
           <p:nvPr>
-            <p:ph idx="1" type="body"/>
+            <p:ph type="body" idx="1"/>
           </p:nvPr>
         </p:nvSpPr>
         <p:spPr>
@@ -2157,12 +2255,12 @@
           </a:prstGeom>
         </p:spPr>
         <p:txBody>
-          <a:bodyPr anchorCtr="0" anchor="t" bIns="91425" lIns="91425" spcFirstLastPara="1" rIns="91425" wrap="square" tIns="91425">
+          <a:bodyPr spcFirstLastPara="1" wrap="square" lIns="91425" tIns="91425" rIns="91425" bIns="91425" anchor="t" anchorCtr="0">
             <a:noAutofit/>
           </a:bodyPr>
           <a:lstStyle/>
           <a:p>
-            <a:pPr indent="0" lvl="0" marL="0" rtl="0" algn="l">
+            <a:pPr marL="0" lvl="0" indent="0" algn="l" rtl="0">
               <a:spcBef>
                 <a:spcPts val="0"/>
               </a:spcBef>
@@ -2171,9 +2269,6 @@
               </a:spcAft>
               <a:buNone/>
             </a:pPr>
-            <a:r>
-              <a:t/>
-            </a:r>
             <a:endParaRPr/>
           </a:p>
         </p:txBody>
@@ -2187,11 +2282,11 @@
 </file>
 
 <file path=ppt/notesSlides/notesSlide9.xml><?xml version="1.0" encoding="utf-8"?>
-<p:notes xmlns:a="http://schemas.openxmlformats.org/drawingml/2006/main" xmlns:r="http://schemas.openxmlformats.org/officeDocument/2006/relationships" xmlns:mc="http://schemas.openxmlformats.org/markup-compatibility/2006" xmlns:mv="urn:schemas-microsoft-com:mac:vml" xmlns:p="http://schemas.openxmlformats.org/presentationml/2006/main" xmlns:c="http://schemas.openxmlformats.org/drawingml/2006/chart" xmlns:dgm="http://schemas.openxmlformats.org/drawingml/2006/diagram" xmlns:o="urn:schemas-microsoft-com:office:office" xmlns:v="urn:schemas-microsoft-com:vml" xmlns:pvml="urn:schemas-microsoft-com:office:powerpoint" xmlns:com="http://schemas.openxmlformats.org/drawingml/2006/compatibility" xmlns:p14="http://schemas.microsoft.com/office/powerpoint/2010/main" xmlns:p15="http://schemas.microsoft.com/office/powerpoint/2012/main" xmlns:ahyp="http://schemas.microsoft.com/office/drawing/2018/hyperlinkcolor" showMasterPhAnim="0" showMasterSp="0">
+<p:notes xmlns:a="http://schemas.openxmlformats.org/drawingml/2006/main" xmlns:r="http://schemas.openxmlformats.org/officeDocument/2006/relationships" xmlns:p="http://schemas.openxmlformats.org/presentationml/2006/main" showMasterSp="0" showMasterPhAnim="0">
   <p:cSld>
     <p:spTree>
       <p:nvGrpSpPr>
-        <p:cNvPr id="104" name="Shape 104"/>
+        <p:cNvPr id="1" name="Shape 104"/>
         <p:cNvGrpSpPr/>
         <p:nvPr/>
       </p:nvGrpSpPr>
@@ -2206,9 +2301,11 @@
       <p:sp>
         <p:nvSpPr>
           <p:cNvPr id="105" name="Google Shape;105;gd943094ce9_0_84:notes"/>
-          <p:cNvSpPr/>
+          <p:cNvSpPr>
+            <a:spLocks noGrp="1" noRot="1" noChangeAspect="1"/>
+          </p:cNvSpPr>
           <p:nvPr>
-            <p:ph idx="2" type="sldImg"/>
+            <p:ph type="sldImg" idx="2"/>
           </p:nvPr>
         </p:nvSpPr>
         <p:spPr>
@@ -2217,9 +2314,13 @@
             <a:ext cx="6096000" cy="3429000"/>
           </a:xfrm>
           <a:custGeom>
-            <a:rect b="b" l="l" r="r" t="t"/>
+            <a:avLst/>
+            <a:gdLst/>
+            <a:ahLst/>
+            <a:cxnLst/>
+            <a:rect l="l" t="t" r="r" b="b"/>
             <a:pathLst>
-              <a:path extrusionOk="0" h="120000" w="120000">
+              <a:path w="120000" h="120000" extrusionOk="0">
                 <a:moveTo>
                   <a:pt x="0" y="0"/>
                 </a:moveTo>
@@ -2241,9 +2342,11 @@
       <p:sp>
         <p:nvSpPr>
           <p:cNvPr id="106" name="Google Shape;106;gd943094ce9_0_84:notes"/>
-          <p:cNvSpPr txBox="1"/>
+          <p:cNvSpPr txBox="1">
+            <a:spLocks noGrp="1"/>
+          </p:cNvSpPr>
           <p:nvPr>
-            <p:ph idx="1" type="body"/>
+            <p:ph type="body" idx="1"/>
           </p:nvPr>
         </p:nvSpPr>
         <p:spPr>
@@ -2256,12 +2359,12 @@
           </a:prstGeom>
         </p:spPr>
         <p:txBody>
-          <a:bodyPr anchorCtr="0" anchor="t" bIns="91425" lIns="91425" spcFirstLastPara="1" rIns="91425" wrap="square" tIns="91425">
+          <a:bodyPr spcFirstLastPara="1" wrap="square" lIns="91425" tIns="91425" rIns="91425" bIns="91425" anchor="t" anchorCtr="0">
             <a:noAutofit/>
           </a:bodyPr>
           <a:lstStyle/>
           <a:p>
-            <a:pPr indent="0" lvl="0" marL="0" rtl="0" algn="l">
+            <a:pPr marL="0" lvl="0" indent="0" algn="l" rtl="0">
               <a:spcBef>
                 <a:spcPts val="0"/>
               </a:spcBef>
@@ -2270,9 +2373,6 @@
               </a:spcAft>
               <a:buNone/>
             </a:pPr>
-            <a:r>
-              <a:t/>
-            </a:r>
             <a:endParaRPr/>
           </a:p>
         </p:txBody>
@@ -2286,11 +2386,11 @@
 </file>
 
 <file path=ppt/slideLayouts/slideLayout1.xml><?xml version="1.0" encoding="utf-8"?>
-<p:sldLayout xmlns:a="http://schemas.openxmlformats.org/drawingml/2006/main" xmlns:r="http://schemas.openxmlformats.org/officeDocument/2006/relationships" xmlns:mc="http://schemas.openxmlformats.org/markup-compatibility/2006" xmlns:mv="urn:schemas-microsoft-com:mac:vml" xmlns:p="http://schemas.openxmlformats.org/presentationml/2006/main" xmlns:c="http://schemas.openxmlformats.org/drawingml/2006/chart" xmlns:dgm="http://schemas.openxmlformats.org/drawingml/2006/diagram" xmlns:o="urn:schemas-microsoft-com:office:office" xmlns:v="urn:schemas-microsoft-com:vml" xmlns:pvml="urn:schemas-microsoft-com:office:powerpoint" xmlns:com="http://schemas.openxmlformats.org/drawingml/2006/compatibility" xmlns:p14="http://schemas.microsoft.com/office/powerpoint/2010/main" xmlns:p15="http://schemas.microsoft.com/office/powerpoint/2012/main" xmlns:ahyp="http://schemas.microsoft.com/office/drawing/2018/hyperlinkcolor" matchingName="Title slide" type="title">
+<p:sldLayout xmlns:a="http://schemas.openxmlformats.org/drawingml/2006/main" xmlns:r="http://schemas.openxmlformats.org/officeDocument/2006/relationships" xmlns:p="http://schemas.openxmlformats.org/presentationml/2006/main" matchingName="Title slide" type="title">
   <p:cSld name="TITLE">
     <p:spTree>
       <p:nvGrpSpPr>
-        <p:cNvPr id="9" name="Shape 9"/>
+        <p:cNvPr id="1" name="Shape 9"/>
         <p:cNvGrpSpPr/>
         <p:nvPr/>
       </p:nvGrpSpPr>
@@ -2305,7 +2405,9 @@
       <p:sp>
         <p:nvSpPr>
           <p:cNvPr id="10" name="Google Shape;10;p2"/>
-          <p:cNvSpPr txBox="1"/>
+          <p:cNvSpPr txBox="1">
+            <a:spLocks noGrp="1"/>
+          </p:cNvSpPr>
           <p:nvPr>
             <p:ph type="ctrTitle"/>
           </p:nvPr>
@@ -2320,7 +2422,7 @@
           </a:prstGeom>
         </p:spPr>
         <p:txBody>
-          <a:bodyPr anchorCtr="0" anchor="b" bIns="91425" lIns="91425" spcFirstLastPara="1" rIns="91425" wrap="square" tIns="91425">
+          <a:bodyPr spcFirstLastPara="1" wrap="square" lIns="91425" tIns="91425" rIns="91425" bIns="91425" anchor="b" anchorCtr="0">
             <a:normAutofit/>
           </a:bodyPr>
           <a:lstStyle>
@@ -2424,15 +2526,19 @@
               <a:defRPr sz="5200"/>
             </a:lvl9pPr>
           </a:lstStyle>
-          <a:p/>
+          <a:p>
+            <a:endParaRPr/>
+          </a:p>
         </p:txBody>
       </p:sp>
       <p:sp>
         <p:nvSpPr>
           <p:cNvPr id="11" name="Google Shape;11;p2"/>
-          <p:cNvSpPr txBox="1"/>
+          <p:cNvSpPr txBox="1">
+            <a:spLocks noGrp="1"/>
+          </p:cNvSpPr>
           <p:nvPr>
-            <p:ph idx="1" type="subTitle"/>
+            <p:ph type="subTitle" idx="1"/>
           </p:nvPr>
         </p:nvSpPr>
         <p:spPr>
@@ -2445,7 +2551,7 @@
           </a:prstGeom>
         </p:spPr>
         <p:txBody>
-          <a:bodyPr anchorCtr="0" anchor="t" bIns="91425" lIns="91425" spcFirstLastPara="1" rIns="91425" wrap="square" tIns="91425">
+          <a:bodyPr spcFirstLastPara="1" wrap="square" lIns="91425" tIns="91425" rIns="91425" bIns="91425" anchor="t" anchorCtr="0">
             <a:normAutofit/>
           </a:bodyPr>
           <a:lstStyle>
@@ -2576,15 +2682,19 @@
               <a:defRPr sz="2800"/>
             </a:lvl9pPr>
           </a:lstStyle>
-          <a:p/>
+          <a:p>
+            <a:endParaRPr/>
+          </a:p>
         </p:txBody>
       </p:sp>
       <p:sp>
         <p:nvSpPr>
           <p:cNvPr id="12" name="Google Shape;12;p2"/>
-          <p:cNvSpPr txBox="1"/>
+          <p:cNvSpPr txBox="1">
+            <a:spLocks noGrp="1"/>
+          </p:cNvSpPr>
           <p:nvPr>
-            <p:ph idx="12" type="sldNum"/>
+            <p:ph type="sldNum" idx="12"/>
           </p:nvPr>
         </p:nvSpPr>
         <p:spPr>
@@ -2597,7 +2707,7 @@
           </a:prstGeom>
         </p:spPr>
         <p:txBody>
-          <a:bodyPr anchorCtr="0" anchor="ctr" bIns="91425" lIns="91425" spcFirstLastPara="1" rIns="91425" wrap="square" tIns="91425">
+          <a:bodyPr spcFirstLastPara="1" wrap="square" lIns="91425" tIns="91425" rIns="91425" bIns="91425" anchor="ctr" anchorCtr="0">
             <a:normAutofit/>
           </a:bodyPr>
           <a:lstStyle>
@@ -2639,7 +2749,7 @@
             </a:lvl9pPr>
           </a:lstStyle>
           <a:p>
-            <a:pPr indent="0" lvl="0" marL="0" rtl="0" algn="r">
+            <a:pPr marL="0" lvl="0" indent="0" algn="r" rtl="0">
               <a:spcBef>
                 <a:spcPts val="0"/>
               </a:spcBef>
@@ -2665,11 +2775,11 @@
 </file>
 
 <file path=ppt/slideLayouts/slideLayout10.xml><?xml version="1.0" encoding="utf-8"?>
-<p:sldLayout xmlns:a="http://schemas.openxmlformats.org/drawingml/2006/main" xmlns:r="http://schemas.openxmlformats.org/officeDocument/2006/relationships" xmlns:mc="http://schemas.openxmlformats.org/markup-compatibility/2006" xmlns:mv="urn:schemas-microsoft-com:mac:vml" xmlns:p="http://schemas.openxmlformats.org/presentationml/2006/main" xmlns:c="http://schemas.openxmlformats.org/drawingml/2006/chart" xmlns:dgm="http://schemas.openxmlformats.org/drawingml/2006/diagram" xmlns:o="urn:schemas-microsoft-com:office:office" xmlns:v="urn:schemas-microsoft-com:vml" xmlns:pvml="urn:schemas-microsoft-com:office:powerpoint" xmlns:com="http://schemas.openxmlformats.org/drawingml/2006/compatibility" xmlns:p14="http://schemas.microsoft.com/office/powerpoint/2010/main" xmlns:p15="http://schemas.microsoft.com/office/powerpoint/2012/main" xmlns:ahyp="http://schemas.microsoft.com/office/drawing/2018/hyperlinkcolor" matchingName="Big number">
+<p:sldLayout xmlns:a="http://schemas.openxmlformats.org/drawingml/2006/main" xmlns:r="http://schemas.openxmlformats.org/officeDocument/2006/relationships" xmlns:p="http://schemas.openxmlformats.org/presentationml/2006/main" matchingName="Big number">
   <p:cSld name="BIG_NUMBER">
     <p:spTree>
       <p:nvGrpSpPr>
-        <p:cNvPr id="44" name="Shape 44"/>
+        <p:cNvPr id="1" name="Shape 44"/>
         <p:cNvGrpSpPr/>
         <p:nvPr/>
       </p:nvGrpSpPr>
@@ -2684,9 +2794,11 @@
       <p:sp>
         <p:nvSpPr>
           <p:cNvPr id="45" name="Google Shape;45;p11"/>
-          <p:cNvSpPr txBox="1"/>
+          <p:cNvSpPr txBox="1">
+            <a:spLocks noGrp="1"/>
+          </p:cNvSpPr>
           <p:nvPr>
-            <p:ph hasCustomPrompt="1" type="title"/>
+            <p:ph type="title" hasCustomPrompt="1"/>
           </p:nvPr>
         </p:nvSpPr>
         <p:spPr>
@@ -2699,7 +2811,7 @@
           </a:prstGeom>
         </p:spPr>
         <p:txBody>
-          <a:bodyPr anchorCtr="0" anchor="b" bIns="91425" lIns="91425" spcFirstLastPara="1" rIns="91425" wrap="square" tIns="91425">
+          <a:bodyPr spcFirstLastPara="1" wrap="square" lIns="91425" tIns="91425" rIns="91425" bIns="91425" anchor="b" anchorCtr="0">
             <a:normAutofit/>
           </a:bodyPr>
           <a:lstStyle>
@@ -2813,9 +2925,11 @@
       <p:sp>
         <p:nvSpPr>
           <p:cNvPr id="46" name="Google Shape;46;p11"/>
-          <p:cNvSpPr txBox="1"/>
+          <p:cNvSpPr txBox="1">
+            <a:spLocks noGrp="1"/>
+          </p:cNvSpPr>
           <p:nvPr>
-            <p:ph idx="1" type="body"/>
+            <p:ph type="body" idx="1"/>
           </p:nvPr>
         </p:nvSpPr>
         <p:spPr>
@@ -2828,11 +2942,11 @@
           </a:prstGeom>
         </p:spPr>
         <p:txBody>
-          <a:bodyPr anchorCtr="0" anchor="t" bIns="91425" lIns="91425" spcFirstLastPara="1" rIns="91425" wrap="square" tIns="91425">
+          <a:bodyPr spcFirstLastPara="1" wrap="square" lIns="91425" tIns="91425" rIns="91425" bIns="91425" anchor="t" anchorCtr="0">
             <a:normAutofit/>
           </a:bodyPr>
           <a:lstStyle>
-            <a:lvl1pPr indent="-342900" lvl="0" marL="457200" algn="ctr">
+            <a:lvl1pPr marL="457200" lvl="0" indent="-342900" algn="ctr">
               <a:spcBef>
                 <a:spcPts val="0"/>
               </a:spcBef>
@@ -2843,7 +2957,7 @@
               <a:buChar char="●"/>
               <a:defRPr/>
             </a:lvl1pPr>
-            <a:lvl2pPr indent="-317500" lvl="1" marL="914400" algn="ctr">
+            <a:lvl2pPr marL="914400" lvl="1" indent="-317500" algn="ctr">
               <a:spcBef>
                 <a:spcPts val="0"/>
               </a:spcBef>
@@ -2854,7 +2968,7 @@
               <a:buChar char="○"/>
               <a:defRPr/>
             </a:lvl2pPr>
-            <a:lvl3pPr indent="-317500" lvl="2" marL="1371600" algn="ctr">
+            <a:lvl3pPr marL="1371600" lvl="2" indent="-317500" algn="ctr">
               <a:spcBef>
                 <a:spcPts val="0"/>
               </a:spcBef>
@@ -2865,7 +2979,7 @@
               <a:buChar char="■"/>
               <a:defRPr/>
             </a:lvl3pPr>
-            <a:lvl4pPr indent="-317500" lvl="3" marL="1828800" algn="ctr">
+            <a:lvl4pPr marL="1828800" lvl="3" indent="-317500" algn="ctr">
               <a:spcBef>
                 <a:spcPts val="0"/>
               </a:spcBef>
@@ -2876,7 +2990,7 @@
               <a:buChar char="●"/>
               <a:defRPr/>
             </a:lvl4pPr>
-            <a:lvl5pPr indent="-317500" lvl="4" marL="2286000" algn="ctr">
+            <a:lvl5pPr marL="2286000" lvl="4" indent="-317500" algn="ctr">
               <a:spcBef>
                 <a:spcPts val="0"/>
               </a:spcBef>
@@ -2887,7 +3001,7 @@
               <a:buChar char="○"/>
               <a:defRPr/>
             </a:lvl5pPr>
-            <a:lvl6pPr indent="-317500" lvl="5" marL="2743200" algn="ctr">
+            <a:lvl6pPr marL="2743200" lvl="5" indent="-317500" algn="ctr">
               <a:spcBef>
                 <a:spcPts val="0"/>
               </a:spcBef>
@@ -2898,7 +3012,7 @@
               <a:buChar char="■"/>
               <a:defRPr/>
             </a:lvl6pPr>
-            <a:lvl7pPr indent="-317500" lvl="6" marL="3200400" algn="ctr">
+            <a:lvl7pPr marL="3200400" lvl="6" indent="-317500" algn="ctr">
               <a:spcBef>
                 <a:spcPts val="0"/>
               </a:spcBef>
@@ -2909,7 +3023,7 @@
               <a:buChar char="●"/>
               <a:defRPr/>
             </a:lvl7pPr>
-            <a:lvl8pPr indent="-317500" lvl="7" marL="3657600" algn="ctr">
+            <a:lvl8pPr marL="3657600" lvl="7" indent="-317500" algn="ctr">
               <a:spcBef>
                 <a:spcPts val="0"/>
               </a:spcBef>
@@ -2920,7 +3034,7 @@
               <a:buChar char="○"/>
               <a:defRPr/>
             </a:lvl8pPr>
-            <a:lvl9pPr indent="-317500" lvl="8" marL="4114800" algn="ctr">
+            <a:lvl9pPr marL="4114800" lvl="8" indent="-317500" algn="ctr">
               <a:spcBef>
                 <a:spcPts val="0"/>
               </a:spcBef>
@@ -2932,15 +3046,19 @@
               <a:defRPr/>
             </a:lvl9pPr>
           </a:lstStyle>
-          <a:p/>
+          <a:p>
+            <a:endParaRPr/>
+          </a:p>
         </p:txBody>
       </p:sp>
       <p:sp>
         <p:nvSpPr>
           <p:cNvPr id="47" name="Google Shape;47;p11"/>
-          <p:cNvSpPr txBox="1"/>
+          <p:cNvSpPr txBox="1">
+            <a:spLocks noGrp="1"/>
+          </p:cNvSpPr>
           <p:nvPr>
-            <p:ph idx="12" type="sldNum"/>
+            <p:ph type="sldNum" idx="12"/>
           </p:nvPr>
         </p:nvSpPr>
         <p:spPr>
@@ -2953,7 +3071,7 @@
           </a:prstGeom>
         </p:spPr>
         <p:txBody>
-          <a:bodyPr anchorCtr="0" anchor="ctr" bIns="91425" lIns="91425" spcFirstLastPara="1" rIns="91425" wrap="square" tIns="91425">
+          <a:bodyPr spcFirstLastPara="1" wrap="square" lIns="91425" tIns="91425" rIns="91425" bIns="91425" anchor="ctr" anchorCtr="0">
             <a:normAutofit/>
           </a:bodyPr>
           <a:lstStyle>
@@ -2995,7 +3113,7 @@
             </a:lvl9pPr>
           </a:lstStyle>
           <a:p>
-            <a:pPr indent="0" lvl="0" marL="0" rtl="0" algn="r">
+            <a:pPr marL="0" lvl="0" indent="0" algn="r" rtl="0">
               <a:spcBef>
                 <a:spcPts val="0"/>
               </a:spcBef>
@@ -3021,11 +3139,11 @@
 </file>
 
 <file path=ppt/slideLayouts/slideLayout11.xml><?xml version="1.0" encoding="utf-8"?>
-<p:sldLayout xmlns:a="http://schemas.openxmlformats.org/drawingml/2006/main" xmlns:r="http://schemas.openxmlformats.org/officeDocument/2006/relationships" xmlns:mc="http://schemas.openxmlformats.org/markup-compatibility/2006" xmlns:mv="urn:schemas-microsoft-com:mac:vml" xmlns:p="http://schemas.openxmlformats.org/presentationml/2006/main" xmlns:c="http://schemas.openxmlformats.org/drawingml/2006/chart" xmlns:dgm="http://schemas.openxmlformats.org/drawingml/2006/diagram" xmlns:o="urn:schemas-microsoft-com:office:office" xmlns:v="urn:schemas-microsoft-com:vml" xmlns:pvml="urn:schemas-microsoft-com:office:powerpoint" xmlns:com="http://schemas.openxmlformats.org/drawingml/2006/compatibility" xmlns:p14="http://schemas.microsoft.com/office/powerpoint/2010/main" xmlns:p15="http://schemas.microsoft.com/office/powerpoint/2012/main" xmlns:ahyp="http://schemas.microsoft.com/office/drawing/2018/hyperlinkcolor" matchingName="Blank" type="blank">
+<p:sldLayout xmlns:a="http://schemas.openxmlformats.org/drawingml/2006/main" xmlns:r="http://schemas.openxmlformats.org/officeDocument/2006/relationships" xmlns:p="http://schemas.openxmlformats.org/presentationml/2006/main" matchingName="Blank" type="blank">
   <p:cSld name="BLANK">
     <p:spTree>
       <p:nvGrpSpPr>
-        <p:cNvPr id="48" name="Shape 48"/>
+        <p:cNvPr id="1" name="Shape 48"/>
         <p:cNvGrpSpPr/>
         <p:nvPr/>
       </p:nvGrpSpPr>
@@ -3040,9 +3158,11 @@
       <p:sp>
         <p:nvSpPr>
           <p:cNvPr id="49" name="Google Shape;49;p12"/>
-          <p:cNvSpPr txBox="1"/>
+          <p:cNvSpPr txBox="1">
+            <a:spLocks noGrp="1"/>
+          </p:cNvSpPr>
           <p:nvPr>
-            <p:ph idx="12" type="sldNum"/>
+            <p:ph type="sldNum" idx="12"/>
           </p:nvPr>
         </p:nvSpPr>
         <p:spPr>
@@ -3055,7 +3175,7 @@
           </a:prstGeom>
         </p:spPr>
         <p:txBody>
-          <a:bodyPr anchorCtr="0" anchor="ctr" bIns="91425" lIns="91425" spcFirstLastPara="1" rIns="91425" wrap="square" tIns="91425">
+          <a:bodyPr spcFirstLastPara="1" wrap="square" lIns="91425" tIns="91425" rIns="91425" bIns="91425" anchor="ctr" anchorCtr="0">
             <a:normAutofit/>
           </a:bodyPr>
           <a:lstStyle>
@@ -3097,7 +3217,7 @@
             </a:lvl9pPr>
           </a:lstStyle>
           <a:p>
-            <a:pPr indent="0" lvl="0" marL="0" rtl="0" algn="r">
+            <a:pPr marL="0" lvl="0" indent="0" algn="r" rtl="0">
               <a:spcBef>
                 <a:spcPts val="0"/>
               </a:spcBef>
@@ -3123,11 +3243,11 @@
 </file>
 
 <file path=ppt/slideLayouts/slideLayout2.xml><?xml version="1.0" encoding="utf-8"?>
-<p:sldLayout xmlns:a="http://schemas.openxmlformats.org/drawingml/2006/main" xmlns:r="http://schemas.openxmlformats.org/officeDocument/2006/relationships" xmlns:mc="http://schemas.openxmlformats.org/markup-compatibility/2006" xmlns:mv="urn:schemas-microsoft-com:mac:vml" xmlns:p="http://schemas.openxmlformats.org/presentationml/2006/main" xmlns:c="http://schemas.openxmlformats.org/drawingml/2006/chart" xmlns:dgm="http://schemas.openxmlformats.org/drawingml/2006/diagram" xmlns:o="urn:schemas-microsoft-com:office:office" xmlns:v="urn:schemas-microsoft-com:vml" xmlns:pvml="urn:schemas-microsoft-com:office:powerpoint" xmlns:com="http://schemas.openxmlformats.org/drawingml/2006/compatibility" xmlns:p14="http://schemas.microsoft.com/office/powerpoint/2010/main" xmlns:p15="http://schemas.microsoft.com/office/powerpoint/2012/main" xmlns:ahyp="http://schemas.microsoft.com/office/drawing/2018/hyperlinkcolor" matchingName="Section header" type="secHead">
+<p:sldLayout xmlns:a="http://schemas.openxmlformats.org/drawingml/2006/main" xmlns:r="http://schemas.openxmlformats.org/officeDocument/2006/relationships" xmlns:p="http://schemas.openxmlformats.org/presentationml/2006/main" matchingName="Section header" type="secHead">
   <p:cSld name="SECTION_HEADER">
     <p:spTree>
       <p:nvGrpSpPr>
-        <p:cNvPr id="13" name="Shape 13"/>
+        <p:cNvPr id="1" name="Shape 13"/>
         <p:cNvGrpSpPr/>
         <p:nvPr/>
       </p:nvGrpSpPr>
@@ -3142,7 +3262,9 @@
       <p:sp>
         <p:nvSpPr>
           <p:cNvPr id="14" name="Google Shape;14;p3"/>
-          <p:cNvSpPr txBox="1"/>
+          <p:cNvSpPr txBox="1">
+            <a:spLocks noGrp="1"/>
+          </p:cNvSpPr>
           <p:nvPr>
             <p:ph type="title"/>
           </p:nvPr>
@@ -3157,7 +3279,7 @@
           </a:prstGeom>
         </p:spPr>
         <p:txBody>
-          <a:bodyPr anchorCtr="0" anchor="ctr" bIns="91425" lIns="91425" spcFirstLastPara="1" rIns="91425" wrap="square" tIns="91425">
+          <a:bodyPr spcFirstLastPara="1" wrap="square" lIns="91425" tIns="91425" rIns="91425" bIns="91425" anchor="ctr" anchorCtr="0">
             <a:normAutofit/>
           </a:bodyPr>
           <a:lstStyle>
@@ -3261,15 +3383,19 @@
               <a:defRPr sz="3600"/>
             </a:lvl9pPr>
           </a:lstStyle>
-          <a:p/>
+          <a:p>
+            <a:endParaRPr/>
+          </a:p>
         </p:txBody>
       </p:sp>
       <p:sp>
         <p:nvSpPr>
           <p:cNvPr id="15" name="Google Shape;15;p3"/>
-          <p:cNvSpPr txBox="1"/>
+          <p:cNvSpPr txBox="1">
+            <a:spLocks noGrp="1"/>
+          </p:cNvSpPr>
           <p:nvPr>
-            <p:ph idx="12" type="sldNum"/>
+            <p:ph type="sldNum" idx="12"/>
           </p:nvPr>
         </p:nvSpPr>
         <p:spPr>
@@ -3282,7 +3408,7 @@
           </a:prstGeom>
         </p:spPr>
         <p:txBody>
-          <a:bodyPr anchorCtr="0" anchor="ctr" bIns="91425" lIns="91425" spcFirstLastPara="1" rIns="91425" wrap="square" tIns="91425">
+          <a:bodyPr spcFirstLastPara="1" wrap="square" lIns="91425" tIns="91425" rIns="91425" bIns="91425" anchor="ctr" anchorCtr="0">
             <a:normAutofit/>
           </a:bodyPr>
           <a:lstStyle>
@@ -3324,7 +3450,7 @@
             </a:lvl9pPr>
           </a:lstStyle>
           <a:p>
-            <a:pPr indent="0" lvl="0" marL="0" rtl="0" algn="r">
+            <a:pPr marL="0" lvl="0" indent="0" algn="r" rtl="0">
               <a:spcBef>
                 <a:spcPts val="0"/>
               </a:spcBef>
@@ -3350,11 +3476,11 @@
 </file>
 
 <file path=ppt/slideLayouts/slideLayout3.xml><?xml version="1.0" encoding="utf-8"?>
-<p:sldLayout xmlns:a="http://schemas.openxmlformats.org/drawingml/2006/main" xmlns:r="http://schemas.openxmlformats.org/officeDocument/2006/relationships" xmlns:mc="http://schemas.openxmlformats.org/markup-compatibility/2006" xmlns:mv="urn:schemas-microsoft-com:mac:vml" xmlns:p="http://schemas.openxmlformats.org/presentationml/2006/main" xmlns:c="http://schemas.openxmlformats.org/drawingml/2006/chart" xmlns:dgm="http://schemas.openxmlformats.org/drawingml/2006/diagram" xmlns:o="urn:schemas-microsoft-com:office:office" xmlns:v="urn:schemas-microsoft-com:vml" xmlns:pvml="urn:schemas-microsoft-com:office:powerpoint" xmlns:com="http://schemas.openxmlformats.org/drawingml/2006/compatibility" xmlns:p14="http://schemas.microsoft.com/office/powerpoint/2010/main" xmlns:p15="http://schemas.microsoft.com/office/powerpoint/2012/main" xmlns:ahyp="http://schemas.microsoft.com/office/drawing/2018/hyperlinkcolor" matchingName="Title and body" type="tx">
+<p:sldLayout xmlns:a="http://schemas.openxmlformats.org/drawingml/2006/main" xmlns:r="http://schemas.openxmlformats.org/officeDocument/2006/relationships" xmlns:p="http://schemas.openxmlformats.org/presentationml/2006/main" matchingName="Title and body" type="tx">
   <p:cSld name="TITLE_AND_BODY">
     <p:spTree>
       <p:nvGrpSpPr>
-        <p:cNvPr id="16" name="Shape 16"/>
+        <p:cNvPr id="1" name="Shape 16"/>
         <p:cNvGrpSpPr/>
         <p:nvPr/>
       </p:nvGrpSpPr>
@@ -3369,7 +3495,9 @@
       <p:sp>
         <p:nvSpPr>
           <p:cNvPr id="17" name="Google Shape;17;p4"/>
-          <p:cNvSpPr txBox="1"/>
+          <p:cNvSpPr txBox="1">
+            <a:spLocks noGrp="1"/>
+          </p:cNvSpPr>
           <p:nvPr>
             <p:ph type="title"/>
           </p:nvPr>
@@ -3384,7 +3512,7 @@
           </a:prstGeom>
         </p:spPr>
         <p:txBody>
-          <a:bodyPr anchorCtr="0" anchor="t" bIns="91425" lIns="91425" spcFirstLastPara="1" rIns="91425" wrap="square" tIns="91425">
+          <a:bodyPr spcFirstLastPara="1" wrap="square" lIns="91425" tIns="91425" rIns="91425" bIns="91425" anchor="t" anchorCtr="0">
             <a:normAutofit/>
           </a:bodyPr>
           <a:lstStyle>
@@ -3488,15 +3616,19 @@
               <a:defRPr/>
             </a:lvl9pPr>
           </a:lstStyle>
-          <a:p/>
+          <a:p>
+            <a:endParaRPr/>
+          </a:p>
         </p:txBody>
       </p:sp>
       <p:sp>
         <p:nvSpPr>
           <p:cNvPr id="18" name="Google Shape;18;p4"/>
-          <p:cNvSpPr txBox="1"/>
+          <p:cNvSpPr txBox="1">
+            <a:spLocks noGrp="1"/>
+          </p:cNvSpPr>
           <p:nvPr>
-            <p:ph idx="1" type="body"/>
+            <p:ph type="body" idx="1"/>
           </p:nvPr>
         </p:nvSpPr>
         <p:spPr>
@@ -3509,11 +3641,11 @@
           </a:prstGeom>
         </p:spPr>
         <p:txBody>
-          <a:bodyPr anchorCtr="0" anchor="t" bIns="91425" lIns="91425" spcFirstLastPara="1" rIns="91425" wrap="square" tIns="91425">
+          <a:bodyPr spcFirstLastPara="1" wrap="square" lIns="91425" tIns="91425" rIns="91425" bIns="91425" anchor="t" anchorCtr="0">
             <a:normAutofit/>
           </a:bodyPr>
           <a:lstStyle>
-            <a:lvl1pPr indent="-342900" lvl="0" marL="457200">
+            <a:lvl1pPr marL="457200" lvl="0" indent="-342900">
               <a:spcBef>
                 <a:spcPts val="0"/>
               </a:spcBef>
@@ -3524,7 +3656,7 @@
               <a:buChar char="●"/>
               <a:defRPr/>
             </a:lvl1pPr>
-            <a:lvl2pPr indent="-317500" lvl="1" marL="914400">
+            <a:lvl2pPr marL="914400" lvl="1" indent="-317500">
               <a:spcBef>
                 <a:spcPts val="0"/>
               </a:spcBef>
@@ -3535,7 +3667,7 @@
               <a:buChar char="○"/>
               <a:defRPr/>
             </a:lvl2pPr>
-            <a:lvl3pPr indent="-317500" lvl="2" marL="1371600">
+            <a:lvl3pPr marL="1371600" lvl="2" indent="-317500">
               <a:spcBef>
                 <a:spcPts val="0"/>
               </a:spcBef>
@@ -3546,7 +3678,7 @@
               <a:buChar char="■"/>
               <a:defRPr/>
             </a:lvl3pPr>
-            <a:lvl4pPr indent="-317500" lvl="3" marL="1828800">
+            <a:lvl4pPr marL="1828800" lvl="3" indent="-317500">
               <a:spcBef>
                 <a:spcPts val="0"/>
               </a:spcBef>
@@ -3557,7 +3689,7 @@
               <a:buChar char="●"/>
               <a:defRPr/>
             </a:lvl4pPr>
-            <a:lvl5pPr indent="-317500" lvl="4" marL="2286000">
+            <a:lvl5pPr marL="2286000" lvl="4" indent="-317500">
               <a:spcBef>
                 <a:spcPts val="0"/>
               </a:spcBef>
@@ -3568,7 +3700,7 @@
               <a:buChar char="○"/>
               <a:defRPr/>
             </a:lvl5pPr>
-            <a:lvl6pPr indent="-317500" lvl="5" marL="2743200">
+            <a:lvl6pPr marL="2743200" lvl="5" indent="-317500">
               <a:spcBef>
                 <a:spcPts val="0"/>
               </a:spcBef>
@@ -3579,7 +3711,7 @@
               <a:buChar char="■"/>
               <a:defRPr/>
             </a:lvl6pPr>
-            <a:lvl7pPr indent="-317500" lvl="6" marL="3200400">
+            <a:lvl7pPr marL="3200400" lvl="6" indent="-317500">
               <a:spcBef>
                 <a:spcPts val="0"/>
               </a:spcBef>
@@ -3590,7 +3722,7 @@
               <a:buChar char="●"/>
               <a:defRPr/>
             </a:lvl7pPr>
-            <a:lvl8pPr indent="-317500" lvl="7" marL="3657600">
+            <a:lvl8pPr marL="3657600" lvl="7" indent="-317500">
               <a:spcBef>
                 <a:spcPts val="0"/>
               </a:spcBef>
@@ -3601,7 +3733,7 @@
               <a:buChar char="○"/>
               <a:defRPr/>
             </a:lvl8pPr>
-            <a:lvl9pPr indent="-317500" lvl="8" marL="4114800">
+            <a:lvl9pPr marL="4114800" lvl="8" indent="-317500">
               <a:spcBef>
                 <a:spcPts val="0"/>
               </a:spcBef>
@@ -3613,15 +3745,19 @@
               <a:defRPr/>
             </a:lvl9pPr>
           </a:lstStyle>
-          <a:p/>
+          <a:p>
+            <a:endParaRPr/>
+          </a:p>
         </p:txBody>
       </p:sp>
       <p:sp>
         <p:nvSpPr>
           <p:cNvPr id="19" name="Google Shape;19;p4"/>
-          <p:cNvSpPr txBox="1"/>
+          <p:cNvSpPr txBox="1">
+            <a:spLocks noGrp="1"/>
+          </p:cNvSpPr>
           <p:nvPr>
-            <p:ph idx="12" type="sldNum"/>
+            <p:ph type="sldNum" idx="12"/>
           </p:nvPr>
         </p:nvSpPr>
         <p:spPr>
@@ -3634,7 +3770,7 @@
           </a:prstGeom>
         </p:spPr>
         <p:txBody>
-          <a:bodyPr anchorCtr="0" anchor="ctr" bIns="91425" lIns="91425" spcFirstLastPara="1" rIns="91425" wrap="square" tIns="91425">
+          <a:bodyPr spcFirstLastPara="1" wrap="square" lIns="91425" tIns="91425" rIns="91425" bIns="91425" anchor="ctr" anchorCtr="0">
             <a:normAutofit/>
           </a:bodyPr>
           <a:lstStyle>
@@ -3676,7 +3812,7 @@
             </a:lvl9pPr>
           </a:lstStyle>
           <a:p>
-            <a:pPr indent="0" lvl="0" marL="0" rtl="0" algn="r">
+            <a:pPr marL="0" lvl="0" indent="0" algn="r" rtl="0">
               <a:spcBef>
                 <a:spcPts val="0"/>
               </a:spcBef>
@@ -3702,11 +3838,11 @@
 </file>
 
 <file path=ppt/slideLayouts/slideLayout4.xml><?xml version="1.0" encoding="utf-8"?>
-<p:sldLayout xmlns:a="http://schemas.openxmlformats.org/drawingml/2006/main" xmlns:r="http://schemas.openxmlformats.org/officeDocument/2006/relationships" xmlns:mc="http://schemas.openxmlformats.org/markup-compatibility/2006" xmlns:mv="urn:schemas-microsoft-com:mac:vml" xmlns:p="http://schemas.openxmlformats.org/presentationml/2006/main" xmlns:c="http://schemas.openxmlformats.org/drawingml/2006/chart" xmlns:dgm="http://schemas.openxmlformats.org/drawingml/2006/diagram" xmlns:o="urn:schemas-microsoft-com:office:office" xmlns:v="urn:schemas-microsoft-com:vml" xmlns:pvml="urn:schemas-microsoft-com:office:powerpoint" xmlns:com="http://schemas.openxmlformats.org/drawingml/2006/compatibility" xmlns:p14="http://schemas.microsoft.com/office/powerpoint/2010/main" xmlns:p15="http://schemas.microsoft.com/office/powerpoint/2012/main" xmlns:ahyp="http://schemas.microsoft.com/office/drawing/2018/hyperlinkcolor" matchingName="Title and two columns" type="twoColTx">
+<p:sldLayout xmlns:a="http://schemas.openxmlformats.org/drawingml/2006/main" xmlns:r="http://schemas.openxmlformats.org/officeDocument/2006/relationships" xmlns:p="http://schemas.openxmlformats.org/presentationml/2006/main" matchingName="Title and two columns" type="twoColTx">
   <p:cSld name="TITLE_AND_TWO_COLUMNS">
     <p:spTree>
       <p:nvGrpSpPr>
-        <p:cNvPr id="20" name="Shape 20"/>
+        <p:cNvPr id="1" name="Shape 20"/>
         <p:cNvGrpSpPr/>
         <p:nvPr/>
       </p:nvGrpSpPr>
@@ -3721,7 +3857,9 @@
       <p:sp>
         <p:nvSpPr>
           <p:cNvPr id="21" name="Google Shape;21;p5"/>
-          <p:cNvSpPr txBox="1"/>
+          <p:cNvSpPr txBox="1">
+            <a:spLocks noGrp="1"/>
+          </p:cNvSpPr>
           <p:nvPr>
             <p:ph type="title"/>
           </p:nvPr>
@@ -3736,7 +3874,7 @@
           </a:prstGeom>
         </p:spPr>
         <p:txBody>
-          <a:bodyPr anchorCtr="0" anchor="t" bIns="91425" lIns="91425" spcFirstLastPara="1" rIns="91425" wrap="square" tIns="91425">
+          <a:bodyPr spcFirstLastPara="1" wrap="square" lIns="91425" tIns="91425" rIns="91425" bIns="91425" anchor="t" anchorCtr="0">
             <a:normAutofit/>
           </a:bodyPr>
           <a:lstStyle>
@@ -3840,15 +3978,19 @@
               <a:defRPr/>
             </a:lvl9pPr>
           </a:lstStyle>
-          <a:p/>
+          <a:p>
+            <a:endParaRPr/>
+          </a:p>
         </p:txBody>
       </p:sp>
       <p:sp>
         <p:nvSpPr>
           <p:cNvPr id="22" name="Google Shape;22;p5"/>
-          <p:cNvSpPr txBox="1"/>
+          <p:cNvSpPr txBox="1">
+            <a:spLocks noGrp="1"/>
+          </p:cNvSpPr>
           <p:nvPr>
-            <p:ph idx="1" type="body"/>
+            <p:ph type="body" idx="1"/>
           </p:nvPr>
         </p:nvSpPr>
         <p:spPr>
@@ -3861,11 +4003,11 @@
           </a:prstGeom>
         </p:spPr>
         <p:txBody>
-          <a:bodyPr anchorCtr="0" anchor="t" bIns="91425" lIns="91425" spcFirstLastPara="1" rIns="91425" wrap="square" tIns="91425">
+          <a:bodyPr spcFirstLastPara="1" wrap="square" lIns="91425" tIns="91425" rIns="91425" bIns="91425" anchor="t" anchorCtr="0">
             <a:normAutofit/>
           </a:bodyPr>
           <a:lstStyle>
-            <a:lvl1pPr indent="-317500" lvl="0" marL="457200">
+            <a:lvl1pPr marL="457200" lvl="0" indent="-317500">
               <a:spcBef>
                 <a:spcPts val="0"/>
               </a:spcBef>
@@ -3876,7 +4018,7 @@
               <a:buChar char="●"/>
               <a:defRPr sz="1400"/>
             </a:lvl1pPr>
-            <a:lvl2pPr indent="-304800" lvl="1" marL="914400">
+            <a:lvl2pPr marL="914400" lvl="1" indent="-304800">
               <a:spcBef>
                 <a:spcPts val="0"/>
               </a:spcBef>
@@ -3887,7 +4029,7 @@
               <a:buChar char="○"/>
               <a:defRPr sz="1200"/>
             </a:lvl2pPr>
-            <a:lvl3pPr indent="-304800" lvl="2" marL="1371600">
+            <a:lvl3pPr marL="1371600" lvl="2" indent="-304800">
               <a:spcBef>
                 <a:spcPts val="0"/>
               </a:spcBef>
@@ -3898,7 +4040,7 @@
               <a:buChar char="■"/>
               <a:defRPr sz="1200"/>
             </a:lvl3pPr>
-            <a:lvl4pPr indent="-304800" lvl="3" marL="1828800">
+            <a:lvl4pPr marL="1828800" lvl="3" indent="-304800">
               <a:spcBef>
                 <a:spcPts val="0"/>
               </a:spcBef>
@@ -3909,7 +4051,7 @@
               <a:buChar char="●"/>
               <a:defRPr sz="1200"/>
             </a:lvl4pPr>
-            <a:lvl5pPr indent="-304800" lvl="4" marL="2286000">
+            <a:lvl5pPr marL="2286000" lvl="4" indent="-304800">
               <a:spcBef>
                 <a:spcPts val="0"/>
               </a:spcBef>
@@ -3920,7 +4062,7 @@
               <a:buChar char="○"/>
               <a:defRPr sz="1200"/>
             </a:lvl5pPr>
-            <a:lvl6pPr indent="-304800" lvl="5" marL="2743200">
+            <a:lvl6pPr marL="2743200" lvl="5" indent="-304800">
               <a:spcBef>
                 <a:spcPts val="0"/>
               </a:spcBef>
@@ -3931,7 +4073,7 @@
               <a:buChar char="■"/>
               <a:defRPr sz="1200"/>
             </a:lvl6pPr>
-            <a:lvl7pPr indent="-304800" lvl="6" marL="3200400">
+            <a:lvl7pPr marL="3200400" lvl="6" indent="-304800">
               <a:spcBef>
                 <a:spcPts val="0"/>
               </a:spcBef>
@@ -3942,7 +4084,7 @@
               <a:buChar char="●"/>
               <a:defRPr sz="1200"/>
             </a:lvl7pPr>
-            <a:lvl8pPr indent="-304800" lvl="7" marL="3657600">
+            <a:lvl8pPr marL="3657600" lvl="7" indent="-304800">
               <a:spcBef>
                 <a:spcPts val="0"/>
               </a:spcBef>
@@ -3953,7 +4095,7 @@
               <a:buChar char="○"/>
               <a:defRPr sz="1200"/>
             </a:lvl8pPr>
-            <a:lvl9pPr indent="-304800" lvl="8" marL="4114800">
+            <a:lvl9pPr marL="4114800" lvl="8" indent="-304800">
               <a:spcBef>
                 <a:spcPts val="0"/>
               </a:spcBef>
@@ -3965,15 +4107,19 @@
               <a:defRPr sz="1200"/>
             </a:lvl9pPr>
           </a:lstStyle>
-          <a:p/>
+          <a:p>
+            <a:endParaRPr/>
+          </a:p>
         </p:txBody>
       </p:sp>
       <p:sp>
         <p:nvSpPr>
           <p:cNvPr id="23" name="Google Shape;23;p5"/>
-          <p:cNvSpPr txBox="1"/>
+          <p:cNvSpPr txBox="1">
+            <a:spLocks noGrp="1"/>
+          </p:cNvSpPr>
           <p:nvPr>
-            <p:ph idx="2" type="body"/>
+            <p:ph type="body" idx="2"/>
           </p:nvPr>
         </p:nvSpPr>
         <p:spPr>
@@ -3986,11 +4132,11 @@
           </a:prstGeom>
         </p:spPr>
         <p:txBody>
-          <a:bodyPr anchorCtr="0" anchor="t" bIns="91425" lIns="91425" spcFirstLastPara="1" rIns="91425" wrap="square" tIns="91425">
+          <a:bodyPr spcFirstLastPara="1" wrap="square" lIns="91425" tIns="91425" rIns="91425" bIns="91425" anchor="t" anchorCtr="0">
             <a:normAutofit/>
           </a:bodyPr>
           <a:lstStyle>
-            <a:lvl1pPr indent="-317500" lvl="0" marL="457200">
+            <a:lvl1pPr marL="457200" lvl="0" indent="-317500">
               <a:spcBef>
                 <a:spcPts val="0"/>
               </a:spcBef>
@@ -4001,7 +4147,7 @@
               <a:buChar char="●"/>
               <a:defRPr sz="1400"/>
             </a:lvl1pPr>
-            <a:lvl2pPr indent="-304800" lvl="1" marL="914400">
+            <a:lvl2pPr marL="914400" lvl="1" indent="-304800">
               <a:spcBef>
                 <a:spcPts val="0"/>
               </a:spcBef>
@@ -4012,7 +4158,7 @@
               <a:buChar char="○"/>
               <a:defRPr sz="1200"/>
             </a:lvl2pPr>
-            <a:lvl3pPr indent="-304800" lvl="2" marL="1371600">
+            <a:lvl3pPr marL="1371600" lvl="2" indent="-304800">
               <a:spcBef>
                 <a:spcPts val="0"/>
               </a:spcBef>
@@ -4023,7 +4169,7 @@
               <a:buChar char="■"/>
               <a:defRPr sz="1200"/>
             </a:lvl3pPr>
-            <a:lvl4pPr indent="-304800" lvl="3" marL="1828800">
+            <a:lvl4pPr marL="1828800" lvl="3" indent="-304800">
               <a:spcBef>
                 <a:spcPts val="0"/>
               </a:spcBef>
@@ -4034,7 +4180,7 @@
               <a:buChar char="●"/>
               <a:defRPr sz="1200"/>
             </a:lvl4pPr>
-            <a:lvl5pPr indent="-304800" lvl="4" marL="2286000">
+            <a:lvl5pPr marL="2286000" lvl="4" indent="-304800">
               <a:spcBef>
                 <a:spcPts val="0"/>
               </a:spcBef>
@@ -4045,7 +4191,7 @@
               <a:buChar char="○"/>
               <a:defRPr sz="1200"/>
             </a:lvl5pPr>
-            <a:lvl6pPr indent="-304800" lvl="5" marL="2743200">
+            <a:lvl6pPr marL="2743200" lvl="5" indent="-304800">
               <a:spcBef>
                 <a:spcPts val="0"/>
               </a:spcBef>
@@ -4056,7 +4202,7 @@
               <a:buChar char="■"/>
               <a:defRPr sz="1200"/>
             </a:lvl6pPr>
-            <a:lvl7pPr indent="-304800" lvl="6" marL="3200400">
+            <a:lvl7pPr marL="3200400" lvl="6" indent="-304800">
               <a:spcBef>
                 <a:spcPts val="0"/>
               </a:spcBef>
@@ -4067,7 +4213,7 @@
               <a:buChar char="●"/>
               <a:defRPr sz="1200"/>
             </a:lvl7pPr>
-            <a:lvl8pPr indent="-304800" lvl="7" marL="3657600">
+            <a:lvl8pPr marL="3657600" lvl="7" indent="-304800">
               <a:spcBef>
                 <a:spcPts val="0"/>
               </a:spcBef>
@@ -4078,7 +4224,7 @@
               <a:buChar char="○"/>
               <a:defRPr sz="1200"/>
             </a:lvl8pPr>
-            <a:lvl9pPr indent="-304800" lvl="8" marL="4114800">
+            <a:lvl9pPr marL="4114800" lvl="8" indent="-304800">
               <a:spcBef>
                 <a:spcPts val="0"/>
               </a:spcBef>
@@ -4090,15 +4236,19 @@
               <a:defRPr sz="1200"/>
             </a:lvl9pPr>
           </a:lstStyle>
-          <a:p/>
+          <a:p>
+            <a:endParaRPr/>
+          </a:p>
         </p:txBody>
       </p:sp>
       <p:sp>
         <p:nvSpPr>
           <p:cNvPr id="24" name="Google Shape;24;p5"/>
-          <p:cNvSpPr txBox="1"/>
+          <p:cNvSpPr txBox="1">
+            <a:spLocks noGrp="1"/>
+          </p:cNvSpPr>
           <p:nvPr>
-            <p:ph idx="12" type="sldNum"/>
+            <p:ph type="sldNum" idx="12"/>
           </p:nvPr>
         </p:nvSpPr>
         <p:spPr>
@@ -4111,7 +4261,7 @@
           </a:prstGeom>
         </p:spPr>
         <p:txBody>
-          <a:bodyPr anchorCtr="0" anchor="ctr" bIns="91425" lIns="91425" spcFirstLastPara="1" rIns="91425" wrap="square" tIns="91425">
+          <a:bodyPr spcFirstLastPara="1" wrap="square" lIns="91425" tIns="91425" rIns="91425" bIns="91425" anchor="ctr" anchorCtr="0">
             <a:normAutofit/>
           </a:bodyPr>
           <a:lstStyle>
@@ -4153,7 +4303,7 @@
             </a:lvl9pPr>
           </a:lstStyle>
           <a:p>
-            <a:pPr indent="0" lvl="0" marL="0" rtl="0" algn="r">
+            <a:pPr marL="0" lvl="0" indent="0" algn="r" rtl="0">
               <a:spcBef>
                 <a:spcPts val="0"/>
               </a:spcBef>
@@ -4179,11 +4329,11 @@
 </file>
 
 <file path=ppt/slideLayouts/slideLayout5.xml><?xml version="1.0" encoding="utf-8"?>
-<p:sldLayout xmlns:a="http://schemas.openxmlformats.org/drawingml/2006/main" xmlns:r="http://schemas.openxmlformats.org/officeDocument/2006/relationships" xmlns:mc="http://schemas.openxmlformats.org/markup-compatibility/2006" xmlns:mv="urn:schemas-microsoft-com:mac:vml" xmlns:p="http://schemas.openxmlformats.org/presentationml/2006/main" xmlns:c="http://schemas.openxmlformats.org/drawingml/2006/chart" xmlns:dgm="http://schemas.openxmlformats.org/drawingml/2006/diagram" xmlns:o="urn:schemas-microsoft-com:office:office" xmlns:v="urn:schemas-microsoft-com:vml" xmlns:pvml="urn:schemas-microsoft-com:office:powerpoint" xmlns:com="http://schemas.openxmlformats.org/drawingml/2006/compatibility" xmlns:p14="http://schemas.microsoft.com/office/powerpoint/2010/main" xmlns:p15="http://schemas.microsoft.com/office/powerpoint/2012/main" xmlns:ahyp="http://schemas.microsoft.com/office/drawing/2018/hyperlinkcolor" matchingName="Title only" type="titleOnly">
+<p:sldLayout xmlns:a="http://schemas.openxmlformats.org/drawingml/2006/main" xmlns:r="http://schemas.openxmlformats.org/officeDocument/2006/relationships" xmlns:p="http://schemas.openxmlformats.org/presentationml/2006/main" matchingName="Title only" type="titleOnly">
   <p:cSld name="TITLE_ONLY">
     <p:spTree>
       <p:nvGrpSpPr>
-        <p:cNvPr id="25" name="Shape 25"/>
+        <p:cNvPr id="1" name="Shape 25"/>
         <p:cNvGrpSpPr/>
         <p:nvPr/>
       </p:nvGrpSpPr>
@@ -4198,7 +4348,9 @@
       <p:sp>
         <p:nvSpPr>
           <p:cNvPr id="26" name="Google Shape;26;p6"/>
-          <p:cNvSpPr txBox="1"/>
+          <p:cNvSpPr txBox="1">
+            <a:spLocks noGrp="1"/>
+          </p:cNvSpPr>
           <p:nvPr>
             <p:ph type="title"/>
           </p:nvPr>
@@ -4213,7 +4365,7 @@
           </a:prstGeom>
         </p:spPr>
         <p:txBody>
-          <a:bodyPr anchorCtr="0" anchor="t" bIns="91425" lIns="91425" spcFirstLastPara="1" rIns="91425" wrap="square" tIns="91425">
+          <a:bodyPr spcFirstLastPara="1" wrap="square" lIns="91425" tIns="91425" rIns="91425" bIns="91425" anchor="t" anchorCtr="0">
             <a:normAutofit/>
           </a:bodyPr>
           <a:lstStyle>
@@ -4317,15 +4469,19 @@
               <a:defRPr/>
             </a:lvl9pPr>
           </a:lstStyle>
-          <a:p/>
+          <a:p>
+            <a:endParaRPr/>
+          </a:p>
         </p:txBody>
       </p:sp>
       <p:sp>
         <p:nvSpPr>
           <p:cNvPr id="27" name="Google Shape;27;p6"/>
-          <p:cNvSpPr txBox="1"/>
+          <p:cNvSpPr txBox="1">
+            <a:spLocks noGrp="1"/>
+          </p:cNvSpPr>
           <p:nvPr>
-            <p:ph idx="12" type="sldNum"/>
+            <p:ph type="sldNum" idx="12"/>
           </p:nvPr>
         </p:nvSpPr>
         <p:spPr>
@@ -4338,7 +4494,7 @@
           </a:prstGeom>
         </p:spPr>
         <p:txBody>
-          <a:bodyPr anchorCtr="0" anchor="ctr" bIns="91425" lIns="91425" spcFirstLastPara="1" rIns="91425" wrap="square" tIns="91425">
+          <a:bodyPr spcFirstLastPara="1" wrap="square" lIns="91425" tIns="91425" rIns="91425" bIns="91425" anchor="ctr" anchorCtr="0">
             <a:normAutofit/>
           </a:bodyPr>
           <a:lstStyle>
@@ -4380,7 +4536,7 @@
             </a:lvl9pPr>
           </a:lstStyle>
           <a:p>
-            <a:pPr indent="0" lvl="0" marL="0" rtl="0" algn="r">
+            <a:pPr marL="0" lvl="0" indent="0" algn="r" rtl="0">
               <a:spcBef>
                 <a:spcPts val="0"/>
               </a:spcBef>
@@ -4406,11 +4562,11 @@
 </file>
 
 <file path=ppt/slideLayouts/slideLayout6.xml><?xml version="1.0" encoding="utf-8"?>
-<p:sldLayout xmlns:a="http://schemas.openxmlformats.org/drawingml/2006/main" xmlns:r="http://schemas.openxmlformats.org/officeDocument/2006/relationships" xmlns:mc="http://schemas.openxmlformats.org/markup-compatibility/2006" xmlns:mv="urn:schemas-microsoft-com:mac:vml" xmlns:p="http://schemas.openxmlformats.org/presentationml/2006/main" xmlns:c="http://schemas.openxmlformats.org/drawingml/2006/chart" xmlns:dgm="http://schemas.openxmlformats.org/drawingml/2006/diagram" xmlns:o="urn:schemas-microsoft-com:office:office" xmlns:v="urn:schemas-microsoft-com:vml" xmlns:pvml="urn:schemas-microsoft-com:office:powerpoint" xmlns:com="http://schemas.openxmlformats.org/drawingml/2006/compatibility" xmlns:p14="http://schemas.microsoft.com/office/powerpoint/2010/main" xmlns:p15="http://schemas.microsoft.com/office/powerpoint/2012/main" xmlns:ahyp="http://schemas.microsoft.com/office/drawing/2018/hyperlinkcolor" matchingName="One column text">
+<p:sldLayout xmlns:a="http://schemas.openxmlformats.org/drawingml/2006/main" xmlns:r="http://schemas.openxmlformats.org/officeDocument/2006/relationships" xmlns:p="http://schemas.openxmlformats.org/presentationml/2006/main" matchingName="One column text">
   <p:cSld name="ONE_COLUMN_TEXT">
     <p:spTree>
       <p:nvGrpSpPr>
-        <p:cNvPr id="28" name="Shape 28"/>
+        <p:cNvPr id="1" name="Shape 28"/>
         <p:cNvGrpSpPr/>
         <p:nvPr/>
       </p:nvGrpSpPr>
@@ -4425,7 +4581,9 @@
       <p:sp>
         <p:nvSpPr>
           <p:cNvPr id="29" name="Google Shape;29;p7"/>
-          <p:cNvSpPr txBox="1"/>
+          <p:cNvSpPr txBox="1">
+            <a:spLocks noGrp="1"/>
+          </p:cNvSpPr>
           <p:nvPr>
             <p:ph type="title"/>
           </p:nvPr>
@@ -4440,7 +4598,7 @@
           </a:prstGeom>
         </p:spPr>
         <p:txBody>
-          <a:bodyPr anchorCtr="0" anchor="b" bIns="91425" lIns="91425" spcFirstLastPara="1" rIns="91425" wrap="square" tIns="91425">
+          <a:bodyPr spcFirstLastPara="1" wrap="square" lIns="91425" tIns="91425" rIns="91425" bIns="91425" anchor="b" anchorCtr="0">
             <a:normAutofit/>
           </a:bodyPr>
           <a:lstStyle>
@@ -4544,15 +4702,19 @@
               <a:defRPr sz="2400"/>
             </a:lvl9pPr>
           </a:lstStyle>
-          <a:p/>
+          <a:p>
+            <a:endParaRPr/>
+          </a:p>
         </p:txBody>
       </p:sp>
       <p:sp>
         <p:nvSpPr>
           <p:cNvPr id="30" name="Google Shape;30;p7"/>
-          <p:cNvSpPr txBox="1"/>
+          <p:cNvSpPr txBox="1">
+            <a:spLocks noGrp="1"/>
+          </p:cNvSpPr>
           <p:nvPr>
-            <p:ph idx="1" type="body"/>
+            <p:ph type="body" idx="1"/>
           </p:nvPr>
         </p:nvSpPr>
         <p:spPr>
@@ -4565,11 +4727,11 @@
           </a:prstGeom>
         </p:spPr>
         <p:txBody>
-          <a:bodyPr anchorCtr="0" anchor="t" bIns="91425" lIns="91425" spcFirstLastPara="1" rIns="91425" wrap="square" tIns="91425">
+          <a:bodyPr spcFirstLastPara="1" wrap="square" lIns="91425" tIns="91425" rIns="91425" bIns="91425" anchor="t" anchorCtr="0">
             <a:normAutofit/>
           </a:bodyPr>
           <a:lstStyle>
-            <a:lvl1pPr indent="-304800" lvl="0" marL="457200">
+            <a:lvl1pPr marL="457200" lvl="0" indent="-304800">
               <a:spcBef>
                 <a:spcPts val="0"/>
               </a:spcBef>
@@ -4580,7 +4742,7 @@
               <a:buChar char="●"/>
               <a:defRPr sz="1200"/>
             </a:lvl1pPr>
-            <a:lvl2pPr indent="-304800" lvl="1" marL="914400">
+            <a:lvl2pPr marL="914400" lvl="1" indent="-304800">
               <a:spcBef>
                 <a:spcPts val="0"/>
               </a:spcBef>
@@ -4591,7 +4753,7 @@
               <a:buChar char="○"/>
               <a:defRPr sz="1200"/>
             </a:lvl2pPr>
-            <a:lvl3pPr indent="-304800" lvl="2" marL="1371600">
+            <a:lvl3pPr marL="1371600" lvl="2" indent="-304800">
               <a:spcBef>
                 <a:spcPts val="0"/>
               </a:spcBef>
@@ -4602,7 +4764,7 @@
               <a:buChar char="■"/>
               <a:defRPr sz="1200"/>
             </a:lvl3pPr>
-            <a:lvl4pPr indent="-304800" lvl="3" marL="1828800">
+            <a:lvl4pPr marL="1828800" lvl="3" indent="-304800">
               <a:spcBef>
                 <a:spcPts val="0"/>
               </a:spcBef>
@@ -4613,7 +4775,7 @@
               <a:buChar char="●"/>
               <a:defRPr sz="1200"/>
             </a:lvl4pPr>
-            <a:lvl5pPr indent="-304800" lvl="4" marL="2286000">
+            <a:lvl5pPr marL="2286000" lvl="4" indent="-304800">
               <a:spcBef>
                 <a:spcPts val="0"/>
               </a:spcBef>
@@ -4624,7 +4786,7 @@
               <a:buChar char="○"/>
               <a:defRPr sz="1200"/>
             </a:lvl5pPr>
-            <a:lvl6pPr indent="-304800" lvl="5" marL="2743200">
+            <a:lvl6pPr marL="2743200" lvl="5" indent="-304800">
               <a:spcBef>
                 <a:spcPts val="0"/>
               </a:spcBef>
@@ -4635,7 +4797,7 @@
               <a:buChar char="■"/>
               <a:defRPr sz="1200"/>
             </a:lvl6pPr>
-            <a:lvl7pPr indent="-304800" lvl="6" marL="3200400">
+            <a:lvl7pPr marL="3200400" lvl="6" indent="-304800">
               <a:spcBef>
                 <a:spcPts val="0"/>
               </a:spcBef>
@@ -4646,7 +4808,7 @@
               <a:buChar char="●"/>
               <a:defRPr sz="1200"/>
             </a:lvl7pPr>
-            <a:lvl8pPr indent="-304800" lvl="7" marL="3657600">
+            <a:lvl8pPr marL="3657600" lvl="7" indent="-304800">
               <a:spcBef>
                 <a:spcPts val="0"/>
               </a:spcBef>
@@ -4657,7 +4819,7 @@
               <a:buChar char="○"/>
               <a:defRPr sz="1200"/>
             </a:lvl8pPr>
-            <a:lvl9pPr indent="-304800" lvl="8" marL="4114800">
+            <a:lvl9pPr marL="4114800" lvl="8" indent="-304800">
               <a:spcBef>
                 <a:spcPts val="0"/>
               </a:spcBef>
@@ -4669,15 +4831,19 @@
               <a:defRPr sz="1200"/>
             </a:lvl9pPr>
           </a:lstStyle>
-          <a:p/>
+          <a:p>
+            <a:endParaRPr/>
+          </a:p>
         </p:txBody>
       </p:sp>
       <p:sp>
         <p:nvSpPr>
           <p:cNvPr id="31" name="Google Shape;31;p7"/>
-          <p:cNvSpPr txBox="1"/>
+          <p:cNvSpPr txBox="1">
+            <a:spLocks noGrp="1"/>
+          </p:cNvSpPr>
           <p:nvPr>
-            <p:ph idx="12" type="sldNum"/>
+            <p:ph type="sldNum" idx="12"/>
           </p:nvPr>
         </p:nvSpPr>
         <p:spPr>
@@ -4690,7 +4856,7 @@
           </a:prstGeom>
         </p:spPr>
         <p:txBody>
-          <a:bodyPr anchorCtr="0" anchor="ctr" bIns="91425" lIns="91425" spcFirstLastPara="1" rIns="91425" wrap="square" tIns="91425">
+          <a:bodyPr spcFirstLastPara="1" wrap="square" lIns="91425" tIns="91425" rIns="91425" bIns="91425" anchor="ctr" anchorCtr="0">
             <a:normAutofit/>
           </a:bodyPr>
           <a:lstStyle>
@@ -4732,7 +4898,7 @@
             </a:lvl9pPr>
           </a:lstStyle>
           <a:p>
-            <a:pPr indent="0" lvl="0" marL="0" rtl="0" algn="r">
+            <a:pPr marL="0" lvl="0" indent="0" algn="r" rtl="0">
               <a:spcBef>
                 <a:spcPts val="0"/>
               </a:spcBef>
@@ -4758,11 +4924,11 @@
 </file>
 
 <file path=ppt/slideLayouts/slideLayout7.xml><?xml version="1.0" encoding="utf-8"?>
-<p:sldLayout xmlns:a="http://schemas.openxmlformats.org/drawingml/2006/main" xmlns:r="http://schemas.openxmlformats.org/officeDocument/2006/relationships" xmlns:mc="http://schemas.openxmlformats.org/markup-compatibility/2006" xmlns:mv="urn:schemas-microsoft-com:mac:vml" xmlns:p="http://schemas.openxmlformats.org/presentationml/2006/main" xmlns:c="http://schemas.openxmlformats.org/drawingml/2006/chart" xmlns:dgm="http://schemas.openxmlformats.org/drawingml/2006/diagram" xmlns:o="urn:schemas-microsoft-com:office:office" xmlns:v="urn:schemas-microsoft-com:vml" xmlns:pvml="urn:schemas-microsoft-com:office:powerpoint" xmlns:com="http://schemas.openxmlformats.org/drawingml/2006/compatibility" xmlns:p14="http://schemas.microsoft.com/office/powerpoint/2010/main" xmlns:p15="http://schemas.microsoft.com/office/powerpoint/2012/main" xmlns:ahyp="http://schemas.microsoft.com/office/drawing/2018/hyperlinkcolor" matchingName="Main point">
+<p:sldLayout xmlns:a="http://schemas.openxmlformats.org/drawingml/2006/main" xmlns:r="http://schemas.openxmlformats.org/officeDocument/2006/relationships" xmlns:p="http://schemas.openxmlformats.org/presentationml/2006/main" matchingName="Main point">
   <p:cSld name="MAIN_POINT">
     <p:spTree>
       <p:nvGrpSpPr>
-        <p:cNvPr id="32" name="Shape 32"/>
+        <p:cNvPr id="1" name="Shape 32"/>
         <p:cNvGrpSpPr/>
         <p:nvPr/>
       </p:nvGrpSpPr>
@@ -4777,7 +4943,9 @@
       <p:sp>
         <p:nvSpPr>
           <p:cNvPr id="33" name="Google Shape;33;p8"/>
-          <p:cNvSpPr txBox="1"/>
+          <p:cNvSpPr txBox="1">
+            <a:spLocks noGrp="1"/>
+          </p:cNvSpPr>
           <p:nvPr>
             <p:ph type="title"/>
           </p:nvPr>
@@ -4792,7 +4960,7 @@
           </a:prstGeom>
         </p:spPr>
         <p:txBody>
-          <a:bodyPr anchorCtr="0" anchor="ctr" bIns="91425" lIns="91425" spcFirstLastPara="1" rIns="91425" wrap="square" tIns="91425">
+          <a:bodyPr spcFirstLastPara="1" wrap="square" lIns="91425" tIns="91425" rIns="91425" bIns="91425" anchor="ctr" anchorCtr="0">
             <a:normAutofit/>
           </a:bodyPr>
           <a:lstStyle>
@@ -4896,15 +5064,19 @@
               <a:defRPr sz="4800"/>
             </a:lvl9pPr>
           </a:lstStyle>
-          <a:p/>
+          <a:p>
+            <a:endParaRPr/>
+          </a:p>
         </p:txBody>
       </p:sp>
       <p:sp>
         <p:nvSpPr>
           <p:cNvPr id="34" name="Google Shape;34;p8"/>
-          <p:cNvSpPr txBox="1"/>
+          <p:cNvSpPr txBox="1">
+            <a:spLocks noGrp="1"/>
+          </p:cNvSpPr>
           <p:nvPr>
-            <p:ph idx="12" type="sldNum"/>
+            <p:ph type="sldNum" idx="12"/>
           </p:nvPr>
         </p:nvSpPr>
         <p:spPr>
@@ -4917,7 +5089,7 @@
           </a:prstGeom>
         </p:spPr>
         <p:txBody>
-          <a:bodyPr anchorCtr="0" anchor="ctr" bIns="91425" lIns="91425" spcFirstLastPara="1" rIns="91425" wrap="square" tIns="91425">
+          <a:bodyPr spcFirstLastPara="1" wrap="square" lIns="91425" tIns="91425" rIns="91425" bIns="91425" anchor="ctr" anchorCtr="0">
             <a:normAutofit/>
           </a:bodyPr>
           <a:lstStyle>
@@ -4959,7 +5131,7 @@
             </a:lvl9pPr>
           </a:lstStyle>
           <a:p>
-            <a:pPr indent="0" lvl="0" marL="0" rtl="0" algn="r">
+            <a:pPr marL="0" lvl="0" indent="0" algn="r" rtl="0">
               <a:spcBef>
                 <a:spcPts val="0"/>
               </a:spcBef>
@@ -4985,11 +5157,11 @@
 </file>
 
 <file path=ppt/slideLayouts/slideLayout8.xml><?xml version="1.0" encoding="utf-8"?>
-<p:sldLayout xmlns:a="http://schemas.openxmlformats.org/drawingml/2006/main" xmlns:r="http://schemas.openxmlformats.org/officeDocument/2006/relationships" xmlns:mc="http://schemas.openxmlformats.org/markup-compatibility/2006" xmlns:mv="urn:schemas-microsoft-com:mac:vml" xmlns:p="http://schemas.openxmlformats.org/presentationml/2006/main" xmlns:c="http://schemas.openxmlformats.org/drawingml/2006/chart" xmlns:dgm="http://schemas.openxmlformats.org/drawingml/2006/diagram" xmlns:o="urn:schemas-microsoft-com:office:office" xmlns:v="urn:schemas-microsoft-com:vml" xmlns:pvml="urn:schemas-microsoft-com:office:powerpoint" xmlns:com="http://schemas.openxmlformats.org/drawingml/2006/compatibility" xmlns:p14="http://schemas.microsoft.com/office/powerpoint/2010/main" xmlns:p15="http://schemas.microsoft.com/office/powerpoint/2012/main" xmlns:ahyp="http://schemas.microsoft.com/office/drawing/2018/hyperlinkcolor" matchingName="Section title and description">
+<p:sldLayout xmlns:a="http://schemas.openxmlformats.org/drawingml/2006/main" xmlns:r="http://schemas.openxmlformats.org/officeDocument/2006/relationships" xmlns:p="http://schemas.openxmlformats.org/presentationml/2006/main" matchingName="Section title and description">
   <p:cSld name="SECTION_TITLE_AND_DESCRIPTION">
     <p:spTree>
       <p:nvGrpSpPr>
-        <p:cNvPr id="35" name="Shape 35"/>
+        <p:cNvPr id="1" name="Shape 35"/>
         <p:cNvGrpSpPr/>
         <p:nvPr/>
       </p:nvGrpSpPr>
@@ -5023,12 +5195,12 @@
           </a:ln>
         </p:spPr>
         <p:txBody>
-          <a:bodyPr anchorCtr="0" anchor="ctr" bIns="91425" lIns="91425" spcFirstLastPara="1" rIns="91425" wrap="square" tIns="91425">
+          <a:bodyPr spcFirstLastPara="1" wrap="square" lIns="91425" tIns="91425" rIns="91425" bIns="91425" anchor="ctr" anchorCtr="0">
             <a:noAutofit/>
           </a:bodyPr>
           <a:lstStyle/>
           <a:p>
-            <a:pPr indent="0" lvl="0" marL="0" rtl="0" algn="l">
+            <a:pPr marL="0" lvl="0" indent="0" algn="l" rtl="0">
               <a:spcBef>
                 <a:spcPts val="0"/>
               </a:spcBef>
@@ -5037,9 +5209,6 @@
               </a:spcAft>
               <a:buNone/>
             </a:pPr>
-            <a:r>
-              <a:t/>
-            </a:r>
             <a:endParaRPr/>
           </a:p>
         </p:txBody>
@@ -5047,7 +5216,9 @@
       <p:sp>
         <p:nvSpPr>
           <p:cNvPr id="37" name="Google Shape;37;p9"/>
-          <p:cNvSpPr txBox="1"/>
+          <p:cNvSpPr txBox="1">
+            <a:spLocks noGrp="1"/>
+          </p:cNvSpPr>
           <p:nvPr>
             <p:ph type="title"/>
           </p:nvPr>
@@ -5062,7 +5233,7 @@
           </a:prstGeom>
         </p:spPr>
         <p:txBody>
-          <a:bodyPr anchorCtr="0" anchor="b" bIns="91425" lIns="91425" spcFirstLastPara="1" rIns="91425" wrap="square" tIns="91425">
+          <a:bodyPr spcFirstLastPara="1" wrap="square" lIns="91425" tIns="91425" rIns="91425" bIns="91425" anchor="b" anchorCtr="0">
             <a:normAutofit/>
           </a:bodyPr>
           <a:lstStyle>
@@ -5166,15 +5337,19 @@
               <a:defRPr sz="4200"/>
             </a:lvl9pPr>
           </a:lstStyle>
-          <a:p/>
+          <a:p>
+            <a:endParaRPr/>
+          </a:p>
         </p:txBody>
       </p:sp>
       <p:sp>
         <p:nvSpPr>
           <p:cNvPr id="38" name="Google Shape;38;p9"/>
-          <p:cNvSpPr txBox="1"/>
+          <p:cNvSpPr txBox="1">
+            <a:spLocks noGrp="1"/>
+          </p:cNvSpPr>
           <p:nvPr>
-            <p:ph idx="1" type="subTitle"/>
+            <p:ph type="subTitle" idx="1"/>
           </p:nvPr>
         </p:nvSpPr>
         <p:spPr>
@@ -5187,7 +5362,7 @@
           </a:prstGeom>
         </p:spPr>
         <p:txBody>
-          <a:bodyPr anchorCtr="0" anchor="t" bIns="91425" lIns="91425" spcFirstLastPara="1" rIns="91425" wrap="square" tIns="91425">
+          <a:bodyPr spcFirstLastPara="1" wrap="square" lIns="91425" tIns="91425" rIns="91425" bIns="91425" anchor="t" anchorCtr="0">
             <a:normAutofit/>
           </a:bodyPr>
           <a:lstStyle>
@@ -5318,15 +5493,19 @@
               <a:defRPr sz="2100"/>
             </a:lvl9pPr>
           </a:lstStyle>
-          <a:p/>
+          <a:p>
+            <a:endParaRPr/>
+          </a:p>
         </p:txBody>
       </p:sp>
       <p:sp>
         <p:nvSpPr>
           <p:cNvPr id="39" name="Google Shape;39;p9"/>
-          <p:cNvSpPr txBox="1"/>
+          <p:cNvSpPr txBox="1">
+            <a:spLocks noGrp="1"/>
+          </p:cNvSpPr>
           <p:nvPr>
-            <p:ph idx="2" type="body"/>
+            <p:ph type="body" idx="2"/>
           </p:nvPr>
         </p:nvSpPr>
         <p:spPr>
@@ -5339,11 +5518,11 @@
           </a:prstGeom>
         </p:spPr>
         <p:txBody>
-          <a:bodyPr anchorCtr="0" anchor="ctr" bIns="91425" lIns="91425" spcFirstLastPara="1" rIns="91425" wrap="square" tIns="91425">
+          <a:bodyPr spcFirstLastPara="1" wrap="square" lIns="91425" tIns="91425" rIns="91425" bIns="91425" anchor="ctr" anchorCtr="0">
             <a:normAutofit/>
           </a:bodyPr>
           <a:lstStyle>
-            <a:lvl1pPr indent="-342900" lvl="0" marL="457200">
+            <a:lvl1pPr marL="457200" lvl="0" indent="-342900">
               <a:spcBef>
                 <a:spcPts val="0"/>
               </a:spcBef>
@@ -5354,7 +5533,7 @@
               <a:buChar char="●"/>
               <a:defRPr/>
             </a:lvl1pPr>
-            <a:lvl2pPr indent="-317500" lvl="1" marL="914400">
+            <a:lvl2pPr marL="914400" lvl="1" indent="-317500">
               <a:spcBef>
                 <a:spcPts val="0"/>
               </a:spcBef>
@@ -5365,7 +5544,7 @@
               <a:buChar char="○"/>
               <a:defRPr/>
             </a:lvl2pPr>
-            <a:lvl3pPr indent="-317500" lvl="2" marL="1371600">
+            <a:lvl3pPr marL="1371600" lvl="2" indent="-317500">
               <a:spcBef>
                 <a:spcPts val="0"/>
               </a:spcBef>
@@ -5376,7 +5555,7 @@
               <a:buChar char="■"/>
               <a:defRPr/>
             </a:lvl3pPr>
-            <a:lvl4pPr indent="-317500" lvl="3" marL="1828800">
+            <a:lvl4pPr marL="1828800" lvl="3" indent="-317500">
               <a:spcBef>
                 <a:spcPts val="0"/>
               </a:spcBef>
@@ -5387,7 +5566,7 @@
               <a:buChar char="●"/>
               <a:defRPr/>
             </a:lvl4pPr>
-            <a:lvl5pPr indent="-317500" lvl="4" marL="2286000">
+            <a:lvl5pPr marL="2286000" lvl="4" indent="-317500">
               <a:spcBef>
                 <a:spcPts val="0"/>
               </a:spcBef>
@@ -5398,7 +5577,7 @@
               <a:buChar char="○"/>
               <a:defRPr/>
             </a:lvl5pPr>
-            <a:lvl6pPr indent="-317500" lvl="5" marL="2743200">
+            <a:lvl6pPr marL="2743200" lvl="5" indent="-317500">
               <a:spcBef>
                 <a:spcPts val="0"/>
               </a:spcBef>
@@ -5409,7 +5588,7 @@
               <a:buChar char="■"/>
               <a:defRPr/>
             </a:lvl6pPr>
-            <a:lvl7pPr indent="-317500" lvl="6" marL="3200400">
+            <a:lvl7pPr marL="3200400" lvl="6" indent="-317500">
               <a:spcBef>
                 <a:spcPts val="0"/>
               </a:spcBef>
@@ -5420,7 +5599,7 @@
               <a:buChar char="●"/>
               <a:defRPr/>
             </a:lvl7pPr>
-            <a:lvl8pPr indent="-317500" lvl="7" marL="3657600">
+            <a:lvl8pPr marL="3657600" lvl="7" indent="-317500">
               <a:spcBef>
                 <a:spcPts val="0"/>
               </a:spcBef>
@@ -5431,7 +5610,7 @@
               <a:buChar char="○"/>
               <a:defRPr/>
             </a:lvl8pPr>
-            <a:lvl9pPr indent="-317500" lvl="8" marL="4114800">
+            <a:lvl9pPr marL="4114800" lvl="8" indent="-317500">
               <a:spcBef>
                 <a:spcPts val="0"/>
               </a:spcBef>
@@ -5443,15 +5622,19 @@
               <a:defRPr/>
             </a:lvl9pPr>
           </a:lstStyle>
-          <a:p/>
+          <a:p>
+            <a:endParaRPr/>
+          </a:p>
         </p:txBody>
       </p:sp>
       <p:sp>
         <p:nvSpPr>
           <p:cNvPr id="40" name="Google Shape;40;p9"/>
-          <p:cNvSpPr txBox="1"/>
+          <p:cNvSpPr txBox="1">
+            <a:spLocks noGrp="1"/>
+          </p:cNvSpPr>
           <p:nvPr>
-            <p:ph idx="12" type="sldNum"/>
+            <p:ph type="sldNum" idx="12"/>
           </p:nvPr>
         </p:nvSpPr>
         <p:spPr>
@@ -5464,7 +5647,7 @@
           </a:prstGeom>
         </p:spPr>
         <p:txBody>
-          <a:bodyPr anchorCtr="0" anchor="ctr" bIns="91425" lIns="91425" spcFirstLastPara="1" rIns="91425" wrap="square" tIns="91425">
+          <a:bodyPr spcFirstLastPara="1" wrap="square" lIns="91425" tIns="91425" rIns="91425" bIns="91425" anchor="ctr" anchorCtr="0">
             <a:normAutofit/>
           </a:bodyPr>
           <a:lstStyle>
@@ -5506,7 +5689,7 @@
             </a:lvl9pPr>
           </a:lstStyle>
           <a:p>
-            <a:pPr indent="0" lvl="0" marL="0" rtl="0" algn="r">
+            <a:pPr marL="0" lvl="0" indent="0" algn="r" rtl="0">
               <a:spcBef>
                 <a:spcPts val="0"/>
               </a:spcBef>
@@ -5532,11 +5715,11 @@
 </file>
 
 <file path=ppt/slideLayouts/slideLayout9.xml><?xml version="1.0" encoding="utf-8"?>
-<p:sldLayout xmlns:a="http://schemas.openxmlformats.org/drawingml/2006/main" xmlns:r="http://schemas.openxmlformats.org/officeDocument/2006/relationships" xmlns:mc="http://schemas.openxmlformats.org/markup-compatibility/2006" xmlns:mv="urn:schemas-microsoft-com:mac:vml" xmlns:p="http://schemas.openxmlformats.org/presentationml/2006/main" xmlns:c="http://schemas.openxmlformats.org/drawingml/2006/chart" xmlns:dgm="http://schemas.openxmlformats.org/drawingml/2006/diagram" xmlns:o="urn:schemas-microsoft-com:office:office" xmlns:v="urn:schemas-microsoft-com:vml" xmlns:pvml="urn:schemas-microsoft-com:office:powerpoint" xmlns:com="http://schemas.openxmlformats.org/drawingml/2006/compatibility" xmlns:p14="http://schemas.microsoft.com/office/powerpoint/2010/main" xmlns:p15="http://schemas.microsoft.com/office/powerpoint/2012/main" xmlns:ahyp="http://schemas.microsoft.com/office/drawing/2018/hyperlinkcolor" matchingName="Caption">
+<p:sldLayout xmlns:a="http://schemas.openxmlformats.org/drawingml/2006/main" xmlns:r="http://schemas.openxmlformats.org/officeDocument/2006/relationships" xmlns:p="http://schemas.openxmlformats.org/presentationml/2006/main" matchingName="Caption">
   <p:cSld name="CAPTION_ONLY">
     <p:spTree>
       <p:nvGrpSpPr>
-        <p:cNvPr id="41" name="Shape 41"/>
+        <p:cNvPr id="1" name="Shape 41"/>
         <p:cNvGrpSpPr/>
         <p:nvPr/>
       </p:nvGrpSpPr>
@@ -5551,9 +5734,11 @@
       <p:sp>
         <p:nvSpPr>
           <p:cNvPr id="42" name="Google Shape;42;p10"/>
-          <p:cNvSpPr txBox="1"/>
+          <p:cNvSpPr txBox="1">
+            <a:spLocks noGrp="1"/>
+          </p:cNvSpPr>
           <p:nvPr>
-            <p:ph idx="1" type="body"/>
+            <p:ph type="body" idx="1"/>
           </p:nvPr>
         </p:nvSpPr>
         <p:spPr>
@@ -5566,11 +5751,11 @@
           </a:prstGeom>
         </p:spPr>
         <p:txBody>
-          <a:bodyPr anchorCtr="0" anchor="ctr" bIns="91425" lIns="91425" spcFirstLastPara="1" rIns="91425" wrap="square" tIns="91425">
+          <a:bodyPr spcFirstLastPara="1" wrap="square" lIns="91425" tIns="91425" rIns="91425" bIns="91425" anchor="ctr" anchorCtr="0">
             <a:normAutofit/>
           </a:bodyPr>
           <a:lstStyle>
-            <a:lvl1pPr indent="-228600" lvl="0" marL="457200">
+            <a:lvl1pPr marL="457200" lvl="0" indent="-228600">
               <a:lnSpc>
                 <a:spcPct val="100000"/>
               </a:lnSpc>
@@ -5585,15 +5770,19 @@
               <a:defRPr/>
             </a:lvl1pPr>
           </a:lstStyle>
-          <a:p/>
+          <a:p>
+            <a:endParaRPr/>
+          </a:p>
         </p:txBody>
       </p:sp>
       <p:sp>
         <p:nvSpPr>
           <p:cNvPr id="43" name="Google Shape;43;p10"/>
-          <p:cNvSpPr txBox="1"/>
+          <p:cNvSpPr txBox="1">
+            <a:spLocks noGrp="1"/>
+          </p:cNvSpPr>
           <p:nvPr>
-            <p:ph idx="12" type="sldNum"/>
+            <p:ph type="sldNum" idx="12"/>
           </p:nvPr>
         </p:nvSpPr>
         <p:spPr>
@@ -5606,7 +5795,7 @@
           </a:prstGeom>
         </p:spPr>
         <p:txBody>
-          <a:bodyPr anchorCtr="0" anchor="ctr" bIns="91425" lIns="91425" spcFirstLastPara="1" rIns="91425" wrap="square" tIns="91425">
+          <a:bodyPr spcFirstLastPara="1" wrap="square" lIns="91425" tIns="91425" rIns="91425" bIns="91425" anchor="ctr" anchorCtr="0">
             <a:normAutofit/>
           </a:bodyPr>
           <a:lstStyle>
@@ -5648,7 +5837,7 @@
             </a:lvl9pPr>
           </a:lstStyle>
           <a:p>
-            <a:pPr indent="0" lvl="0" marL="0" rtl="0" algn="r">
+            <a:pPr marL="0" lvl="0" indent="0" algn="r" rtl="0">
               <a:spcBef>
                 <a:spcPts val="0"/>
               </a:spcBef>
@@ -5674,18 +5863,19 @@
 </file>
 
 <file path=ppt/slideMasters/slideMaster1.xml><?xml version="1.0" encoding="utf-8"?>
-<p:sldMaster xmlns:a="http://schemas.openxmlformats.org/drawingml/2006/main" xmlns:r="http://schemas.openxmlformats.org/officeDocument/2006/relationships" xmlns:mc="http://schemas.openxmlformats.org/markup-compatibility/2006" xmlns:mv="urn:schemas-microsoft-com:mac:vml" xmlns:p="http://schemas.openxmlformats.org/presentationml/2006/main" xmlns:c="http://schemas.openxmlformats.org/drawingml/2006/chart" xmlns:dgm="http://schemas.openxmlformats.org/drawingml/2006/diagram" xmlns:o="urn:schemas-microsoft-com:office:office" xmlns:v="urn:schemas-microsoft-com:vml" xmlns:pvml="urn:schemas-microsoft-com:office:powerpoint" xmlns:com="http://schemas.openxmlformats.org/drawingml/2006/compatibility" xmlns:p14="http://schemas.microsoft.com/office/powerpoint/2010/main" xmlns:p15="http://schemas.microsoft.com/office/powerpoint/2012/main" xmlns:ahyp="http://schemas.microsoft.com/office/drawing/2018/hyperlinkcolor">
+<p:sldMaster xmlns:a="http://schemas.openxmlformats.org/drawingml/2006/main" xmlns:r="http://schemas.openxmlformats.org/officeDocument/2006/relationships" xmlns:p="http://schemas.openxmlformats.org/presentationml/2006/main">
   <p:cSld name="simple-light-2">
     <p:bg>
       <p:bgPr>
         <a:solidFill>
           <a:schemeClr val="lt1"/>
         </a:solidFill>
+        <a:effectLst/>
       </p:bgPr>
     </p:bg>
     <p:spTree>
       <p:nvGrpSpPr>
-        <p:cNvPr id="5" name="Shape 5"/>
+        <p:cNvPr id="1" name="Shape 5"/>
         <p:cNvGrpSpPr/>
         <p:nvPr/>
       </p:nvGrpSpPr>
@@ -5700,7 +5890,9 @@
       <p:sp>
         <p:nvSpPr>
           <p:cNvPr id="6" name="Google Shape;6;p1"/>
-          <p:cNvSpPr txBox="1"/>
+          <p:cNvSpPr txBox="1">
+            <a:spLocks noGrp="1"/>
+          </p:cNvSpPr>
           <p:nvPr>
             <p:ph type="title"/>
           </p:nvPr>
@@ -5719,7 +5911,7 @@
           </a:ln>
         </p:spPr>
         <p:txBody>
-          <a:bodyPr anchorCtr="0" anchor="t" bIns="91425" lIns="91425" spcFirstLastPara="1" rIns="91425" wrap="square" tIns="91425">
+          <a:bodyPr spcFirstLastPara="1" wrap="square" lIns="91425" tIns="91425" rIns="91425" bIns="91425" anchor="t" anchorCtr="0">
             <a:normAutofit/>
           </a:bodyPr>
           <a:lstStyle>
@@ -5886,15 +6078,19 @@
               </a:defRPr>
             </a:lvl9pPr>
           </a:lstStyle>
-          <a:p/>
+          <a:p>
+            <a:endParaRPr/>
+          </a:p>
         </p:txBody>
       </p:sp>
       <p:sp>
         <p:nvSpPr>
           <p:cNvPr id="7" name="Google Shape;7;p1"/>
-          <p:cNvSpPr txBox="1"/>
+          <p:cNvSpPr txBox="1">
+            <a:spLocks noGrp="1"/>
+          </p:cNvSpPr>
           <p:nvPr>
-            <p:ph idx="1" type="body"/>
+            <p:ph type="body" idx="1"/>
           </p:nvPr>
         </p:nvSpPr>
         <p:spPr>
@@ -5911,11 +6107,11 @@
           </a:ln>
         </p:spPr>
         <p:txBody>
-          <a:bodyPr anchorCtr="0" anchor="t" bIns="91425" lIns="91425" spcFirstLastPara="1" rIns="91425" wrap="square" tIns="91425">
+          <a:bodyPr spcFirstLastPara="1" wrap="square" lIns="91425" tIns="91425" rIns="91425" bIns="91425" anchor="t" anchorCtr="0">
             <a:normAutofit/>
           </a:bodyPr>
           <a:lstStyle>
-            <a:lvl1pPr indent="-342900" lvl="0" marL="457200">
+            <a:lvl1pPr marL="457200" lvl="0" indent="-342900">
               <a:lnSpc>
                 <a:spcPct val="115000"/>
               </a:lnSpc>
@@ -5936,7 +6132,7 @@
                 </a:solidFill>
               </a:defRPr>
             </a:lvl1pPr>
-            <a:lvl2pPr indent="-317500" lvl="1" marL="914400">
+            <a:lvl2pPr marL="914400" lvl="1" indent="-317500">
               <a:lnSpc>
                 <a:spcPct val="115000"/>
               </a:lnSpc>
@@ -5957,7 +6153,7 @@
                 </a:solidFill>
               </a:defRPr>
             </a:lvl2pPr>
-            <a:lvl3pPr indent="-317500" lvl="2" marL="1371600">
+            <a:lvl3pPr marL="1371600" lvl="2" indent="-317500">
               <a:lnSpc>
                 <a:spcPct val="115000"/>
               </a:lnSpc>
@@ -5978,7 +6174,7 @@
                 </a:solidFill>
               </a:defRPr>
             </a:lvl3pPr>
-            <a:lvl4pPr indent="-317500" lvl="3" marL="1828800">
+            <a:lvl4pPr marL="1828800" lvl="3" indent="-317500">
               <a:lnSpc>
                 <a:spcPct val="115000"/>
               </a:lnSpc>
@@ -5999,7 +6195,7 @@
                 </a:solidFill>
               </a:defRPr>
             </a:lvl4pPr>
-            <a:lvl5pPr indent="-317500" lvl="4" marL="2286000">
+            <a:lvl5pPr marL="2286000" lvl="4" indent="-317500">
               <a:lnSpc>
                 <a:spcPct val="115000"/>
               </a:lnSpc>
@@ -6020,7 +6216,7 @@
                 </a:solidFill>
               </a:defRPr>
             </a:lvl5pPr>
-            <a:lvl6pPr indent="-317500" lvl="5" marL="2743200">
+            <a:lvl6pPr marL="2743200" lvl="5" indent="-317500">
               <a:lnSpc>
                 <a:spcPct val="115000"/>
               </a:lnSpc>
@@ -6041,7 +6237,7 @@
                 </a:solidFill>
               </a:defRPr>
             </a:lvl6pPr>
-            <a:lvl7pPr indent="-317500" lvl="6" marL="3200400">
+            <a:lvl7pPr marL="3200400" lvl="6" indent="-317500">
               <a:lnSpc>
                 <a:spcPct val="115000"/>
               </a:lnSpc>
@@ -6062,7 +6258,7 @@
                 </a:solidFill>
               </a:defRPr>
             </a:lvl7pPr>
-            <a:lvl8pPr indent="-317500" lvl="7" marL="3657600">
+            <a:lvl8pPr marL="3657600" lvl="7" indent="-317500">
               <a:lnSpc>
                 <a:spcPct val="115000"/>
               </a:lnSpc>
@@ -6083,7 +6279,7 @@
                 </a:solidFill>
               </a:defRPr>
             </a:lvl8pPr>
-            <a:lvl9pPr indent="-317500" lvl="8" marL="4114800">
+            <a:lvl9pPr marL="4114800" lvl="8" indent="-317500">
               <a:lnSpc>
                 <a:spcPct val="115000"/>
               </a:lnSpc>
@@ -6105,15 +6301,19 @@
               </a:defRPr>
             </a:lvl9pPr>
           </a:lstStyle>
-          <a:p/>
+          <a:p>
+            <a:endParaRPr/>
+          </a:p>
         </p:txBody>
       </p:sp>
       <p:sp>
         <p:nvSpPr>
           <p:cNvPr id="8" name="Google Shape;8;p1"/>
-          <p:cNvSpPr txBox="1"/>
+          <p:cNvSpPr txBox="1">
+            <a:spLocks noGrp="1"/>
+          </p:cNvSpPr>
           <p:nvPr>
-            <p:ph idx="12" type="sldNum"/>
+            <p:ph type="sldNum" idx="12"/>
           </p:nvPr>
         </p:nvSpPr>
         <p:spPr>
@@ -6130,7 +6330,7 @@
           </a:ln>
         </p:spPr>
         <p:txBody>
-          <a:bodyPr anchorCtr="0" anchor="ctr" bIns="91425" lIns="91425" spcFirstLastPara="1" rIns="91425" wrap="square" tIns="91425">
+          <a:bodyPr spcFirstLastPara="1" wrap="square" lIns="91425" tIns="91425" rIns="91425" bIns="91425" anchor="ctr" anchorCtr="0">
             <a:normAutofit/>
           </a:bodyPr>
           <a:lstStyle>
@@ -6208,7 +6408,7 @@
             </a:lvl9pPr>
           </a:lstStyle>
           <a:p>
-            <a:pPr indent="0" lvl="0" marL="0" rtl="0" algn="r">
+            <a:pPr marL="0" lvl="0" indent="0" algn="r" rtl="0">
               <a:spcBef>
                 <a:spcPts val="0"/>
               </a:spcBef>
@@ -6227,7 +6427,7 @@
       </p:sp>
     </p:spTree>
   </p:cSld>
-  <p:clrMap accent1="accent1" accent2="accent2" accent3="accent3" accent4="accent4" accent5="accent5" accent6="accent6" bg1="lt1" bg2="dk2" tx1="dk1" tx2="lt2" folHlink="folHlink" hlink="hlink"/>
+  <p:clrMap bg1="lt1" tx1="dk1" bg2="dk2" tx2="lt2" accent1="accent1" accent2="accent2" accent3="accent3" accent4="accent4" accent5="accent5" accent6="accent6" hlink="hlink" folHlink="folHlink"/>
   <p:sldLayoutIdLst>
     <p:sldLayoutId id="2147483648" r:id="rId1"/>
     <p:sldLayoutId id="2147483649" r:id="rId2"/>
@@ -6241,10 +6441,10 @@
     <p:sldLayoutId id="2147483657" r:id="rId10"/>
     <p:sldLayoutId id="2147483658" r:id="rId11"/>
   </p:sldLayoutIdLst>
-  <p:hf dt="0" ftr="0" hdr="0" sldNum="0"/>
+  <p:hf sldNum="0" hdr="0" ftr="0" dt="0"/>
   <p:txStyles>
     <p:titleStyle>
-      <a:defPPr lvl="0" marR="0" rtl="0" algn="l">
+      <a:defPPr marR="0" lvl="0" algn="l" rtl="0">
         <a:lnSpc>
           <a:spcPct val="100000"/>
         </a:lnSpc>
@@ -6255,7 +6455,7 @@
           <a:spcPts val="0"/>
         </a:spcAft>
       </a:defPPr>
-      <a:lvl1pPr lvl="0" marR="0" rtl="0" algn="l">
+      <a:lvl1pPr marR="0" lvl="0" algn="l" rtl="0">
         <a:lnSpc>
           <a:spcPct val="100000"/>
         </a:lnSpc>
@@ -6269,7 +6469,7 @@
           <a:srgbClr val="000000"/>
         </a:buClr>
         <a:buFont typeface="Arial"/>
-        <a:defRPr b="0" i="0" sz="1400" u="none" cap="none" strike="noStrike">
+        <a:defRPr sz="1400" b="0" i="0" u="none" strike="noStrike" cap="none">
           <a:solidFill>
             <a:srgbClr val="000000"/>
           </a:solidFill>
@@ -6279,7 +6479,7 @@
           <a:sym typeface="Arial"/>
         </a:defRPr>
       </a:lvl1pPr>
-      <a:lvl2pPr lvl="1" marR="0" rtl="0" algn="l">
+      <a:lvl2pPr marR="0" lvl="1" algn="l" rtl="0">
         <a:lnSpc>
           <a:spcPct val="100000"/>
         </a:lnSpc>
@@ -6293,7 +6493,7 @@
           <a:srgbClr val="000000"/>
         </a:buClr>
         <a:buFont typeface="Arial"/>
-        <a:defRPr b="0" i="0" sz="1400" u="none" cap="none" strike="noStrike">
+        <a:defRPr sz="1400" b="0" i="0" u="none" strike="noStrike" cap="none">
           <a:solidFill>
             <a:srgbClr val="000000"/>
           </a:solidFill>
@@ -6303,7 +6503,7 @@
           <a:sym typeface="Arial"/>
         </a:defRPr>
       </a:lvl2pPr>
-      <a:lvl3pPr lvl="2" marR="0" rtl="0" algn="l">
+      <a:lvl3pPr marR="0" lvl="2" algn="l" rtl="0">
         <a:lnSpc>
           <a:spcPct val="100000"/>
         </a:lnSpc>
@@ -6317,7 +6517,7 @@
           <a:srgbClr val="000000"/>
         </a:buClr>
         <a:buFont typeface="Arial"/>
-        <a:defRPr b="0" i="0" sz="1400" u="none" cap="none" strike="noStrike">
+        <a:defRPr sz="1400" b="0" i="0" u="none" strike="noStrike" cap="none">
           <a:solidFill>
             <a:srgbClr val="000000"/>
           </a:solidFill>
@@ -6327,7 +6527,7 @@
           <a:sym typeface="Arial"/>
         </a:defRPr>
       </a:lvl3pPr>
-      <a:lvl4pPr lvl="3" marR="0" rtl="0" algn="l">
+      <a:lvl4pPr marR="0" lvl="3" algn="l" rtl="0">
         <a:lnSpc>
           <a:spcPct val="100000"/>
         </a:lnSpc>
@@ -6341,7 +6541,7 @@
           <a:srgbClr val="000000"/>
         </a:buClr>
         <a:buFont typeface="Arial"/>
-        <a:defRPr b="0" i="0" sz="1400" u="none" cap="none" strike="noStrike">
+        <a:defRPr sz="1400" b="0" i="0" u="none" strike="noStrike" cap="none">
           <a:solidFill>
             <a:srgbClr val="000000"/>
           </a:solidFill>
@@ -6351,7 +6551,7 @@
           <a:sym typeface="Arial"/>
         </a:defRPr>
       </a:lvl4pPr>
-      <a:lvl5pPr lvl="4" marR="0" rtl="0" algn="l">
+      <a:lvl5pPr marR="0" lvl="4" algn="l" rtl="0">
         <a:lnSpc>
           <a:spcPct val="100000"/>
         </a:lnSpc>
@@ -6365,7 +6565,7 @@
           <a:srgbClr val="000000"/>
         </a:buClr>
         <a:buFont typeface="Arial"/>
-        <a:defRPr b="0" i="0" sz="1400" u="none" cap="none" strike="noStrike">
+        <a:defRPr sz="1400" b="0" i="0" u="none" strike="noStrike" cap="none">
           <a:solidFill>
             <a:srgbClr val="000000"/>
           </a:solidFill>
@@ -6375,7 +6575,7 @@
           <a:sym typeface="Arial"/>
         </a:defRPr>
       </a:lvl5pPr>
-      <a:lvl6pPr lvl="5" marR="0" rtl="0" algn="l">
+      <a:lvl6pPr marR="0" lvl="5" algn="l" rtl="0">
         <a:lnSpc>
           <a:spcPct val="100000"/>
         </a:lnSpc>
@@ -6389,7 +6589,7 @@
           <a:srgbClr val="000000"/>
         </a:buClr>
         <a:buFont typeface="Arial"/>
-        <a:defRPr b="0" i="0" sz="1400" u="none" cap="none" strike="noStrike">
+        <a:defRPr sz="1400" b="0" i="0" u="none" strike="noStrike" cap="none">
           <a:solidFill>
             <a:srgbClr val="000000"/>
           </a:solidFill>
@@ -6399,7 +6599,7 @@
           <a:sym typeface="Arial"/>
         </a:defRPr>
       </a:lvl6pPr>
-      <a:lvl7pPr lvl="6" marR="0" rtl="0" algn="l">
+      <a:lvl7pPr marR="0" lvl="6" algn="l" rtl="0">
         <a:lnSpc>
           <a:spcPct val="100000"/>
         </a:lnSpc>
@@ -6413,7 +6613,7 @@
           <a:srgbClr val="000000"/>
         </a:buClr>
         <a:buFont typeface="Arial"/>
-        <a:defRPr b="0" i="0" sz="1400" u="none" cap="none" strike="noStrike">
+        <a:defRPr sz="1400" b="0" i="0" u="none" strike="noStrike" cap="none">
           <a:solidFill>
             <a:srgbClr val="000000"/>
           </a:solidFill>
@@ -6423,7 +6623,7 @@
           <a:sym typeface="Arial"/>
         </a:defRPr>
       </a:lvl7pPr>
-      <a:lvl8pPr lvl="7" marR="0" rtl="0" algn="l">
+      <a:lvl8pPr marR="0" lvl="7" algn="l" rtl="0">
         <a:lnSpc>
           <a:spcPct val="100000"/>
         </a:lnSpc>
@@ -6437,7 +6637,7 @@
           <a:srgbClr val="000000"/>
         </a:buClr>
         <a:buFont typeface="Arial"/>
-        <a:defRPr b="0" i="0" sz="1400" u="none" cap="none" strike="noStrike">
+        <a:defRPr sz="1400" b="0" i="0" u="none" strike="noStrike" cap="none">
           <a:solidFill>
             <a:srgbClr val="000000"/>
           </a:solidFill>
@@ -6447,7 +6647,7 @@
           <a:sym typeface="Arial"/>
         </a:defRPr>
       </a:lvl8pPr>
-      <a:lvl9pPr lvl="8" marR="0" rtl="0" algn="l">
+      <a:lvl9pPr marR="0" lvl="8" algn="l" rtl="0">
         <a:lnSpc>
           <a:spcPct val="100000"/>
         </a:lnSpc>
@@ -6461,7 +6661,7 @@
           <a:srgbClr val="000000"/>
         </a:buClr>
         <a:buFont typeface="Arial"/>
-        <a:defRPr b="0" i="0" sz="1400" u="none" cap="none" strike="noStrike">
+        <a:defRPr sz="1400" b="0" i="0" u="none" strike="noStrike" cap="none">
           <a:solidFill>
             <a:srgbClr val="000000"/>
           </a:solidFill>
@@ -6473,7 +6673,7 @@
       </a:lvl9pPr>
     </p:titleStyle>
     <p:bodyStyle>
-      <a:defPPr lvl="0" marR="0" rtl="0" algn="l">
+      <a:defPPr marR="0" lvl="0" algn="l" rtl="0">
         <a:lnSpc>
           <a:spcPct val="100000"/>
         </a:lnSpc>
@@ -6484,7 +6684,7 @@
           <a:spcPts val="0"/>
         </a:spcAft>
       </a:defPPr>
-      <a:lvl1pPr lvl="0" marR="0" rtl="0" algn="l">
+      <a:lvl1pPr marR="0" lvl="0" algn="l" rtl="0">
         <a:lnSpc>
           <a:spcPct val="100000"/>
         </a:lnSpc>
@@ -6498,7 +6698,7 @@
           <a:srgbClr val="000000"/>
         </a:buClr>
         <a:buFont typeface="Arial"/>
-        <a:defRPr b="0" i="0" sz="1400" u="none" cap="none" strike="noStrike">
+        <a:defRPr sz="1400" b="0" i="0" u="none" strike="noStrike" cap="none">
           <a:solidFill>
             <a:srgbClr val="000000"/>
           </a:solidFill>
@@ -6508,7 +6708,7 @@
           <a:sym typeface="Arial"/>
         </a:defRPr>
       </a:lvl1pPr>
-      <a:lvl2pPr lvl="1" marR="0" rtl="0" algn="l">
+      <a:lvl2pPr marR="0" lvl="1" algn="l" rtl="0">
         <a:lnSpc>
           <a:spcPct val="100000"/>
         </a:lnSpc>
@@ -6522,7 +6722,7 @@
           <a:srgbClr val="000000"/>
         </a:buClr>
         <a:buFont typeface="Arial"/>
-        <a:defRPr b="0" i="0" sz="1400" u="none" cap="none" strike="noStrike">
+        <a:defRPr sz="1400" b="0" i="0" u="none" strike="noStrike" cap="none">
           <a:solidFill>
             <a:srgbClr val="000000"/>
           </a:solidFill>
@@ -6532,7 +6732,7 @@
           <a:sym typeface="Arial"/>
         </a:defRPr>
       </a:lvl2pPr>
-      <a:lvl3pPr lvl="2" marR="0" rtl="0" algn="l">
+      <a:lvl3pPr marR="0" lvl="2" algn="l" rtl="0">
         <a:lnSpc>
           <a:spcPct val="100000"/>
         </a:lnSpc>
@@ -6546,7 +6746,7 @@
           <a:srgbClr val="000000"/>
         </a:buClr>
         <a:buFont typeface="Arial"/>
-        <a:defRPr b="0" i="0" sz="1400" u="none" cap="none" strike="noStrike">
+        <a:defRPr sz="1400" b="0" i="0" u="none" strike="noStrike" cap="none">
           <a:solidFill>
             <a:srgbClr val="000000"/>
           </a:solidFill>
@@ -6556,7 +6756,7 @@
           <a:sym typeface="Arial"/>
         </a:defRPr>
       </a:lvl3pPr>
-      <a:lvl4pPr lvl="3" marR="0" rtl="0" algn="l">
+      <a:lvl4pPr marR="0" lvl="3" algn="l" rtl="0">
         <a:lnSpc>
           <a:spcPct val="100000"/>
         </a:lnSpc>
@@ -6570,7 +6770,7 @@
           <a:srgbClr val="000000"/>
         </a:buClr>
         <a:buFont typeface="Arial"/>
-        <a:defRPr b="0" i="0" sz="1400" u="none" cap="none" strike="noStrike">
+        <a:defRPr sz="1400" b="0" i="0" u="none" strike="noStrike" cap="none">
           <a:solidFill>
             <a:srgbClr val="000000"/>
           </a:solidFill>
@@ -6580,7 +6780,7 @@
           <a:sym typeface="Arial"/>
         </a:defRPr>
       </a:lvl4pPr>
-      <a:lvl5pPr lvl="4" marR="0" rtl="0" algn="l">
+      <a:lvl5pPr marR="0" lvl="4" algn="l" rtl="0">
         <a:lnSpc>
           <a:spcPct val="100000"/>
         </a:lnSpc>
@@ -6594,7 +6794,7 @@
           <a:srgbClr val="000000"/>
         </a:buClr>
         <a:buFont typeface="Arial"/>
-        <a:defRPr b="0" i="0" sz="1400" u="none" cap="none" strike="noStrike">
+        <a:defRPr sz="1400" b="0" i="0" u="none" strike="noStrike" cap="none">
           <a:solidFill>
             <a:srgbClr val="000000"/>
           </a:solidFill>
@@ -6604,7 +6804,7 @@
           <a:sym typeface="Arial"/>
         </a:defRPr>
       </a:lvl5pPr>
-      <a:lvl6pPr lvl="5" marR="0" rtl="0" algn="l">
+      <a:lvl6pPr marR="0" lvl="5" algn="l" rtl="0">
         <a:lnSpc>
           <a:spcPct val="100000"/>
         </a:lnSpc>
@@ -6618,7 +6818,7 @@
           <a:srgbClr val="000000"/>
         </a:buClr>
         <a:buFont typeface="Arial"/>
-        <a:defRPr b="0" i="0" sz="1400" u="none" cap="none" strike="noStrike">
+        <a:defRPr sz="1400" b="0" i="0" u="none" strike="noStrike" cap="none">
           <a:solidFill>
             <a:srgbClr val="000000"/>
           </a:solidFill>
@@ -6628,7 +6828,7 @@
           <a:sym typeface="Arial"/>
         </a:defRPr>
       </a:lvl6pPr>
-      <a:lvl7pPr lvl="6" marR="0" rtl="0" algn="l">
+      <a:lvl7pPr marR="0" lvl="6" algn="l" rtl="0">
         <a:lnSpc>
           <a:spcPct val="100000"/>
         </a:lnSpc>
@@ -6642,7 +6842,7 @@
           <a:srgbClr val="000000"/>
         </a:buClr>
         <a:buFont typeface="Arial"/>
-        <a:defRPr b="0" i="0" sz="1400" u="none" cap="none" strike="noStrike">
+        <a:defRPr sz="1400" b="0" i="0" u="none" strike="noStrike" cap="none">
           <a:solidFill>
             <a:srgbClr val="000000"/>
           </a:solidFill>
@@ -6652,7 +6852,7 @@
           <a:sym typeface="Arial"/>
         </a:defRPr>
       </a:lvl7pPr>
-      <a:lvl8pPr lvl="7" marR="0" rtl="0" algn="l">
+      <a:lvl8pPr marR="0" lvl="7" algn="l" rtl="0">
         <a:lnSpc>
           <a:spcPct val="100000"/>
         </a:lnSpc>
@@ -6666,7 +6866,7 @@
           <a:srgbClr val="000000"/>
         </a:buClr>
         <a:buFont typeface="Arial"/>
-        <a:defRPr b="0" i="0" sz="1400" u="none" cap="none" strike="noStrike">
+        <a:defRPr sz="1400" b="0" i="0" u="none" strike="noStrike" cap="none">
           <a:solidFill>
             <a:srgbClr val="000000"/>
           </a:solidFill>
@@ -6676,7 +6876,7 @@
           <a:sym typeface="Arial"/>
         </a:defRPr>
       </a:lvl8pPr>
-      <a:lvl9pPr lvl="8" marR="0" rtl="0" algn="l">
+      <a:lvl9pPr marR="0" lvl="8" algn="l" rtl="0">
         <a:lnSpc>
           <a:spcPct val="100000"/>
         </a:lnSpc>
@@ -6690,7 +6890,7 @@
           <a:srgbClr val="000000"/>
         </a:buClr>
         <a:buFont typeface="Arial"/>
-        <a:defRPr b="0" i="0" sz="1400" u="none" cap="none" strike="noStrike">
+        <a:defRPr sz="1400" b="0" i="0" u="none" strike="noStrike" cap="none">
           <a:solidFill>
             <a:srgbClr val="000000"/>
           </a:solidFill>
@@ -6702,7 +6902,7 @@
       </a:lvl9pPr>
     </p:bodyStyle>
     <p:otherStyle>
-      <a:defPPr lvl="0" marR="0" rtl="0" algn="l">
+      <a:defPPr marR="0" lvl="0" algn="l" rtl="0">
         <a:lnSpc>
           <a:spcPct val="100000"/>
         </a:lnSpc>
@@ -6713,7 +6913,7 @@
           <a:spcPts val="0"/>
         </a:spcAft>
       </a:defPPr>
-      <a:lvl1pPr lvl="0" marR="0" rtl="0" algn="l">
+      <a:lvl1pPr marR="0" lvl="0" algn="l" rtl="0">
         <a:lnSpc>
           <a:spcPct val="100000"/>
         </a:lnSpc>
@@ -6727,7 +6927,7 @@
           <a:srgbClr val="000000"/>
         </a:buClr>
         <a:buFont typeface="Arial"/>
-        <a:defRPr b="0" i="0" sz="1400" u="none" cap="none" strike="noStrike">
+        <a:defRPr sz="1400" b="0" i="0" u="none" strike="noStrike" cap="none">
           <a:solidFill>
             <a:srgbClr val="000000"/>
           </a:solidFill>
@@ -6737,7 +6937,7 @@
           <a:sym typeface="Arial"/>
         </a:defRPr>
       </a:lvl1pPr>
-      <a:lvl2pPr lvl="1" marR="0" rtl="0" algn="l">
+      <a:lvl2pPr marR="0" lvl="1" algn="l" rtl="0">
         <a:lnSpc>
           <a:spcPct val="100000"/>
         </a:lnSpc>
@@ -6751,7 +6951,7 @@
           <a:srgbClr val="000000"/>
         </a:buClr>
         <a:buFont typeface="Arial"/>
-        <a:defRPr b="0" i="0" sz="1400" u="none" cap="none" strike="noStrike">
+        <a:defRPr sz="1400" b="0" i="0" u="none" strike="noStrike" cap="none">
           <a:solidFill>
             <a:srgbClr val="000000"/>
           </a:solidFill>
@@ -6761,7 +6961,7 @@
           <a:sym typeface="Arial"/>
         </a:defRPr>
       </a:lvl2pPr>
-      <a:lvl3pPr lvl="2" marR="0" rtl="0" algn="l">
+      <a:lvl3pPr marR="0" lvl="2" algn="l" rtl="0">
         <a:lnSpc>
           <a:spcPct val="100000"/>
         </a:lnSpc>
@@ -6775,7 +6975,7 @@
           <a:srgbClr val="000000"/>
         </a:buClr>
         <a:buFont typeface="Arial"/>
-        <a:defRPr b="0" i="0" sz="1400" u="none" cap="none" strike="noStrike">
+        <a:defRPr sz="1400" b="0" i="0" u="none" strike="noStrike" cap="none">
           <a:solidFill>
             <a:srgbClr val="000000"/>
           </a:solidFill>
@@ -6785,7 +6985,7 @@
           <a:sym typeface="Arial"/>
         </a:defRPr>
       </a:lvl3pPr>
-      <a:lvl4pPr lvl="3" marR="0" rtl="0" algn="l">
+      <a:lvl4pPr marR="0" lvl="3" algn="l" rtl="0">
         <a:lnSpc>
           <a:spcPct val="100000"/>
         </a:lnSpc>
@@ -6799,7 +6999,7 @@
           <a:srgbClr val="000000"/>
         </a:buClr>
         <a:buFont typeface="Arial"/>
-        <a:defRPr b="0" i="0" sz="1400" u="none" cap="none" strike="noStrike">
+        <a:defRPr sz="1400" b="0" i="0" u="none" strike="noStrike" cap="none">
           <a:solidFill>
             <a:srgbClr val="000000"/>
           </a:solidFill>
@@ -6809,7 +7009,7 @@
           <a:sym typeface="Arial"/>
         </a:defRPr>
       </a:lvl4pPr>
-      <a:lvl5pPr lvl="4" marR="0" rtl="0" algn="l">
+      <a:lvl5pPr marR="0" lvl="4" algn="l" rtl="0">
         <a:lnSpc>
           <a:spcPct val="100000"/>
         </a:lnSpc>
@@ -6823,7 +7023,7 @@
           <a:srgbClr val="000000"/>
         </a:buClr>
         <a:buFont typeface="Arial"/>
-        <a:defRPr b="0" i="0" sz="1400" u="none" cap="none" strike="noStrike">
+        <a:defRPr sz="1400" b="0" i="0" u="none" strike="noStrike" cap="none">
           <a:solidFill>
             <a:srgbClr val="000000"/>
           </a:solidFill>
@@ -6833,7 +7033,7 @@
           <a:sym typeface="Arial"/>
         </a:defRPr>
       </a:lvl5pPr>
-      <a:lvl6pPr lvl="5" marR="0" rtl="0" algn="l">
+      <a:lvl6pPr marR="0" lvl="5" algn="l" rtl="0">
         <a:lnSpc>
           <a:spcPct val="100000"/>
         </a:lnSpc>
@@ -6847,7 +7047,7 @@
           <a:srgbClr val="000000"/>
         </a:buClr>
         <a:buFont typeface="Arial"/>
-        <a:defRPr b="0" i="0" sz="1400" u="none" cap="none" strike="noStrike">
+        <a:defRPr sz="1400" b="0" i="0" u="none" strike="noStrike" cap="none">
           <a:solidFill>
             <a:srgbClr val="000000"/>
           </a:solidFill>
@@ -6857,7 +7057,7 @@
           <a:sym typeface="Arial"/>
         </a:defRPr>
       </a:lvl6pPr>
-      <a:lvl7pPr lvl="6" marR="0" rtl="0" algn="l">
+      <a:lvl7pPr marR="0" lvl="6" algn="l" rtl="0">
         <a:lnSpc>
           <a:spcPct val="100000"/>
         </a:lnSpc>
@@ -6871,7 +7071,7 @@
           <a:srgbClr val="000000"/>
         </a:buClr>
         <a:buFont typeface="Arial"/>
-        <a:defRPr b="0" i="0" sz="1400" u="none" cap="none" strike="noStrike">
+        <a:defRPr sz="1400" b="0" i="0" u="none" strike="noStrike" cap="none">
           <a:solidFill>
             <a:srgbClr val="000000"/>
           </a:solidFill>
@@ -6881,7 +7081,7 @@
           <a:sym typeface="Arial"/>
         </a:defRPr>
       </a:lvl7pPr>
-      <a:lvl8pPr lvl="7" marR="0" rtl="0" algn="l">
+      <a:lvl8pPr marR="0" lvl="7" algn="l" rtl="0">
         <a:lnSpc>
           <a:spcPct val="100000"/>
         </a:lnSpc>
@@ -6895,7 +7095,7 @@
           <a:srgbClr val="000000"/>
         </a:buClr>
         <a:buFont typeface="Arial"/>
-        <a:defRPr b="0" i="0" sz="1400" u="none" cap="none" strike="noStrike">
+        <a:defRPr sz="1400" b="0" i="0" u="none" strike="noStrike" cap="none">
           <a:solidFill>
             <a:srgbClr val="000000"/>
           </a:solidFill>
@@ -6905,7 +7105,7 @@
           <a:sym typeface="Arial"/>
         </a:defRPr>
       </a:lvl8pPr>
-      <a:lvl9pPr lvl="8" marR="0" rtl="0" algn="l">
+      <a:lvl9pPr marR="0" lvl="8" algn="l" rtl="0">
         <a:lnSpc>
           <a:spcPct val="100000"/>
         </a:lnSpc>
@@ -6919,7 +7119,7 @@
           <a:srgbClr val="000000"/>
         </a:buClr>
         <a:buFont typeface="Arial"/>
-        <a:defRPr b="0" i="0" sz="1400" u="none" cap="none" strike="noStrike">
+        <a:defRPr sz="1400" b="0" i="0" u="none" strike="noStrike" cap="none">
           <a:solidFill>
             <a:srgbClr val="000000"/>
           </a:solidFill>
@@ -6935,11 +7135,11 @@
 </file>
 
 <file path=ppt/slides/slide1.xml><?xml version="1.0" encoding="utf-8"?>
-<p:sld xmlns:a="http://schemas.openxmlformats.org/drawingml/2006/main" xmlns:r="http://schemas.openxmlformats.org/officeDocument/2006/relationships" xmlns:mc="http://schemas.openxmlformats.org/markup-compatibility/2006" xmlns:mv="urn:schemas-microsoft-com:mac:vml" xmlns:p="http://schemas.openxmlformats.org/presentationml/2006/main" xmlns:c="http://schemas.openxmlformats.org/drawingml/2006/chart" xmlns:dgm="http://schemas.openxmlformats.org/drawingml/2006/diagram" xmlns:o="urn:schemas-microsoft-com:office:office" xmlns:v="urn:schemas-microsoft-com:vml" xmlns:pvml="urn:schemas-microsoft-com:office:powerpoint" xmlns:com="http://schemas.openxmlformats.org/drawingml/2006/compatibility" xmlns:p14="http://schemas.microsoft.com/office/powerpoint/2010/main" xmlns:p15="http://schemas.microsoft.com/office/powerpoint/2012/main" xmlns:ahyp="http://schemas.microsoft.com/office/drawing/2018/hyperlinkcolor">
+<p:sld xmlns:a="http://schemas.openxmlformats.org/drawingml/2006/main" xmlns:r="http://schemas.openxmlformats.org/officeDocument/2006/relationships" xmlns:p="http://schemas.openxmlformats.org/presentationml/2006/main">
   <p:cSld>
     <p:spTree>
       <p:nvGrpSpPr>
-        <p:cNvPr id="53" name="Shape 53"/>
+        <p:cNvPr id="1" name="Shape 53"/>
         <p:cNvGrpSpPr/>
         <p:nvPr/>
       </p:nvGrpSpPr>
@@ -6954,7 +7154,9 @@
       <p:sp>
         <p:nvSpPr>
           <p:cNvPr id="54" name="Google Shape;54;p13"/>
-          <p:cNvSpPr txBox="1"/>
+          <p:cNvSpPr txBox="1">
+            <a:spLocks noGrp="1"/>
+          </p:cNvSpPr>
           <p:nvPr>
             <p:ph type="ctrTitle"/>
           </p:nvPr>
@@ -6969,12 +7171,12 @@
           </a:prstGeom>
         </p:spPr>
         <p:txBody>
-          <a:bodyPr anchorCtr="0" anchor="b" bIns="91425" lIns="91425" spcFirstLastPara="1" rIns="91425" wrap="square" tIns="91425">
+          <a:bodyPr spcFirstLastPara="1" wrap="square" lIns="91425" tIns="91425" rIns="91425" bIns="91425" anchor="b" anchorCtr="0">
             <a:normAutofit/>
           </a:bodyPr>
           <a:lstStyle/>
           <a:p>
-            <a:pPr indent="0" lvl="0" marL="0" rtl="0" algn="ctr">
+            <a:pPr marL="0" lvl="0" indent="0" algn="ctr" rtl="0">
               <a:spcBef>
                 <a:spcPts val="0"/>
               </a:spcBef>
@@ -6994,9 +7196,11 @@
       <p:sp>
         <p:nvSpPr>
           <p:cNvPr id="55" name="Google Shape;55;p13"/>
-          <p:cNvSpPr txBox="1"/>
+          <p:cNvSpPr txBox="1">
+            <a:spLocks noGrp="1"/>
+          </p:cNvSpPr>
           <p:nvPr>
-            <p:ph idx="1" type="subTitle"/>
+            <p:ph type="subTitle" idx="1"/>
           </p:nvPr>
         </p:nvSpPr>
         <p:spPr>
@@ -7009,12 +7213,12 @@
           </a:prstGeom>
         </p:spPr>
         <p:txBody>
-          <a:bodyPr anchorCtr="0" anchor="t" bIns="91425" lIns="91425" spcFirstLastPara="1" rIns="91425" wrap="square" tIns="91425">
+          <a:bodyPr spcFirstLastPara="1" wrap="square" lIns="91425" tIns="91425" rIns="91425" bIns="91425" anchor="t" anchorCtr="0">
             <a:normAutofit/>
           </a:bodyPr>
           <a:lstStyle/>
           <a:p>
-            <a:pPr indent="0" lvl="0" marL="0" rtl="0" algn="ctr">
+            <a:pPr marL="0" lvl="0" indent="0" algn="ctr" rtl="0">
               <a:spcBef>
                 <a:spcPts val="0"/>
               </a:spcBef>
@@ -7036,15 +7240,22 @@
   <p:clrMapOvr>
     <a:masterClrMapping/>
   </p:clrMapOvr>
+  <p:timing>
+    <p:tnLst>
+      <p:par>
+        <p:cTn id="1" dur="indefinite" restart="never" nodeType="tmRoot"/>
+      </p:par>
+    </p:tnLst>
+  </p:timing>
 </p:sld>
 </file>
 
 <file path=ppt/slides/slide10.xml><?xml version="1.0" encoding="utf-8"?>
-<p:sld xmlns:a="http://schemas.openxmlformats.org/drawingml/2006/main" xmlns:r="http://schemas.openxmlformats.org/officeDocument/2006/relationships" xmlns:mc="http://schemas.openxmlformats.org/markup-compatibility/2006" xmlns:mv="urn:schemas-microsoft-com:mac:vml" xmlns:p="http://schemas.openxmlformats.org/presentationml/2006/main" xmlns:c="http://schemas.openxmlformats.org/drawingml/2006/chart" xmlns:dgm="http://schemas.openxmlformats.org/drawingml/2006/diagram" xmlns:o="urn:schemas-microsoft-com:office:office" xmlns:v="urn:schemas-microsoft-com:vml" xmlns:pvml="urn:schemas-microsoft-com:office:powerpoint" xmlns:com="http://schemas.openxmlformats.org/drawingml/2006/compatibility" xmlns:p14="http://schemas.microsoft.com/office/powerpoint/2010/main" xmlns:p15="http://schemas.microsoft.com/office/powerpoint/2012/main" xmlns:ahyp="http://schemas.microsoft.com/office/drawing/2018/hyperlinkcolor">
+<p:sld xmlns:a="http://schemas.openxmlformats.org/drawingml/2006/main" xmlns:r="http://schemas.openxmlformats.org/officeDocument/2006/relationships" xmlns:p="http://schemas.openxmlformats.org/presentationml/2006/main">
   <p:cSld>
     <p:spTree>
       <p:nvGrpSpPr>
-        <p:cNvPr id="113" name="Shape 113"/>
+        <p:cNvPr id="1" name="Shape 113"/>
         <p:cNvGrpSpPr/>
         <p:nvPr/>
       </p:nvGrpSpPr>
@@ -7059,7 +7270,9 @@
       <p:sp>
         <p:nvSpPr>
           <p:cNvPr id="114" name="Google Shape;114;p22"/>
-          <p:cNvSpPr txBox="1"/>
+          <p:cNvSpPr txBox="1">
+            <a:spLocks noGrp="1"/>
+          </p:cNvSpPr>
           <p:nvPr>
             <p:ph type="title"/>
           </p:nvPr>
@@ -7074,12 +7287,12 @@
           </a:prstGeom>
         </p:spPr>
         <p:txBody>
-          <a:bodyPr anchorCtr="0" anchor="t" bIns="91425" lIns="91425" spcFirstLastPara="1" rIns="91425" wrap="square" tIns="91425">
+          <a:bodyPr spcFirstLastPara="1" wrap="square" lIns="91425" tIns="91425" rIns="91425" bIns="91425" anchor="t" anchorCtr="0">
             <a:normAutofit fontScale="90000"/>
           </a:bodyPr>
           <a:lstStyle/>
           <a:p>
-            <a:pPr indent="0" lvl="0" marL="0" rtl="0" algn="l">
+            <a:pPr marL="0" lvl="0" indent="0" algn="l" rtl="0">
               <a:spcBef>
                 <a:spcPts val="0"/>
               </a:spcBef>
@@ -7089,7 +7302,7 @@
               <a:buNone/>
             </a:pPr>
             <a:r>
-              <a:rPr b="1" lang="en">
+              <a:rPr lang="en" b="1">
                 <a:solidFill>
                   <a:schemeClr val="accent1"/>
                 </a:solidFill>
@@ -7107,9 +7320,11 @@
       <p:sp>
         <p:nvSpPr>
           <p:cNvPr id="115" name="Google Shape;115;p22"/>
-          <p:cNvSpPr txBox="1"/>
+          <p:cNvSpPr txBox="1">
+            <a:spLocks noGrp="1"/>
+          </p:cNvSpPr>
           <p:nvPr>
-            <p:ph idx="1" type="body"/>
+            <p:ph type="body" idx="1"/>
           </p:nvPr>
         </p:nvSpPr>
         <p:spPr>
@@ -7122,12 +7337,12 @@
           </a:prstGeom>
         </p:spPr>
         <p:txBody>
-          <a:bodyPr anchorCtr="0" anchor="t" bIns="91425" lIns="91425" spcFirstLastPara="1" rIns="91425" wrap="square" tIns="91425">
+          <a:bodyPr spcFirstLastPara="1" wrap="square" lIns="91425" tIns="91425" rIns="91425" bIns="91425" anchor="t" anchorCtr="0">
             <a:normAutofit/>
           </a:bodyPr>
           <a:lstStyle/>
           <a:p>
-            <a:pPr indent="-342900" lvl="0" marL="457200" rtl="0" algn="l">
+            <a:pPr marL="457200" lvl="0" indent="-342900" algn="l" rtl="0">
               <a:spcBef>
                 <a:spcPts val="0"/>
               </a:spcBef>
@@ -7144,7 +7359,7 @@
             <a:endParaRPr/>
           </a:p>
           <a:p>
-            <a:pPr indent="-342900" lvl="0" marL="457200" rtl="0" algn="l">
+            <a:pPr marL="457200" lvl="0" indent="-342900" algn="l" rtl="0">
               <a:spcBef>
                 <a:spcPts val="0"/>
               </a:spcBef>
@@ -7161,7 +7376,7 @@
             <a:endParaRPr/>
           </a:p>
           <a:p>
-            <a:pPr indent="-317500" lvl="1" marL="914400" rtl="0" algn="l">
+            <a:pPr marL="914400" lvl="1" indent="-317500" algn="l" rtl="0">
               <a:spcBef>
                 <a:spcPts val="0"/>
               </a:spcBef>
@@ -7178,7 +7393,7 @@
             <a:endParaRPr/>
           </a:p>
           <a:p>
-            <a:pPr indent="-317500" lvl="1" marL="914400" rtl="0" algn="l">
+            <a:pPr marL="914400" lvl="1" indent="-317500" algn="l" rtl="0">
               <a:spcBef>
                 <a:spcPts val="0"/>
               </a:spcBef>
@@ -7195,7 +7410,7 @@
             <a:endParaRPr/>
           </a:p>
           <a:p>
-            <a:pPr indent="-317500" lvl="1" marL="914400" rtl="0" algn="l">
+            <a:pPr marL="914400" lvl="1" indent="-317500" algn="l" rtl="0">
               <a:spcBef>
                 <a:spcPts val="0"/>
               </a:spcBef>
@@ -7207,16 +7422,12 @@
             </a:pPr>
             <a:r>
               <a:rPr lang="en"/>
-              <a:t>L</a:t>
-            </a:r>
-            <a:r>
-              <a:rPr lang="en"/>
-              <a:t>earning rate: (0.1)</a:t>
+              <a:t>Learning rate: (0.1)</a:t>
             </a:r>
             <a:endParaRPr/>
           </a:p>
           <a:p>
-            <a:pPr indent="-317500" lvl="1" marL="914400" rtl="0" algn="l">
+            <a:pPr marL="914400" lvl="1" indent="-317500" algn="l" rtl="0">
               <a:spcBef>
                 <a:spcPts val="0"/>
               </a:spcBef>
@@ -7233,7 +7444,7 @@
             <a:endParaRPr/>
           </a:p>
           <a:p>
-            <a:pPr indent="0" lvl="0" marL="457200" rtl="0" algn="l">
+            <a:pPr marL="457200" lvl="0" indent="0" algn="l" rtl="0">
               <a:spcBef>
                 <a:spcPts val="1200"/>
               </a:spcBef>
@@ -7242,9 +7453,6 @@
               </a:spcAft>
               <a:buNone/>
             </a:pPr>
-            <a:r>
-              <a:t/>
-            </a:r>
             <a:endParaRPr/>
           </a:p>
         </p:txBody>
@@ -7258,11 +7466,11 @@
 </file>
 
 <file path=ppt/slides/slide11.xml><?xml version="1.0" encoding="utf-8"?>
-<p:sld xmlns:a="http://schemas.openxmlformats.org/drawingml/2006/main" xmlns:r="http://schemas.openxmlformats.org/officeDocument/2006/relationships" xmlns:mc="http://schemas.openxmlformats.org/markup-compatibility/2006" xmlns:mv="urn:schemas-microsoft-com:mac:vml" xmlns:p="http://schemas.openxmlformats.org/presentationml/2006/main" xmlns:c="http://schemas.openxmlformats.org/drawingml/2006/chart" xmlns:dgm="http://schemas.openxmlformats.org/drawingml/2006/diagram" xmlns:o="urn:schemas-microsoft-com:office:office" xmlns:v="urn:schemas-microsoft-com:vml" xmlns:pvml="urn:schemas-microsoft-com:office:powerpoint" xmlns:com="http://schemas.openxmlformats.org/drawingml/2006/compatibility" xmlns:p14="http://schemas.microsoft.com/office/powerpoint/2010/main" xmlns:p15="http://schemas.microsoft.com/office/powerpoint/2012/main" xmlns:ahyp="http://schemas.microsoft.com/office/drawing/2018/hyperlinkcolor">
+<p:sld xmlns:a="http://schemas.openxmlformats.org/drawingml/2006/main" xmlns:r="http://schemas.openxmlformats.org/officeDocument/2006/relationships" xmlns:p="http://schemas.openxmlformats.org/presentationml/2006/main">
   <p:cSld>
     <p:spTree>
       <p:nvGrpSpPr>
-        <p:cNvPr id="119" name="Shape 119"/>
+        <p:cNvPr id="1" name="Shape 119"/>
         <p:cNvGrpSpPr/>
         <p:nvPr/>
       </p:nvGrpSpPr>
@@ -7277,7 +7485,9 @@
       <p:sp>
         <p:nvSpPr>
           <p:cNvPr id="120" name="Google Shape;120;p23"/>
-          <p:cNvSpPr txBox="1"/>
+          <p:cNvSpPr txBox="1">
+            <a:spLocks noGrp="1"/>
+          </p:cNvSpPr>
           <p:nvPr>
             <p:ph type="title"/>
           </p:nvPr>
@@ -7292,12 +7502,12 @@
           </a:prstGeom>
         </p:spPr>
         <p:txBody>
-          <a:bodyPr anchorCtr="0" anchor="t" bIns="91425" lIns="91425" spcFirstLastPara="1" rIns="91425" wrap="square" tIns="91425">
+          <a:bodyPr spcFirstLastPara="1" wrap="square" lIns="91425" tIns="91425" rIns="91425" bIns="91425" anchor="t" anchorCtr="0">
             <a:normAutofit fontScale="90000"/>
           </a:bodyPr>
           <a:lstStyle/>
           <a:p>
-            <a:pPr indent="0" lvl="0" marL="0" rtl="0" algn="l">
+            <a:pPr marL="0" lvl="0" indent="0" algn="l" rtl="0">
               <a:spcBef>
                 <a:spcPts val="0"/>
               </a:spcBef>
@@ -7307,7 +7517,7 @@
               <a:buNone/>
             </a:pPr>
             <a:r>
-              <a:rPr b="1" lang="en">
+              <a:rPr lang="en" b="1">
                 <a:solidFill>
                   <a:schemeClr val="accent1"/>
                 </a:solidFill>
@@ -7325,9 +7535,11 @@
       <p:sp>
         <p:nvSpPr>
           <p:cNvPr id="121" name="Google Shape;121;p23"/>
-          <p:cNvSpPr txBox="1"/>
+          <p:cNvSpPr txBox="1">
+            <a:spLocks noGrp="1"/>
+          </p:cNvSpPr>
           <p:nvPr>
-            <p:ph idx="1" type="body"/>
+            <p:ph type="body" idx="1"/>
           </p:nvPr>
         </p:nvSpPr>
         <p:spPr>
@@ -7340,12 +7552,12 @@
           </a:prstGeom>
         </p:spPr>
         <p:txBody>
-          <a:bodyPr anchorCtr="0" anchor="t" bIns="91425" lIns="91425" spcFirstLastPara="1" rIns="91425" wrap="square" tIns="91425">
+          <a:bodyPr spcFirstLastPara="1" wrap="square" lIns="91425" tIns="91425" rIns="91425" bIns="91425" anchor="t" anchorCtr="0">
             <a:normAutofit/>
           </a:bodyPr>
           <a:lstStyle/>
           <a:p>
-            <a:pPr indent="-342900" lvl="0" marL="457200" rtl="0" algn="l">
+            <a:pPr marL="457200" lvl="0" indent="-342900" algn="l" rtl="0">
               <a:spcBef>
                 <a:spcPts val="0"/>
               </a:spcBef>
@@ -7362,7 +7574,7 @@
             <a:endParaRPr/>
           </a:p>
           <a:p>
-            <a:pPr indent="-342900" lvl="0" marL="457200" rtl="0" algn="l">
+            <a:pPr marL="457200" lvl="0" indent="-342900" algn="l" rtl="0">
               <a:spcBef>
                 <a:spcPts val="0"/>
               </a:spcBef>
@@ -7379,7 +7591,7 @@
             <a:endParaRPr/>
           </a:p>
           <a:p>
-            <a:pPr indent="0" lvl="0" marL="914400" rtl="0" algn="l">
+            <a:pPr marL="914400" lvl="0" indent="0" algn="l" rtl="0">
               <a:spcBef>
                 <a:spcPts val="1200"/>
               </a:spcBef>
@@ -7388,9 +7600,6 @@
               </a:spcAft>
               <a:buNone/>
             </a:pPr>
-            <a:r>
-              <a:t/>
-            </a:r>
             <a:endParaRPr/>
           </a:p>
         </p:txBody>
@@ -7404,11 +7613,11 @@
 </file>
 
 <file path=ppt/slides/slide12.xml><?xml version="1.0" encoding="utf-8"?>
-<p:sld xmlns:a="http://schemas.openxmlformats.org/drawingml/2006/main" xmlns:r="http://schemas.openxmlformats.org/officeDocument/2006/relationships" xmlns:mc="http://schemas.openxmlformats.org/markup-compatibility/2006" xmlns:mv="urn:schemas-microsoft-com:mac:vml" xmlns:p="http://schemas.openxmlformats.org/presentationml/2006/main" xmlns:c="http://schemas.openxmlformats.org/drawingml/2006/chart" xmlns:dgm="http://schemas.openxmlformats.org/drawingml/2006/diagram" xmlns:o="urn:schemas-microsoft-com:office:office" xmlns:v="urn:schemas-microsoft-com:vml" xmlns:pvml="urn:schemas-microsoft-com:office:powerpoint" xmlns:com="http://schemas.openxmlformats.org/drawingml/2006/compatibility" xmlns:p14="http://schemas.microsoft.com/office/powerpoint/2010/main" xmlns:p15="http://schemas.microsoft.com/office/powerpoint/2012/main" xmlns:ahyp="http://schemas.microsoft.com/office/drawing/2018/hyperlinkcolor">
+<p:sld xmlns:a="http://schemas.openxmlformats.org/drawingml/2006/main" xmlns:r="http://schemas.openxmlformats.org/officeDocument/2006/relationships" xmlns:p="http://schemas.openxmlformats.org/presentationml/2006/main">
   <p:cSld>
     <p:spTree>
       <p:nvGrpSpPr>
-        <p:cNvPr id="125" name="Shape 125"/>
+        <p:cNvPr id="1" name="Shape 125"/>
         <p:cNvGrpSpPr/>
         <p:nvPr/>
       </p:nvGrpSpPr>
@@ -7423,7 +7632,9 @@
       <p:sp>
         <p:nvSpPr>
           <p:cNvPr id="126" name="Google Shape;126;p24"/>
-          <p:cNvSpPr txBox="1"/>
+          <p:cNvSpPr txBox="1">
+            <a:spLocks noGrp="1"/>
+          </p:cNvSpPr>
           <p:nvPr>
             <p:ph type="title"/>
           </p:nvPr>
@@ -7438,12 +7649,12 @@
           </a:prstGeom>
         </p:spPr>
         <p:txBody>
-          <a:bodyPr anchorCtr="0" anchor="t" bIns="91425" lIns="91425" spcFirstLastPara="1" rIns="91425" wrap="square" tIns="91425">
+          <a:bodyPr spcFirstLastPara="1" wrap="square" lIns="91425" tIns="91425" rIns="91425" bIns="91425" anchor="t" anchorCtr="0">
             <a:normAutofit fontScale="90000"/>
           </a:bodyPr>
           <a:lstStyle/>
           <a:p>
-            <a:pPr indent="0" lvl="0" marL="0" rtl="0" algn="l">
+            <a:pPr marL="0" lvl="0" indent="0" algn="l" rtl="0">
               <a:spcBef>
                 <a:spcPts val="0"/>
               </a:spcBef>
@@ -7458,7 +7669,7 @@
               <a:buNone/>
             </a:pPr>
             <a:r>
-              <a:rPr b="1" lang="en">
+              <a:rPr lang="en" b="1">
                 <a:solidFill>
                   <a:schemeClr val="accent1"/>
                 </a:solidFill>
@@ -7506,11 +7717,11 @@
 </file>
 
 <file path=ppt/slides/slide13.xml><?xml version="1.0" encoding="utf-8"?>
-<p:sld xmlns:a="http://schemas.openxmlformats.org/drawingml/2006/main" xmlns:r="http://schemas.openxmlformats.org/officeDocument/2006/relationships" xmlns:mc="http://schemas.openxmlformats.org/markup-compatibility/2006" xmlns:mv="urn:schemas-microsoft-com:mac:vml" xmlns:p="http://schemas.openxmlformats.org/presentationml/2006/main" xmlns:c="http://schemas.openxmlformats.org/drawingml/2006/chart" xmlns:dgm="http://schemas.openxmlformats.org/drawingml/2006/diagram" xmlns:o="urn:schemas-microsoft-com:office:office" xmlns:v="urn:schemas-microsoft-com:vml" xmlns:pvml="urn:schemas-microsoft-com:office:powerpoint" xmlns:com="http://schemas.openxmlformats.org/drawingml/2006/compatibility" xmlns:p14="http://schemas.microsoft.com/office/powerpoint/2010/main" xmlns:p15="http://schemas.microsoft.com/office/powerpoint/2012/main" xmlns:ahyp="http://schemas.microsoft.com/office/drawing/2018/hyperlinkcolor">
+<p:sld xmlns:a="http://schemas.openxmlformats.org/drawingml/2006/main" xmlns:r="http://schemas.openxmlformats.org/officeDocument/2006/relationships" xmlns:p="http://schemas.openxmlformats.org/presentationml/2006/main">
   <p:cSld>
     <p:spTree>
       <p:nvGrpSpPr>
-        <p:cNvPr id="131" name="Shape 131"/>
+        <p:cNvPr id="1" name="Shape 131"/>
         <p:cNvGrpSpPr/>
         <p:nvPr/>
       </p:nvGrpSpPr>
@@ -7525,7 +7736,9 @@
       <p:sp>
         <p:nvSpPr>
           <p:cNvPr id="132" name="Google Shape;132;p25"/>
-          <p:cNvSpPr txBox="1"/>
+          <p:cNvSpPr txBox="1">
+            <a:spLocks noGrp="1"/>
+          </p:cNvSpPr>
           <p:nvPr>
             <p:ph type="title"/>
           </p:nvPr>
@@ -7540,12 +7753,12 @@
           </a:prstGeom>
         </p:spPr>
         <p:txBody>
-          <a:bodyPr anchorCtr="0" anchor="t" bIns="91425" lIns="91425" spcFirstLastPara="1" rIns="91425" wrap="square" tIns="91425">
+          <a:bodyPr spcFirstLastPara="1" wrap="square" lIns="91425" tIns="91425" rIns="91425" bIns="91425" anchor="t" anchorCtr="0">
             <a:normAutofit fontScale="90000"/>
           </a:bodyPr>
           <a:lstStyle/>
           <a:p>
-            <a:pPr indent="0" lvl="0" marL="0" rtl="0" algn="l">
+            <a:pPr marL="0" lvl="0" indent="0" algn="l" rtl="0">
               <a:spcBef>
                 <a:spcPts val="0"/>
               </a:spcBef>
@@ -7560,14 +7773,22 @@
               <a:buNone/>
             </a:pPr>
             <a:r>
-              <a:rPr b="1" lang="en">
+              <a:rPr lang="en" b="1" dirty="0">
                 <a:solidFill>
                   <a:schemeClr val="accent1"/>
                 </a:solidFill>
               </a:rPr>
-              <a:t>Model Comparison</a:t>
+              <a:t>Model </a:t>
             </a:r>
-            <a:endParaRPr/>
+            <a:r>
+              <a:rPr lang="en" b="1" dirty="0" smtClean="0">
+                <a:solidFill>
+                  <a:schemeClr val="accent1"/>
+                </a:solidFill>
+              </a:rPr>
+              <a:t>Comparison Importance features of LR</a:t>
+            </a:r>
+            <a:endParaRPr dirty="0"/>
           </a:p>
         </p:txBody>
       </p:sp>
@@ -7608,11 +7829,11 @@
 </file>
 
 <file path=ppt/slides/slide14.xml><?xml version="1.0" encoding="utf-8"?>
-<p:sld xmlns:a="http://schemas.openxmlformats.org/drawingml/2006/main" xmlns:r="http://schemas.openxmlformats.org/officeDocument/2006/relationships" xmlns:mc="http://schemas.openxmlformats.org/markup-compatibility/2006" xmlns:mv="urn:schemas-microsoft-com:mac:vml" xmlns:p="http://schemas.openxmlformats.org/presentationml/2006/main" xmlns:c="http://schemas.openxmlformats.org/drawingml/2006/chart" xmlns:dgm="http://schemas.openxmlformats.org/drawingml/2006/diagram" xmlns:o="urn:schemas-microsoft-com:office:office" xmlns:v="urn:schemas-microsoft-com:vml" xmlns:pvml="urn:schemas-microsoft-com:office:powerpoint" xmlns:com="http://schemas.openxmlformats.org/drawingml/2006/compatibility" xmlns:p14="http://schemas.microsoft.com/office/powerpoint/2010/main" xmlns:p15="http://schemas.microsoft.com/office/powerpoint/2012/main" xmlns:ahyp="http://schemas.microsoft.com/office/drawing/2018/hyperlinkcolor">
+<p:sld xmlns:a="http://schemas.openxmlformats.org/drawingml/2006/main" xmlns:r="http://schemas.openxmlformats.org/officeDocument/2006/relationships" xmlns:p="http://schemas.openxmlformats.org/presentationml/2006/main">
   <p:cSld>
     <p:spTree>
       <p:nvGrpSpPr>
-        <p:cNvPr id="137" name="Shape 137"/>
+        <p:cNvPr id="1" name="Shape 137"/>
         <p:cNvGrpSpPr/>
         <p:nvPr/>
       </p:nvGrpSpPr>
@@ -7627,7 +7848,9 @@
       <p:sp>
         <p:nvSpPr>
           <p:cNvPr id="138" name="Google Shape;138;p26"/>
-          <p:cNvSpPr txBox="1"/>
+          <p:cNvSpPr txBox="1">
+            <a:spLocks noGrp="1"/>
+          </p:cNvSpPr>
           <p:nvPr>
             <p:ph type="title"/>
           </p:nvPr>
@@ -7642,12 +7865,12 @@
           </a:prstGeom>
         </p:spPr>
         <p:txBody>
-          <a:bodyPr anchorCtr="0" anchor="t" bIns="91425" lIns="91425" spcFirstLastPara="1" rIns="91425" wrap="square" tIns="91425">
+          <a:bodyPr spcFirstLastPara="1" wrap="square" lIns="91425" tIns="91425" rIns="91425" bIns="91425" anchor="t" anchorCtr="0">
             <a:normAutofit fontScale="90000"/>
           </a:bodyPr>
           <a:lstStyle/>
           <a:p>
-            <a:pPr indent="0" lvl="0" marL="0" rtl="0" algn="l">
+            <a:pPr marL="0" lvl="0" indent="0" algn="l" rtl="0">
               <a:spcBef>
                 <a:spcPts val="0"/>
               </a:spcBef>
@@ -7662,14 +7885,22 @@
               <a:buNone/>
             </a:pPr>
             <a:r>
-              <a:rPr b="1" lang="en">
+              <a:rPr lang="en" b="1" dirty="0">
                 <a:solidFill>
                   <a:schemeClr val="accent1"/>
                 </a:solidFill>
               </a:rPr>
-              <a:t>Model Comparison</a:t>
+              <a:t>Model </a:t>
             </a:r>
-            <a:endParaRPr/>
+            <a:r>
+              <a:rPr lang="en" b="1" dirty="0" smtClean="0">
+                <a:solidFill>
+                  <a:schemeClr val="accent1"/>
+                </a:solidFill>
+              </a:rPr>
+              <a:t>Comparison Importance Features of GBC</a:t>
+            </a:r>
+            <a:endParaRPr dirty="0"/>
           </a:p>
         </p:txBody>
       </p:sp>
@@ -7710,11 +7941,11 @@
 </file>
 
 <file path=ppt/slides/slide15.xml><?xml version="1.0" encoding="utf-8"?>
-<p:sld xmlns:a="http://schemas.openxmlformats.org/drawingml/2006/main" xmlns:r="http://schemas.openxmlformats.org/officeDocument/2006/relationships" xmlns:mc="http://schemas.openxmlformats.org/markup-compatibility/2006" xmlns:mv="urn:schemas-microsoft-com:mac:vml" xmlns:p="http://schemas.openxmlformats.org/presentationml/2006/main" xmlns:c="http://schemas.openxmlformats.org/drawingml/2006/chart" xmlns:dgm="http://schemas.openxmlformats.org/drawingml/2006/diagram" xmlns:o="urn:schemas-microsoft-com:office:office" xmlns:v="urn:schemas-microsoft-com:vml" xmlns:pvml="urn:schemas-microsoft-com:office:powerpoint" xmlns:com="http://schemas.openxmlformats.org/drawingml/2006/compatibility" xmlns:p14="http://schemas.microsoft.com/office/powerpoint/2010/main" xmlns:p15="http://schemas.microsoft.com/office/powerpoint/2012/main" xmlns:ahyp="http://schemas.microsoft.com/office/drawing/2018/hyperlinkcolor">
+<p:sld xmlns:a="http://schemas.openxmlformats.org/drawingml/2006/main" xmlns:r="http://schemas.openxmlformats.org/officeDocument/2006/relationships" xmlns:p="http://schemas.openxmlformats.org/presentationml/2006/main">
   <p:cSld>
     <p:spTree>
       <p:nvGrpSpPr>
-        <p:cNvPr id="143" name="Shape 143"/>
+        <p:cNvPr id="1" name="Shape 143"/>
         <p:cNvGrpSpPr/>
         <p:nvPr/>
       </p:nvGrpSpPr>
@@ -7729,7 +7960,9 @@
       <p:sp>
         <p:nvSpPr>
           <p:cNvPr id="144" name="Google Shape;144;p27"/>
-          <p:cNvSpPr txBox="1"/>
+          <p:cNvSpPr txBox="1">
+            <a:spLocks noGrp="1"/>
+          </p:cNvSpPr>
           <p:nvPr>
             <p:ph type="title"/>
           </p:nvPr>
@@ -7744,12 +7977,12 @@
           </a:prstGeom>
         </p:spPr>
         <p:txBody>
-          <a:bodyPr anchorCtr="0" anchor="t" bIns="91425" lIns="91425" spcFirstLastPara="1" rIns="91425" wrap="square" tIns="91425">
+          <a:bodyPr spcFirstLastPara="1" wrap="square" lIns="91425" tIns="91425" rIns="91425" bIns="91425" anchor="t" anchorCtr="0">
             <a:normAutofit fontScale="90000"/>
           </a:bodyPr>
           <a:lstStyle/>
           <a:p>
-            <a:pPr indent="0" lvl="0" marL="0" rtl="0" algn="l">
+            <a:pPr marL="0" lvl="0" indent="0" algn="l" rtl="0">
               <a:spcBef>
                 <a:spcPts val="0"/>
               </a:spcBef>
@@ -7764,7 +7997,7 @@
               <a:buNone/>
             </a:pPr>
             <a:r>
-              <a:rPr b="1" lang="en">
+              <a:rPr lang="en" b="1">
                 <a:solidFill>
                   <a:schemeClr val="accent1"/>
                 </a:solidFill>
@@ -7783,7 +8016,7 @@
         </p:nvGraphicFramePr>
         <p:xfrm>
           <a:off x="813875" y="1030550"/>
-          <a:ext cx="3000000" cy="3000000"/>
+          <a:ext cx="6810375" cy="2596746"/>
         </p:xfrm>
         <a:graphic>
           <a:graphicData uri="http://schemas.openxmlformats.org/drawingml/2006/table">
@@ -7805,7 +8038,7 @@
                     <a:bodyPr/>
                     <a:lstStyle/>
                     <a:p>
-                      <a:pPr indent="0" lvl="0" marL="0" rtl="0" algn="l">
+                      <a:pPr marL="0" lvl="0" indent="0" algn="l" rtl="0">
                         <a:lnSpc>
                           <a:spcPct val="115000"/>
                         </a:lnSpc>
@@ -7834,42 +8067,42 @@
                       </a:endParaRPr>
                     </a:p>
                   </a:txBody>
-                  <a:tcPr marT="91425" marB="91425" marR="68575" marL="68575">
-                    <a:lnL cap="flat" cmpd="sng" w="12675">
+                  <a:tcPr marL="68575" marR="68575" marT="91425" marB="91425">
+                    <a:lnL w="12675" cap="flat" cmpd="sng">
                       <a:solidFill>
                         <a:srgbClr val="000000"/>
                       </a:solidFill>
                       <a:prstDash val="solid"/>
                       <a:round/>
-                      <a:headEnd len="sm" w="sm" type="none"/>
-                      <a:tailEnd len="sm" w="sm" type="none"/>
+                      <a:headEnd type="none" w="sm" len="sm"/>
+                      <a:tailEnd type="none" w="sm" len="sm"/>
                     </a:lnL>
-                    <a:lnR cap="flat" cmpd="sng" w="12675">
+                    <a:lnR w="12675" cap="flat" cmpd="sng">
                       <a:solidFill>
                         <a:srgbClr val="000000"/>
                       </a:solidFill>
                       <a:prstDash val="solid"/>
                       <a:round/>
-                      <a:headEnd len="sm" w="sm" type="none"/>
-                      <a:tailEnd len="sm" w="sm" type="none"/>
+                      <a:headEnd type="none" w="sm" len="sm"/>
+                      <a:tailEnd type="none" w="sm" len="sm"/>
                     </a:lnR>
-                    <a:lnT cap="flat" cmpd="sng" w="12675">
+                    <a:lnT w="12675" cap="flat" cmpd="sng">
                       <a:solidFill>
                         <a:srgbClr val="000000"/>
                       </a:solidFill>
                       <a:prstDash val="solid"/>
                       <a:round/>
-                      <a:headEnd len="sm" w="sm" type="none"/>
-                      <a:tailEnd len="sm" w="sm" type="none"/>
+                      <a:headEnd type="none" w="sm" len="sm"/>
+                      <a:tailEnd type="none" w="sm" len="sm"/>
                     </a:lnT>
-                    <a:lnB cap="flat" cmpd="sng" w="12675">
+                    <a:lnB w="12675" cap="flat" cmpd="sng">
                       <a:solidFill>
                         <a:srgbClr val="000000"/>
                       </a:solidFill>
                       <a:prstDash val="solid"/>
                       <a:round/>
-                      <a:headEnd len="sm" w="sm" type="none"/>
-                      <a:tailEnd len="sm" w="sm" type="none"/>
+                      <a:headEnd type="none" w="sm" len="sm"/>
+                      <a:tailEnd type="none" w="sm" len="sm"/>
                     </a:lnB>
                   </a:tcPr>
                 </a:tc>
@@ -7878,7 +8111,7 @@
                     <a:bodyPr/>
                     <a:lstStyle/>
                     <a:p>
-                      <a:pPr indent="0" lvl="0" marL="0" rtl="0" algn="l">
+                      <a:pPr marL="0" lvl="0" indent="0" algn="l" rtl="0">
                         <a:lnSpc>
                           <a:spcPct val="115000"/>
                         </a:lnSpc>
@@ -7907,42 +8140,42 @@
                       </a:endParaRPr>
                     </a:p>
                   </a:txBody>
-                  <a:tcPr marT="91425" marB="91425" marR="68575" marL="68575">
-                    <a:lnL cap="flat" cmpd="sng" w="12675">
+                  <a:tcPr marL="68575" marR="68575" marT="91425" marB="91425">
+                    <a:lnL w="12675" cap="flat" cmpd="sng">
                       <a:solidFill>
                         <a:srgbClr val="000000"/>
                       </a:solidFill>
                       <a:prstDash val="solid"/>
                       <a:round/>
-                      <a:headEnd len="sm" w="sm" type="none"/>
-                      <a:tailEnd len="sm" w="sm" type="none"/>
+                      <a:headEnd type="none" w="sm" len="sm"/>
+                      <a:tailEnd type="none" w="sm" len="sm"/>
                     </a:lnL>
-                    <a:lnR cap="flat" cmpd="sng" w="12675">
+                    <a:lnR w="12675" cap="flat" cmpd="sng">
                       <a:solidFill>
                         <a:srgbClr val="000000"/>
                       </a:solidFill>
                       <a:prstDash val="solid"/>
                       <a:round/>
-                      <a:headEnd len="sm" w="sm" type="none"/>
-                      <a:tailEnd len="sm" w="sm" type="none"/>
+                      <a:headEnd type="none" w="sm" len="sm"/>
+                      <a:tailEnd type="none" w="sm" len="sm"/>
                     </a:lnR>
-                    <a:lnT cap="flat" cmpd="sng" w="12675">
+                    <a:lnT w="12675" cap="flat" cmpd="sng">
                       <a:solidFill>
                         <a:srgbClr val="000000"/>
                       </a:solidFill>
                       <a:prstDash val="solid"/>
                       <a:round/>
-                      <a:headEnd len="sm" w="sm" type="none"/>
-                      <a:tailEnd len="sm" w="sm" type="none"/>
+                      <a:headEnd type="none" w="sm" len="sm"/>
+                      <a:tailEnd type="none" w="sm" len="sm"/>
                     </a:lnT>
-                    <a:lnB cap="flat" cmpd="sng" w="12675">
+                    <a:lnB w="12675" cap="flat" cmpd="sng">
                       <a:solidFill>
                         <a:srgbClr val="000000"/>
                       </a:solidFill>
                       <a:prstDash val="solid"/>
                       <a:round/>
-                      <a:headEnd len="sm" w="sm" type="none"/>
-                      <a:tailEnd len="sm" w="sm" type="none"/>
+                      <a:headEnd type="none" w="sm" len="sm"/>
+                      <a:tailEnd type="none" w="sm" len="sm"/>
                     </a:lnB>
                   </a:tcPr>
                 </a:tc>
@@ -7951,7 +8184,7 @@
                     <a:bodyPr/>
                     <a:lstStyle/>
                     <a:p>
-                      <a:pPr indent="0" lvl="0" marL="0" rtl="0" algn="l">
+                      <a:pPr marL="0" lvl="0" indent="0" algn="l" rtl="0">
                         <a:lnSpc>
                           <a:spcPct val="115000"/>
                         </a:lnSpc>
@@ -7980,42 +8213,42 @@
                       </a:endParaRPr>
                     </a:p>
                   </a:txBody>
-                  <a:tcPr marT="91425" marB="91425" marR="68575" marL="68575">
-                    <a:lnL cap="flat" cmpd="sng" w="12675">
+                  <a:tcPr marL="68575" marR="68575" marT="91425" marB="91425">
+                    <a:lnL w="12675" cap="flat" cmpd="sng">
                       <a:solidFill>
                         <a:srgbClr val="000000"/>
                       </a:solidFill>
                       <a:prstDash val="solid"/>
                       <a:round/>
-                      <a:headEnd len="sm" w="sm" type="none"/>
-                      <a:tailEnd len="sm" w="sm" type="none"/>
+                      <a:headEnd type="none" w="sm" len="sm"/>
+                      <a:tailEnd type="none" w="sm" len="sm"/>
                     </a:lnL>
-                    <a:lnR cap="flat" cmpd="sng" w="12675">
+                    <a:lnR w="12675" cap="flat" cmpd="sng">
                       <a:solidFill>
                         <a:srgbClr val="000000"/>
                       </a:solidFill>
                       <a:prstDash val="solid"/>
                       <a:round/>
-                      <a:headEnd len="sm" w="sm" type="none"/>
-                      <a:tailEnd len="sm" w="sm" type="none"/>
+                      <a:headEnd type="none" w="sm" len="sm"/>
+                      <a:tailEnd type="none" w="sm" len="sm"/>
                     </a:lnR>
-                    <a:lnT cap="flat" cmpd="sng" w="12675">
+                    <a:lnT w="12675" cap="flat" cmpd="sng">
                       <a:solidFill>
                         <a:srgbClr val="000000"/>
                       </a:solidFill>
                       <a:prstDash val="solid"/>
                       <a:round/>
-                      <a:headEnd len="sm" w="sm" type="none"/>
-                      <a:tailEnd len="sm" w="sm" type="none"/>
+                      <a:headEnd type="none" w="sm" len="sm"/>
+                      <a:tailEnd type="none" w="sm" len="sm"/>
                     </a:lnT>
-                    <a:lnB cap="flat" cmpd="sng" w="12675">
+                    <a:lnB w="12675" cap="flat" cmpd="sng">
                       <a:solidFill>
                         <a:srgbClr val="000000"/>
                       </a:solidFill>
                       <a:prstDash val="solid"/>
                       <a:round/>
-                      <a:headEnd len="sm" w="sm" type="none"/>
-                      <a:tailEnd len="sm" w="sm" type="none"/>
+                      <a:headEnd type="none" w="sm" len="sm"/>
+                      <a:tailEnd type="none" w="sm" len="sm"/>
                     </a:lnB>
                   </a:tcPr>
                 </a:tc>
@@ -8024,7 +8257,7 @@
                     <a:bodyPr/>
                     <a:lstStyle/>
                     <a:p>
-                      <a:pPr indent="0" lvl="0" marL="0" rtl="0" algn="l">
+                      <a:pPr marL="0" lvl="0" indent="0" algn="l" rtl="0">
                         <a:lnSpc>
                           <a:spcPct val="115000"/>
                         </a:lnSpc>
@@ -8053,42 +8286,42 @@
                       </a:endParaRPr>
                     </a:p>
                   </a:txBody>
-                  <a:tcPr marT="91425" marB="91425" marR="68575" marL="68575">
-                    <a:lnL cap="flat" cmpd="sng" w="12675">
+                  <a:tcPr marL="68575" marR="68575" marT="91425" marB="91425">
+                    <a:lnL w="12675" cap="flat" cmpd="sng">
                       <a:solidFill>
                         <a:srgbClr val="000000"/>
                       </a:solidFill>
                       <a:prstDash val="solid"/>
                       <a:round/>
-                      <a:headEnd len="sm" w="sm" type="none"/>
-                      <a:tailEnd len="sm" w="sm" type="none"/>
+                      <a:headEnd type="none" w="sm" len="sm"/>
+                      <a:tailEnd type="none" w="sm" len="sm"/>
                     </a:lnL>
-                    <a:lnR cap="flat" cmpd="sng" w="12675">
+                    <a:lnR w="12675" cap="flat" cmpd="sng">
                       <a:solidFill>
                         <a:srgbClr val="000000"/>
                       </a:solidFill>
                       <a:prstDash val="solid"/>
                       <a:round/>
-                      <a:headEnd len="sm" w="sm" type="none"/>
-                      <a:tailEnd len="sm" w="sm" type="none"/>
+                      <a:headEnd type="none" w="sm" len="sm"/>
+                      <a:tailEnd type="none" w="sm" len="sm"/>
                     </a:lnR>
-                    <a:lnT cap="flat" cmpd="sng" w="12675">
+                    <a:lnT w="12675" cap="flat" cmpd="sng">
                       <a:solidFill>
                         <a:srgbClr val="000000"/>
                       </a:solidFill>
                       <a:prstDash val="solid"/>
                       <a:round/>
-                      <a:headEnd len="sm" w="sm" type="none"/>
-                      <a:tailEnd len="sm" w="sm" type="none"/>
+                      <a:headEnd type="none" w="sm" len="sm"/>
+                      <a:tailEnd type="none" w="sm" len="sm"/>
                     </a:lnT>
-                    <a:lnB cap="flat" cmpd="sng" w="12675">
+                    <a:lnB w="12675" cap="flat" cmpd="sng">
                       <a:solidFill>
                         <a:srgbClr val="000000"/>
                       </a:solidFill>
                       <a:prstDash val="solid"/>
                       <a:round/>
-                      <a:headEnd len="sm" w="sm" type="none"/>
-                      <a:tailEnd len="sm" w="sm" type="none"/>
+                      <a:headEnd type="none" w="sm" len="sm"/>
+                      <a:tailEnd type="none" w="sm" len="sm"/>
                     </a:lnB>
                   </a:tcPr>
                 </a:tc>
@@ -8097,7 +8330,7 @@
                     <a:bodyPr/>
                     <a:lstStyle/>
                     <a:p>
-                      <a:pPr indent="0" lvl="0" marL="0" rtl="0" algn="l">
+                      <a:pPr marL="0" lvl="0" indent="0" algn="l" rtl="0">
                         <a:lnSpc>
                           <a:spcPct val="115000"/>
                         </a:lnSpc>
@@ -8126,53 +8359,53 @@
                       </a:endParaRPr>
                     </a:p>
                   </a:txBody>
-                  <a:tcPr marT="91425" marB="91425" marR="68575" marL="68575">
-                    <a:lnL cap="flat" cmpd="sng" w="12675">
+                  <a:tcPr marL="68575" marR="68575" marT="91425" marB="91425">
+                    <a:lnL w="12675" cap="flat" cmpd="sng">
                       <a:solidFill>
                         <a:srgbClr val="000000"/>
                       </a:solidFill>
                       <a:prstDash val="solid"/>
                       <a:round/>
-                      <a:headEnd len="sm" w="sm" type="none"/>
-                      <a:tailEnd len="sm" w="sm" type="none"/>
+                      <a:headEnd type="none" w="sm" len="sm"/>
+                      <a:tailEnd type="none" w="sm" len="sm"/>
                     </a:lnL>
-                    <a:lnR cap="flat" cmpd="sng" w="12675">
+                    <a:lnR w="12675" cap="flat" cmpd="sng">
                       <a:solidFill>
                         <a:srgbClr val="000000"/>
                       </a:solidFill>
                       <a:prstDash val="solid"/>
                       <a:round/>
-                      <a:headEnd len="sm" w="sm" type="none"/>
-                      <a:tailEnd len="sm" w="sm" type="none"/>
+                      <a:headEnd type="none" w="sm" len="sm"/>
+                      <a:tailEnd type="none" w="sm" len="sm"/>
                     </a:lnR>
-                    <a:lnT cap="flat" cmpd="sng" w="12675">
+                    <a:lnT w="12675" cap="flat" cmpd="sng">
                       <a:solidFill>
                         <a:srgbClr val="000000"/>
                       </a:solidFill>
                       <a:prstDash val="solid"/>
                       <a:round/>
-                      <a:headEnd len="sm" w="sm" type="none"/>
-                      <a:tailEnd len="sm" w="sm" type="none"/>
+                      <a:headEnd type="none" w="sm" len="sm"/>
+                      <a:tailEnd type="none" w="sm" len="sm"/>
                     </a:lnT>
-                    <a:lnB cap="flat" cmpd="sng" w="12675">
+                    <a:lnB w="12675" cap="flat" cmpd="sng">
                       <a:solidFill>
                         <a:srgbClr val="000000"/>
                       </a:solidFill>
                       <a:prstDash val="solid"/>
                       <a:round/>
-                      <a:headEnd len="sm" w="sm" type="none"/>
-                      <a:tailEnd len="sm" w="sm" type="none"/>
+                      <a:headEnd type="none" w="sm" len="sm"/>
+                      <a:tailEnd type="none" w="sm" len="sm"/>
                     </a:lnB>
                   </a:tcPr>
                 </a:tc>
               </a:tr>
-              <a:tr h="180975">
+              <a:tr h="0">
                 <a:tc>
                   <a:txBody>
                     <a:bodyPr/>
                     <a:lstStyle/>
                     <a:p>
-                      <a:pPr indent="0" lvl="0" marL="0" rtl="0" algn="l">
+                      <a:pPr marL="0" lvl="0" indent="0" algn="l" rtl="0">
                         <a:lnSpc>
                           <a:spcPct val="115000"/>
                         </a:lnSpc>
@@ -8201,42 +8434,42 @@
                       </a:endParaRPr>
                     </a:p>
                   </a:txBody>
-                  <a:tcPr marT="91425" marB="91425" marR="68575" marL="68575">
-                    <a:lnL cap="flat" cmpd="sng" w="12675">
+                  <a:tcPr marL="68575" marR="68575" marT="91425" marB="91425">
+                    <a:lnL w="12675" cap="flat" cmpd="sng">
                       <a:solidFill>
                         <a:srgbClr val="000000"/>
                       </a:solidFill>
                       <a:prstDash val="solid"/>
                       <a:round/>
-                      <a:headEnd len="sm" w="sm" type="none"/>
-                      <a:tailEnd len="sm" w="sm" type="none"/>
+                      <a:headEnd type="none" w="sm" len="sm"/>
+                      <a:tailEnd type="none" w="sm" len="sm"/>
                     </a:lnL>
-                    <a:lnR cap="flat" cmpd="sng" w="12675">
+                    <a:lnR w="12675" cap="flat" cmpd="sng">
                       <a:solidFill>
                         <a:srgbClr val="000000"/>
                       </a:solidFill>
                       <a:prstDash val="solid"/>
                       <a:round/>
-                      <a:headEnd len="sm" w="sm" type="none"/>
-                      <a:tailEnd len="sm" w="sm" type="none"/>
+                      <a:headEnd type="none" w="sm" len="sm"/>
+                      <a:tailEnd type="none" w="sm" len="sm"/>
                     </a:lnR>
-                    <a:lnT cap="flat" cmpd="sng" w="12675">
+                    <a:lnT w="12675" cap="flat" cmpd="sng">
                       <a:solidFill>
                         <a:srgbClr val="000000"/>
                       </a:solidFill>
                       <a:prstDash val="solid"/>
                       <a:round/>
-                      <a:headEnd len="sm" w="sm" type="none"/>
-                      <a:tailEnd len="sm" w="sm" type="none"/>
+                      <a:headEnd type="none" w="sm" len="sm"/>
+                      <a:tailEnd type="none" w="sm" len="sm"/>
                     </a:lnT>
-                    <a:lnB cap="flat" cmpd="sng" w="12675">
+                    <a:lnB w="12675" cap="flat" cmpd="sng">
                       <a:solidFill>
                         <a:srgbClr val="000000"/>
                       </a:solidFill>
                       <a:prstDash val="solid"/>
                       <a:round/>
-                      <a:headEnd len="sm" w="sm" type="none"/>
-                      <a:tailEnd len="sm" w="sm" type="none"/>
+                      <a:headEnd type="none" w="sm" len="sm"/>
+                      <a:tailEnd type="none" w="sm" len="sm"/>
                     </a:lnB>
                   </a:tcPr>
                 </a:tc>
@@ -8245,7 +8478,7 @@
                     <a:bodyPr/>
                     <a:lstStyle/>
                     <a:p>
-                      <a:pPr indent="0" lvl="0" marL="0" rtl="0" algn="l">
+                      <a:pPr marL="0" lvl="0" indent="0" algn="l" rtl="0">
                         <a:lnSpc>
                           <a:spcPct val="115000"/>
                         </a:lnSpc>
@@ -8274,42 +8507,42 @@
                       </a:endParaRPr>
                     </a:p>
                   </a:txBody>
-                  <a:tcPr marT="91425" marB="91425" marR="68575" marL="68575">
-                    <a:lnL cap="flat" cmpd="sng" w="12675">
+                  <a:tcPr marL="68575" marR="68575" marT="91425" marB="91425">
+                    <a:lnL w="12675" cap="flat" cmpd="sng">
                       <a:solidFill>
                         <a:srgbClr val="000000"/>
                       </a:solidFill>
                       <a:prstDash val="solid"/>
                       <a:round/>
-                      <a:headEnd len="sm" w="sm" type="none"/>
-                      <a:tailEnd len="sm" w="sm" type="none"/>
+                      <a:headEnd type="none" w="sm" len="sm"/>
+                      <a:tailEnd type="none" w="sm" len="sm"/>
                     </a:lnL>
-                    <a:lnR cap="flat" cmpd="sng" w="12675">
+                    <a:lnR w="12675" cap="flat" cmpd="sng">
                       <a:solidFill>
                         <a:srgbClr val="000000"/>
                       </a:solidFill>
                       <a:prstDash val="solid"/>
                       <a:round/>
-                      <a:headEnd len="sm" w="sm" type="none"/>
-                      <a:tailEnd len="sm" w="sm" type="none"/>
+                      <a:headEnd type="none" w="sm" len="sm"/>
+                      <a:tailEnd type="none" w="sm" len="sm"/>
                     </a:lnR>
-                    <a:lnT cap="flat" cmpd="sng" w="12675">
+                    <a:lnT w="12675" cap="flat" cmpd="sng">
                       <a:solidFill>
                         <a:srgbClr val="000000"/>
                       </a:solidFill>
                       <a:prstDash val="solid"/>
                       <a:round/>
-                      <a:headEnd len="sm" w="sm" type="none"/>
-                      <a:tailEnd len="sm" w="sm" type="none"/>
+                      <a:headEnd type="none" w="sm" len="sm"/>
+                      <a:tailEnd type="none" w="sm" len="sm"/>
                     </a:lnT>
-                    <a:lnB cap="flat" cmpd="sng" w="12675">
+                    <a:lnB w="12675" cap="flat" cmpd="sng">
                       <a:solidFill>
                         <a:srgbClr val="000000"/>
                       </a:solidFill>
                       <a:prstDash val="solid"/>
                       <a:round/>
-                      <a:headEnd len="sm" w="sm" type="none"/>
-                      <a:tailEnd len="sm" w="sm" type="none"/>
+                      <a:headEnd type="none" w="sm" len="sm"/>
+                      <a:tailEnd type="none" w="sm" len="sm"/>
                     </a:lnB>
                   </a:tcPr>
                 </a:tc>
@@ -8318,7 +8551,7 @@
                     <a:bodyPr/>
                     <a:lstStyle/>
                     <a:p>
-                      <a:pPr indent="0" lvl="0" marL="0" rtl="0" algn="l">
+                      <a:pPr marL="0" lvl="0" indent="0" algn="l" rtl="0">
                         <a:lnSpc>
                           <a:spcPct val="115000"/>
                         </a:lnSpc>
@@ -8347,42 +8580,42 @@
                       </a:endParaRPr>
                     </a:p>
                   </a:txBody>
-                  <a:tcPr marT="91425" marB="91425" marR="68575" marL="68575">
-                    <a:lnL cap="flat" cmpd="sng" w="12675">
+                  <a:tcPr marL="68575" marR="68575" marT="91425" marB="91425">
+                    <a:lnL w="12675" cap="flat" cmpd="sng">
                       <a:solidFill>
                         <a:srgbClr val="000000"/>
                       </a:solidFill>
                       <a:prstDash val="solid"/>
                       <a:round/>
-                      <a:headEnd len="sm" w="sm" type="none"/>
-                      <a:tailEnd len="sm" w="sm" type="none"/>
+                      <a:headEnd type="none" w="sm" len="sm"/>
+                      <a:tailEnd type="none" w="sm" len="sm"/>
                     </a:lnL>
-                    <a:lnR cap="flat" cmpd="sng" w="12675">
+                    <a:lnR w="12675" cap="flat" cmpd="sng">
                       <a:solidFill>
                         <a:srgbClr val="000000"/>
                       </a:solidFill>
                       <a:prstDash val="solid"/>
                       <a:round/>
-                      <a:headEnd len="sm" w="sm" type="none"/>
-                      <a:tailEnd len="sm" w="sm" type="none"/>
+                      <a:headEnd type="none" w="sm" len="sm"/>
+                      <a:tailEnd type="none" w="sm" len="sm"/>
                     </a:lnR>
-                    <a:lnT cap="flat" cmpd="sng" w="12675">
+                    <a:lnT w="12675" cap="flat" cmpd="sng">
                       <a:solidFill>
                         <a:srgbClr val="000000"/>
                       </a:solidFill>
                       <a:prstDash val="solid"/>
                       <a:round/>
-                      <a:headEnd len="sm" w="sm" type="none"/>
-                      <a:tailEnd len="sm" w="sm" type="none"/>
+                      <a:headEnd type="none" w="sm" len="sm"/>
+                      <a:tailEnd type="none" w="sm" len="sm"/>
                     </a:lnT>
-                    <a:lnB cap="flat" cmpd="sng" w="12675">
+                    <a:lnB w="12675" cap="flat" cmpd="sng">
                       <a:solidFill>
                         <a:srgbClr val="000000"/>
                       </a:solidFill>
                       <a:prstDash val="solid"/>
                       <a:round/>
-                      <a:headEnd len="sm" w="sm" type="none"/>
-                      <a:tailEnd len="sm" w="sm" type="none"/>
+                      <a:headEnd type="none" w="sm" len="sm"/>
+                      <a:tailEnd type="none" w="sm" len="sm"/>
                     </a:lnB>
                   </a:tcPr>
                 </a:tc>
@@ -8391,7 +8624,7 @@
                     <a:bodyPr/>
                     <a:lstStyle/>
                     <a:p>
-                      <a:pPr indent="0" lvl="0" marL="0" rtl="0" algn="l">
+                      <a:pPr marL="0" lvl="0" indent="0" algn="l" rtl="0">
                         <a:lnSpc>
                           <a:spcPct val="115000"/>
                         </a:lnSpc>
@@ -8420,42 +8653,42 @@
                       </a:endParaRPr>
                     </a:p>
                   </a:txBody>
-                  <a:tcPr marT="91425" marB="91425" marR="68575" marL="68575">
-                    <a:lnL cap="flat" cmpd="sng" w="12675">
+                  <a:tcPr marL="68575" marR="68575" marT="91425" marB="91425">
+                    <a:lnL w="12675" cap="flat" cmpd="sng">
                       <a:solidFill>
                         <a:srgbClr val="000000"/>
                       </a:solidFill>
                       <a:prstDash val="solid"/>
                       <a:round/>
-                      <a:headEnd len="sm" w="sm" type="none"/>
-                      <a:tailEnd len="sm" w="sm" type="none"/>
+                      <a:headEnd type="none" w="sm" len="sm"/>
+                      <a:tailEnd type="none" w="sm" len="sm"/>
                     </a:lnL>
-                    <a:lnR cap="flat" cmpd="sng" w="12675">
+                    <a:lnR w="12675" cap="flat" cmpd="sng">
                       <a:solidFill>
                         <a:srgbClr val="000000"/>
                       </a:solidFill>
                       <a:prstDash val="solid"/>
                       <a:round/>
-                      <a:headEnd len="sm" w="sm" type="none"/>
-                      <a:tailEnd len="sm" w="sm" type="none"/>
+                      <a:headEnd type="none" w="sm" len="sm"/>
+                      <a:tailEnd type="none" w="sm" len="sm"/>
                     </a:lnR>
-                    <a:lnT cap="flat" cmpd="sng" w="12675">
+                    <a:lnT w="12675" cap="flat" cmpd="sng">
                       <a:solidFill>
                         <a:srgbClr val="000000"/>
                       </a:solidFill>
                       <a:prstDash val="solid"/>
                       <a:round/>
-                      <a:headEnd len="sm" w="sm" type="none"/>
-                      <a:tailEnd len="sm" w="sm" type="none"/>
+                      <a:headEnd type="none" w="sm" len="sm"/>
+                      <a:tailEnd type="none" w="sm" len="sm"/>
                     </a:lnT>
-                    <a:lnB cap="flat" cmpd="sng" w="12675">
+                    <a:lnB w="12675" cap="flat" cmpd="sng">
                       <a:solidFill>
                         <a:srgbClr val="000000"/>
                       </a:solidFill>
                       <a:prstDash val="solid"/>
                       <a:round/>
-                      <a:headEnd len="sm" w="sm" type="none"/>
-                      <a:tailEnd len="sm" w="sm" type="none"/>
+                      <a:headEnd type="none" w="sm" len="sm"/>
+                      <a:tailEnd type="none" w="sm" len="sm"/>
                     </a:lnB>
                   </a:tcPr>
                 </a:tc>
@@ -8464,7 +8697,7 @@
                     <a:bodyPr/>
                     <a:lstStyle/>
                     <a:p>
-                      <a:pPr indent="0" lvl="0" marL="0" rtl="0" algn="l">
+                      <a:pPr marL="0" lvl="0" indent="0" algn="l" rtl="0">
                         <a:lnSpc>
                           <a:spcPct val="115000"/>
                         </a:lnSpc>
@@ -8493,42 +8726,42 @@
                       </a:endParaRPr>
                     </a:p>
                   </a:txBody>
-                  <a:tcPr marT="91425" marB="91425" marR="68575" marL="68575">
-                    <a:lnL cap="flat" cmpd="sng" w="12675">
+                  <a:tcPr marL="68575" marR="68575" marT="91425" marB="91425">
+                    <a:lnL w="12675" cap="flat" cmpd="sng">
                       <a:solidFill>
                         <a:srgbClr val="000000"/>
                       </a:solidFill>
                       <a:prstDash val="solid"/>
                       <a:round/>
-                      <a:headEnd len="sm" w="sm" type="none"/>
-                      <a:tailEnd len="sm" w="sm" type="none"/>
+                      <a:headEnd type="none" w="sm" len="sm"/>
+                      <a:tailEnd type="none" w="sm" len="sm"/>
                     </a:lnL>
-                    <a:lnR cap="flat" cmpd="sng" w="12675">
+                    <a:lnR w="12675" cap="flat" cmpd="sng">
                       <a:solidFill>
                         <a:srgbClr val="000000"/>
                       </a:solidFill>
                       <a:prstDash val="solid"/>
                       <a:round/>
-                      <a:headEnd len="sm" w="sm" type="none"/>
-                      <a:tailEnd len="sm" w="sm" type="none"/>
+                      <a:headEnd type="none" w="sm" len="sm"/>
+                      <a:tailEnd type="none" w="sm" len="sm"/>
                     </a:lnR>
-                    <a:lnT cap="flat" cmpd="sng" w="12675">
+                    <a:lnT w="12675" cap="flat" cmpd="sng">
                       <a:solidFill>
                         <a:srgbClr val="000000"/>
                       </a:solidFill>
                       <a:prstDash val="solid"/>
                       <a:round/>
-                      <a:headEnd len="sm" w="sm" type="none"/>
-                      <a:tailEnd len="sm" w="sm" type="none"/>
+                      <a:headEnd type="none" w="sm" len="sm"/>
+                      <a:tailEnd type="none" w="sm" len="sm"/>
                     </a:lnT>
-                    <a:lnB cap="flat" cmpd="sng" w="12675">
+                    <a:lnB w="12675" cap="flat" cmpd="sng">
                       <a:solidFill>
                         <a:srgbClr val="000000"/>
                       </a:solidFill>
                       <a:prstDash val="solid"/>
                       <a:round/>
-                      <a:headEnd len="sm" w="sm" type="none"/>
-                      <a:tailEnd len="sm" w="sm" type="none"/>
+                      <a:headEnd type="none" w="sm" len="sm"/>
+                      <a:tailEnd type="none" w="sm" len="sm"/>
                     </a:lnB>
                   </a:tcPr>
                 </a:tc>
@@ -8539,7 +8772,7 @@
                     <a:bodyPr/>
                     <a:lstStyle/>
                     <a:p>
-                      <a:pPr indent="0" lvl="0" marL="0" rtl="0" algn="l">
+                      <a:pPr marL="0" lvl="0" indent="0" algn="l" rtl="0">
                         <a:lnSpc>
                           <a:spcPct val="115000"/>
                         </a:lnSpc>
@@ -8568,42 +8801,42 @@
                       </a:endParaRPr>
                     </a:p>
                   </a:txBody>
-                  <a:tcPr marT="91425" marB="91425" marR="68575" marL="68575">
-                    <a:lnL cap="flat" cmpd="sng" w="12675">
+                  <a:tcPr marL="68575" marR="68575" marT="91425" marB="91425">
+                    <a:lnL w="12675" cap="flat" cmpd="sng">
                       <a:solidFill>
                         <a:srgbClr val="000000"/>
                       </a:solidFill>
                       <a:prstDash val="solid"/>
                       <a:round/>
-                      <a:headEnd len="sm" w="sm" type="none"/>
-                      <a:tailEnd len="sm" w="sm" type="none"/>
+                      <a:headEnd type="none" w="sm" len="sm"/>
+                      <a:tailEnd type="none" w="sm" len="sm"/>
                     </a:lnL>
-                    <a:lnR cap="flat" cmpd="sng" w="12675">
+                    <a:lnR w="12675" cap="flat" cmpd="sng">
                       <a:solidFill>
                         <a:srgbClr val="000000"/>
                       </a:solidFill>
                       <a:prstDash val="solid"/>
                       <a:round/>
-                      <a:headEnd len="sm" w="sm" type="none"/>
-                      <a:tailEnd len="sm" w="sm" type="none"/>
+                      <a:headEnd type="none" w="sm" len="sm"/>
+                      <a:tailEnd type="none" w="sm" len="sm"/>
                     </a:lnR>
-                    <a:lnT cap="flat" cmpd="sng" w="12675">
+                    <a:lnT w="12675" cap="flat" cmpd="sng">
                       <a:solidFill>
                         <a:srgbClr val="000000"/>
                       </a:solidFill>
                       <a:prstDash val="solid"/>
                       <a:round/>
-                      <a:headEnd len="sm" w="sm" type="none"/>
-                      <a:tailEnd len="sm" w="sm" type="none"/>
+                      <a:headEnd type="none" w="sm" len="sm"/>
+                      <a:tailEnd type="none" w="sm" len="sm"/>
                     </a:lnT>
-                    <a:lnB cap="flat" cmpd="sng" w="12675">
+                    <a:lnB w="12675" cap="flat" cmpd="sng">
                       <a:solidFill>
                         <a:srgbClr val="000000"/>
                       </a:solidFill>
                       <a:prstDash val="solid"/>
                       <a:round/>
-                      <a:headEnd len="sm" w="sm" type="none"/>
-                      <a:tailEnd len="sm" w="sm" type="none"/>
+                      <a:headEnd type="none" w="sm" len="sm"/>
+                      <a:tailEnd type="none" w="sm" len="sm"/>
                     </a:lnB>
                   </a:tcPr>
                 </a:tc>
@@ -8612,7 +8845,7 @@
                     <a:bodyPr/>
                     <a:lstStyle/>
                     <a:p>
-                      <a:pPr indent="0" lvl="0" marL="0" rtl="0" algn="l">
+                      <a:pPr marL="0" lvl="0" indent="0" algn="l" rtl="0">
                         <a:lnSpc>
                           <a:spcPct val="115000"/>
                         </a:lnSpc>
@@ -8641,42 +8874,42 @@
                       </a:endParaRPr>
                     </a:p>
                   </a:txBody>
-                  <a:tcPr marT="91425" marB="91425" marR="68575" marL="68575">
-                    <a:lnL cap="flat" cmpd="sng" w="12675">
+                  <a:tcPr marL="68575" marR="68575" marT="91425" marB="91425">
+                    <a:lnL w="12675" cap="flat" cmpd="sng">
                       <a:solidFill>
                         <a:srgbClr val="000000"/>
                       </a:solidFill>
                       <a:prstDash val="solid"/>
                       <a:round/>
-                      <a:headEnd len="sm" w="sm" type="none"/>
-                      <a:tailEnd len="sm" w="sm" type="none"/>
+                      <a:headEnd type="none" w="sm" len="sm"/>
+                      <a:tailEnd type="none" w="sm" len="sm"/>
                     </a:lnL>
-                    <a:lnR cap="flat" cmpd="sng" w="12675">
+                    <a:lnR w="12675" cap="flat" cmpd="sng">
                       <a:solidFill>
                         <a:srgbClr val="000000"/>
                       </a:solidFill>
                       <a:prstDash val="solid"/>
                       <a:round/>
-                      <a:headEnd len="sm" w="sm" type="none"/>
-                      <a:tailEnd len="sm" w="sm" type="none"/>
+                      <a:headEnd type="none" w="sm" len="sm"/>
+                      <a:tailEnd type="none" w="sm" len="sm"/>
                     </a:lnR>
-                    <a:lnT cap="flat" cmpd="sng" w="12675">
+                    <a:lnT w="12675" cap="flat" cmpd="sng">
                       <a:solidFill>
                         <a:srgbClr val="000000"/>
                       </a:solidFill>
                       <a:prstDash val="solid"/>
                       <a:round/>
-                      <a:headEnd len="sm" w="sm" type="none"/>
-                      <a:tailEnd len="sm" w="sm" type="none"/>
+                      <a:headEnd type="none" w="sm" len="sm"/>
+                      <a:tailEnd type="none" w="sm" len="sm"/>
                     </a:lnT>
-                    <a:lnB cap="flat" cmpd="sng" w="12675">
+                    <a:lnB w="12675" cap="flat" cmpd="sng">
                       <a:solidFill>
                         <a:srgbClr val="000000"/>
                       </a:solidFill>
                       <a:prstDash val="solid"/>
                       <a:round/>
-                      <a:headEnd len="sm" w="sm" type="none"/>
-                      <a:tailEnd len="sm" w="sm" type="none"/>
+                      <a:headEnd type="none" w="sm" len="sm"/>
+                      <a:tailEnd type="none" w="sm" len="sm"/>
                     </a:lnB>
                   </a:tcPr>
                 </a:tc>
@@ -8685,7 +8918,7 @@
                     <a:bodyPr/>
                     <a:lstStyle/>
                     <a:p>
-                      <a:pPr indent="0" lvl="0" marL="0" rtl="0" algn="l">
+                      <a:pPr marL="0" lvl="0" indent="0" algn="l" rtl="0">
                         <a:lnSpc>
                           <a:spcPct val="115000"/>
                         </a:lnSpc>
@@ -8714,42 +8947,42 @@
                       </a:endParaRPr>
                     </a:p>
                   </a:txBody>
-                  <a:tcPr marT="91425" marB="91425" marR="68575" marL="68575">
-                    <a:lnL cap="flat" cmpd="sng" w="12675">
+                  <a:tcPr marL="68575" marR="68575" marT="91425" marB="91425">
+                    <a:lnL w="12675" cap="flat" cmpd="sng">
                       <a:solidFill>
                         <a:srgbClr val="000000"/>
                       </a:solidFill>
                       <a:prstDash val="solid"/>
                       <a:round/>
-                      <a:headEnd len="sm" w="sm" type="none"/>
-                      <a:tailEnd len="sm" w="sm" type="none"/>
+                      <a:headEnd type="none" w="sm" len="sm"/>
+                      <a:tailEnd type="none" w="sm" len="sm"/>
                     </a:lnL>
-                    <a:lnR cap="flat" cmpd="sng" w="12675">
+                    <a:lnR w="12675" cap="flat" cmpd="sng">
                       <a:solidFill>
                         <a:srgbClr val="000000"/>
                       </a:solidFill>
                       <a:prstDash val="solid"/>
                       <a:round/>
-                      <a:headEnd len="sm" w="sm" type="none"/>
-                      <a:tailEnd len="sm" w="sm" type="none"/>
+                      <a:headEnd type="none" w="sm" len="sm"/>
+                      <a:tailEnd type="none" w="sm" len="sm"/>
                     </a:lnR>
-                    <a:lnT cap="flat" cmpd="sng" w="12675">
+                    <a:lnT w="12675" cap="flat" cmpd="sng">
                       <a:solidFill>
                         <a:srgbClr val="000000"/>
                       </a:solidFill>
                       <a:prstDash val="solid"/>
                       <a:round/>
-                      <a:headEnd len="sm" w="sm" type="none"/>
-                      <a:tailEnd len="sm" w="sm" type="none"/>
+                      <a:headEnd type="none" w="sm" len="sm"/>
+                      <a:tailEnd type="none" w="sm" len="sm"/>
                     </a:lnT>
-                    <a:lnB cap="flat" cmpd="sng" w="12675">
+                    <a:lnB w="12675" cap="flat" cmpd="sng">
                       <a:solidFill>
                         <a:srgbClr val="000000"/>
                       </a:solidFill>
                       <a:prstDash val="solid"/>
                       <a:round/>
-                      <a:headEnd len="sm" w="sm" type="none"/>
-                      <a:tailEnd len="sm" w="sm" type="none"/>
+                      <a:headEnd type="none" w="sm" len="sm"/>
+                      <a:tailEnd type="none" w="sm" len="sm"/>
                     </a:lnB>
                   </a:tcPr>
                 </a:tc>
@@ -8758,7 +8991,7 @@
                     <a:bodyPr/>
                     <a:lstStyle/>
                     <a:p>
-                      <a:pPr indent="0" lvl="0" marL="0" rtl="0" algn="l">
+                      <a:pPr marL="0" lvl="0" indent="0" algn="l" rtl="0">
                         <a:lnSpc>
                           <a:spcPct val="115000"/>
                         </a:lnSpc>
@@ -8787,42 +9020,42 @@
                       </a:endParaRPr>
                     </a:p>
                   </a:txBody>
-                  <a:tcPr marT="91425" marB="91425" marR="68575" marL="68575">
-                    <a:lnL cap="flat" cmpd="sng" w="12675">
+                  <a:tcPr marL="68575" marR="68575" marT="91425" marB="91425">
+                    <a:lnL w="12675" cap="flat" cmpd="sng">
                       <a:solidFill>
                         <a:srgbClr val="000000"/>
                       </a:solidFill>
                       <a:prstDash val="solid"/>
                       <a:round/>
-                      <a:headEnd len="sm" w="sm" type="none"/>
-                      <a:tailEnd len="sm" w="sm" type="none"/>
+                      <a:headEnd type="none" w="sm" len="sm"/>
+                      <a:tailEnd type="none" w="sm" len="sm"/>
                     </a:lnL>
-                    <a:lnR cap="flat" cmpd="sng" w="12675">
+                    <a:lnR w="12675" cap="flat" cmpd="sng">
                       <a:solidFill>
                         <a:srgbClr val="000000"/>
                       </a:solidFill>
                       <a:prstDash val="solid"/>
                       <a:round/>
-                      <a:headEnd len="sm" w="sm" type="none"/>
-                      <a:tailEnd len="sm" w="sm" type="none"/>
+                      <a:headEnd type="none" w="sm" len="sm"/>
+                      <a:tailEnd type="none" w="sm" len="sm"/>
                     </a:lnR>
-                    <a:lnT cap="flat" cmpd="sng" w="12675">
+                    <a:lnT w="12675" cap="flat" cmpd="sng">
                       <a:solidFill>
                         <a:srgbClr val="000000"/>
                       </a:solidFill>
                       <a:prstDash val="solid"/>
                       <a:round/>
-                      <a:headEnd len="sm" w="sm" type="none"/>
-                      <a:tailEnd len="sm" w="sm" type="none"/>
+                      <a:headEnd type="none" w="sm" len="sm"/>
+                      <a:tailEnd type="none" w="sm" len="sm"/>
                     </a:lnT>
-                    <a:lnB cap="flat" cmpd="sng" w="12675">
+                    <a:lnB w="12675" cap="flat" cmpd="sng">
                       <a:solidFill>
                         <a:srgbClr val="000000"/>
                       </a:solidFill>
                       <a:prstDash val="solid"/>
                       <a:round/>
-                      <a:headEnd len="sm" w="sm" type="none"/>
-                      <a:tailEnd len="sm" w="sm" type="none"/>
+                      <a:headEnd type="none" w="sm" len="sm"/>
+                      <a:tailEnd type="none" w="sm" len="sm"/>
                     </a:lnB>
                   </a:tcPr>
                 </a:tc>
@@ -8831,7 +9064,7 @@
                     <a:bodyPr/>
                     <a:lstStyle/>
                     <a:p>
-                      <a:pPr indent="0" lvl="0" marL="0" rtl="0" algn="l">
+                      <a:pPr marL="0" lvl="0" indent="0" algn="l" rtl="0">
                         <a:lnSpc>
                           <a:spcPct val="115000"/>
                         </a:lnSpc>
@@ -8860,42 +9093,42 @@
                       </a:endParaRPr>
                     </a:p>
                   </a:txBody>
-                  <a:tcPr marT="91425" marB="91425" marR="68575" marL="68575">
-                    <a:lnL cap="flat" cmpd="sng" w="12675">
+                  <a:tcPr marL="68575" marR="68575" marT="91425" marB="91425">
+                    <a:lnL w="12675" cap="flat" cmpd="sng">
                       <a:solidFill>
                         <a:srgbClr val="000000"/>
                       </a:solidFill>
                       <a:prstDash val="solid"/>
                       <a:round/>
-                      <a:headEnd len="sm" w="sm" type="none"/>
-                      <a:tailEnd len="sm" w="sm" type="none"/>
+                      <a:headEnd type="none" w="sm" len="sm"/>
+                      <a:tailEnd type="none" w="sm" len="sm"/>
                     </a:lnL>
-                    <a:lnR cap="flat" cmpd="sng" w="12675">
+                    <a:lnR w="12675" cap="flat" cmpd="sng">
                       <a:solidFill>
                         <a:srgbClr val="000000"/>
                       </a:solidFill>
                       <a:prstDash val="solid"/>
                       <a:round/>
-                      <a:headEnd len="sm" w="sm" type="none"/>
-                      <a:tailEnd len="sm" w="sm" type="none"/>
+                      <a:headEnd type="none" w="sm" len="sm"/>
+                      <a:tailEnd type="none" w="sm" len="sm"/>
                     </a:lnR>
-                    <a:lnT cap="flat" cmpd="sng" w="12675">
+                    <a:lnT w="12675" cap="flat" cmpd="sng">
                       <a:solidFill>
                         <a:srgbClr val="000000"/>
                       </a:solidFill>
                       <a:prstDash val="solid"/>
                       <a:round/>
-                      <a:headEnd len="sm" w="sm" type="none"/>
-                      <a:tailEnd len="sm" w="sm" type="none"/>
+                      <a:headEnd type="none" w="sm" len="sm"/>
+                      <a:tailEnd type="none" w="sm" len="sm"/>
                     </a:lnT>
-                    <a:lnB cap="flat" cmpd="sng" w="12675">
+                    <a:lnB w="12675" cap="flat" cmpd="sng">
                       <a:solidFill>
                         <a:srgbClr val="000000"/>
                       </a:solidFill>
                       <a:prstDash val="solid"/>
                       <a:round/>
-                      <a:headEnd len="sm" w="sm" type="none"/>
-                      <a:tailEnd len="sm" w="sm" type="none"/>
+                      <a:headEnd type="none" w="sm" len="sm"/>
+                      <a:tailEnd type="none" w="sm" len="sm"/>
                     </a:lnB>
                   </a:tcPr>
                 </a:tc>
@@ -8906,7 +9139,7 @@
                     <a:bodyPr/>
                     <a:lstStyle/>
                     <a:p>
-                      <a:pPr indent="0" lvl="0" marL="0" rtl="0" algn="l">
+                      <a:pPr marL="0" lvl="0" indent="0" algn="l" rtl="0">
                         <a:lnSpc>
                           <a:spcPct val="115000"/>
                         </a:lnSpc>
@@ -8935,42 +9168,42 @@
                       </a:endParaRPr>
                     </a:p>
                   </a:txBody>
-                  <a:tcPr marT="91425" marB="91425" marR="68575" marL="68575">
-                    <a:lnL cap="flat" cmpd="sng" w="12675">
+                  <a:tcPr marL="68575" marR="68575" marT="91425" marB="91425">
+                    <a:lnL w="12675" cap="flat" cmpd="sng">
                       <a:solidFill>
                         <a:srgbClr val="000000"/>
                       </a:solidFill>
                       <a:prstDash val="solid"/>
                       <a:round/>
-                      <a:headEnd len="sm" w="sm" type="none"/>
-                      <a:tailEnd len="sm" w="sm" type="none"/>
+                      <a:headEnd type="none" w="sm" len="sm"/>
+                      <a:tailEnd type="none" w="sm" len="sm"/>
                     </a:lnL>
-                    <a:lnR cap="flat" cmpd="sng" w="12675">
+                    <a:lnR w="12675" cap="flat" cmpd="sng">
                       <a:solidFill>
                         <a:srgbClr val="000000"/>
                       </a:solidFill>
                       <a:prstDash val="solid"/>
                       <a:round/>
-                      <a:headEnd len="sm" w="sm" type="none"/>
-                      <a:tailEnd len="sm" w="sm" type="none"/>
+                      <a:headEnd type="none" w="sm" len="sm"/>
+                      <a:tailEnd type="none" w="sm" len="sm"/>
                     </a:lnR>
-                    <a:lnT cap="flat" cmpd="sng" w="12675">
+                    <a:lnT w="12675" cap="flat" cmpd="sng">
                       <a:solidFill>
                         <a:srgbClr val="000000"/>
                       </a:solidFill>
                       <a:prstDash val="solid"/>
                       <a:round/>
-                      <a:headEnd len="sm" w="sm" type="none"/>
-                      <a:tailEnd len="sm" w="sm" type="none"/>
+                      <a:headEnd type="none" w="sm" len="sm"/>
+                      <a:tailEnd type="none" w="sm" len="sm"/>
                     </a:lnT>
-                    <a:lnB cap="flat" cmpd="sng" w="12675">
+                    <a:lnB w="12675" cap="flat" cmpd="sng">
                       <a:solidFill>
                         <a:srgbClr val="000000"/>
                       </a:solidFill>
                       <a:prstDash val="solid"/>
                       <a:round/>
-                      <a:headEnd len="sm" w="sm" type="none"/>
-                      <a:tailEnd len="sm" w="sm" type="none"/>
+                      <a:headEnd type="none" w="sm" len="sm"/>
+                      <a:tailEnd type="none" w="sm" len="sm"/>
                     </a:lnB>
                   </a:tcPr>
                 </a:tc>
@@ -8979,7 +9212,7 @@
                     <a:bodyPr/>
                     <a:lstStyle/>
                     <a:p>
-                      <a:pPr indent="0" lvl="0" marL="0" rtl="0" algn="l">
+                      <a:pPr marL="0" lvl="0" indent="0" algn="l" rtl="0">
                         <a:lnSpc>
                           <a:spcPct val="115000"/>
                         </a:lnSpc>
@@ -9008,42 +9241,42 @@
                       </a:endParaRPr>
                     </a:p>
                   </a:txBody>
-                  <a:tcPr marT="91425" marB="91425" marR="68575" marL="68575">
-                    <a:lnL cap="flat" cmpd="sng" w="12675">
+                  <a:tcPr marL="68575" marR="68575" marT="91425" marB="91425">
+                    <a:lnL w="12675" cap="flat" cmpd="sng">
                       <a:solidFill>
                         <a:srgbClr val="000000"/>
                       </a:solidFill>
                       <a:prstDash val="solid"/>
                       <a:round/>
-                      <a:headEnd len="sm" w="sm" type="none"/>
-                      <a:tailEnd len="sm" w="sm" type="none"/>
+                      <a:headEnd type="none" w="sm" len="sm"/>
+                      <a:tailEnd type="none" w="sm" len="sm"/>
                     </a:lnL>
-                    <a:lnR cap="flat" cmpd="sng" w="12675">
+                    <a:lnR w="12675" cap="flat" cmpd="sng">
                       <a:solidFill>
                         <a:srgbClr val="000000"/>
                       </a:solidFill>
                       <a:prstDash val="solid"/>
                       <a:round/>
-                      <a:headEnd len="sm" w="sm" type="none"/>
-                      <a:tailEnd len="sm" w="sm" type="none"/>
+                      <a:headEnd type="none" w="sm" len="sm"/>
+                      <a:tailEnd type="none" w="sm" len="sm"/>
                     </a:lnR>
-                    <a:lnT cap="flat" cmpd="sng" w="12675">
+                    <a:lnT w="12675" cap="flat" cmpd="sng">
                       <a:solidFill>
                         <a:srgbClr val="000000"/>
                       </a:solidFill>
                       <a:prstDash val="solid"/>
                       <a:round/>
-                      <a:headEnd len="sm" w="sm" type="none"/>
-                      <a:tailEnd len="sm" w="sm" type="none"/>
+                      <a:headEnd type="none" w="sm" len="sm"/>
+                      <a:tailEnd type="none" w="sm" len="sm"/>
                     </a:lnT>
-                    <a:lnB cap="flat" cmpd="sng" w="12675">
+                    <a:lnB w="12675" cap="flat" cmpd="sng">
                       <a:solidFill>
                         <a:srgbClr val="000000"/>
                       </a:solidFill>
                       <a:prstDash val="solid"/>
                       <a:round/>
-                      <a:headEnd len="sm" w="sm" type="none"/>
-                      <a:tailEnd len="sm" w="sm" type="none"/>
+                      <a:headEnd type="none" w="sm" len="sm"/>
+                      <a:tailEnd type="none" w="sm" len="sm"/>
                     </a:lnB>
                   </a:tcPr>
                 </a:tc>
@@ -9052,7 +9285,7 @@
                     <a:bodyPr/>
                     <a:lstStyle/>
                     <a:p>
-                      <a:pPr indent="0" lvl="0" marL="0" rtl="0" algn="l">
+                      <a:pPr marL="0" lvl="0" indent="0" algn="l" rtl="0">
                         <a:lnSpc>
                           <a:spcPct val="115000"/>
                         </a:lnSpc>
@@ -9081,42 +9314,42 @@
                       </a:endParaRPr>
                     </a:p>
                   </a:txBody>
-                  <a:tcPr marT="91425" marB="91425" marR="68575" marL="68575">
-                    <a:lnL cap="flat" cmpd="sng" w="12675">
+                  <a:tcPr marL="68575" marR="68575" marT="91425" marB="91425">
+                    <a:lnL w="12675" cap="flat" cmpd="sng">
                       <a:solidFill>
                         <a:srgbClr val="000000"/>
                       </a:solidFill>
                       <a:prstDash val="solid"/>
                       <a:round/>
-                      <a:headEnd len="sm" w="sm" type="none"/>
-                      <a:tailEnd len="sm" w="sm" type="none"/>
+                      <a:headEnd type="none" w="sm" len="sm"/>
+                      <a:tailEnd type="none" w="sm" len="sm"/>
                     </a:lnL>
-                    <a:lnR cap="flat" cmpd="sng" w="12675">
+                    <a:lnR w="12675" cap="flat" cmpd="sng">
                       <a:solidFill>
                         <a:srgbClr val="000000"/>
                       </a:solidFill>
                       <a:prstDash val="solid"/>
                       <a:round/>
-                      <a:headEnd len="sm" w="sm" type="none"/>
-                      <a:tailEnd len="sm" w="sm" type="none"/>
+                      <a:headEnd type="none" w="sm" len="sm"/>
+                      <a:tailEnd type="none" w="sm" len="sm"/>
                     </a:lnR>
-                    <a:lnT cap="flat" cmpd="sng" w="12675">
+                    <a:lnT w="12675" cap="flat" cmpd="sng">
                       <a:solidFill>
                         <a:srgbClr val="000000"/>
                       </a:solidFill>
                       <a:prstDash val="solid"/>
                       <a:round/>
-                      <a:headEnd len="sm" w="sm" type="none"/>
-                      <a:tailEnd len="sm" w="sm" type="none"/>
+                      <a:headEnd type="none" w="sm" len="sm"/>
+                      <a:tailEnd type="none" w="sm" len="sm"/>
                     </a:lnT>
-                    <a:lnB cap="flat" cmpd="sng" w="12675">
+                    <a:lnB w="12675" cap="flat" cmpd="sng">
                       <a:solidFill>
                         <a:srgbClr val="000000"/>
                       </a:solidFill>
                       <a:prstDash val="solid"/>
                       <a:round/>
-                      <a:headEnd len="sm" w="sm" type="none"/>
-                      <a:tailEnd len="sm" w="sm" type="none"/>
+                      <a:headEnd type="none" w="sm" len="sm"/>
+                      <a:tailEnd type="none" w="sm" len="sm"/>
                     </a:lnB>
                   </a:tcPr>
                 </a:tc>
@@ -9125,7 +9358,7 @@
                     <a:bodyPr/>
                     <a:lstStyle/>
                     <a:p>
-                      <a:pPr indent="0" lvl="0" marL="0" rtl="0" algn="l">
+                      <a:pPr marL="0" lvl="0" indent="0" algn="l" rtl="0">
                         <a:lnSpc>
                           <a:spcPct val="115000"/>
                         </a:lnSpc>
@@ -9154,42 +9387,42 @@
                       </a:endParaRPr>
                     </a:p>
                   </a:txBody>
-                  <a:tcPr marT="91425" marB="91425" marR="68575" marL="68575">
-                    <a:lnL cap="flat" cmpd="sng" w="12675">
+                  <a:tcPr marL="68575" marR="68575" marT="91425" marB="91425">
+                    <a:lnL w="12675" cap="flat" cmpd="sng">
                       <a:solidFill>
                         <a:srgbClr val="000000"/>
                       </a:solidFill>
                       <a:prstDash val="solid"/>
                       <a:round/>
-                      <a:headEnd len="sm" w="sm" type="none"/>
-                      <a:tailEnd len="sm" w="sm" type="none"/>
+                      <a:headEnd type="none" w="sm" len="sm"/>
+                      <a:tailEnd type="none" w="sm" len="sm"/>
                     </a:lnL>
-                    <a:lnR cap="flat" cmpd="sng" w="12675">
+                    <a:lnR w="12675" cap="flat" cmpd="sng">
                       <a:solidFill>
                         <a:srgbClr val="000000"/>
                       </a:solidFill>
                       <a:prstDash val="solid"/>
                       <a:round/>
-                      <a:headEnd len="sm" w="sm" type="none"/>
-                      <a:tailEnd len="sm" w="sm" type="none"/>
+                      <a:headEnd type="none" w="sm" len="sm"/>
+                      <a:tailEnd type="none" w="sm" len="sm"/>
                     </a:lnR>
-                    <a:lnT cap="flat" cmpd="sng" w="12675">
+                    <a:lnT w="12675" cap="flat" cmpd="sng">
                       <a:solidFill>
                         <a:srgbClr val="000000"/>
                       </a:solidFill>
                       <a:prstDash val="solid"/>
                       <a:round/>
-                      <a:headEnd len="sm" w="sm" type="none"/>
-                      <a:tailEnd len="sm" w="sm" type="none"/>
+                      <a:headEnd type="none" w="sm" len="sm"/>
+                      <a:tailEnd type="none" w="sm" len="sm"/>
                     </a:lnT>
-                    <a:lnB cap="flat" cmpd="sng" w="12675">
+                    <a:lnB w="12675" cap="flat" cmpd="sng">
                       <a:solidFill>
                         <a:srgbClr val="000000"/>
                       </a:solidFill>
                       <a:prstDash val="solid"/>
                       <a:round/>
-                      <a:headEnd len="sm" w="sm" type="none"/>
-                      <a:tailEnd len="sm" w="sm" type="none"/>
+                      <a:headEnd type="none" w="sm" len="sm"/>
+                      <a:tailEnd type="none" w="sm" len="sm"/>
                     </a:lnB>
                   </a:tcPr>
                 </a:tc>
@@ -9198,7 +9431,7 @@
                     <a:bodyPr/>
                     <a:lstStyle/>
                     <a:p>
-                      <a:pPr indent="0" lvl="0" marL="0" rtl="0" algn="l">
+                      <a:pPr marL="0" lvl="0" indent="0" algn="l" rtl="0">
                         <a:lnSpc>
                           <a:spcPct val="115000"/>
                         </a:lnSpc>
@@ -9227,53 +9460,53 @@
                       </a:endParaRPr>
                     </a:p>
                   </a:txBody>
-                  <a:tcPr marT="91425" marB="91425" marR="68575" marL="68575">
-                    <a:lnL cap="flat" cmpd="sng" w="12675">
+                  <a:tcPr marL="68575" marR="68575" marT="91425" marB="91425">
+                    <a:lnL w="12675" cap="flat" cmpd="sng">
                       <a:solidFill>
                         <a:srgbClr val="000000"/>
                       </a:solidFill>
                       <a:prstDash val="solid"/>
                       <a:round/>
-                      <a:headEnd len="sm" w="sm" type="none"/>
-                      <a:tailEnd len="sm" w="sm" type="none"/>
+                      <a:headEnd type="none" w="sm" len="sm"/>
+                      <a:tailEnd type="none" w="sm" len="sm"/>
                     </a:lnL>
-                    <a:lnR cap="flat" cmpd="sng" w="12675">
+                    <a:lnR w="12675" cap="flat" cmpd="sng">
                       <a:solidFill>
                         <a:srgbClr val="000000"/>
                       </a:solidFill>
                       <a:prstDash val="solid"/>
                       <a:round/>
-                      <a:headEnd len="sm" w="sm" type="none"/>
-                      <a:tailEnd len="sm" w="sm" type="none"/>
+                      <a:headEnd type="none" w="sm" len="sm"/>
+                      <a:tailEnd type="none" w="sm" len="sm"/>
                     </a:lnR>
-                    <a:lnT cap="flat" cmpd="sng" w="12675">
+                    <a:lnT w="12675" cap="flat" cmpd="sng">
                       <a:solidFill>
                         <a:srgbClr val="000000"/>
                       </a:solidFill>
                       <a:prstDash val="solid"/>
                       <a:round/>
-                      <a:headEnd len="sm" w="sm" type="none"/>
-                      <a:tailEnd len="sm" w="sm" type="none"/>
+                      <a:headEnd type="none" w="sm" len="sm"/>
+                      <a:tailEnd type="none" w="sm" len="sm"/>
                     </a:lnT>
-                    <a:lnB cap="flat" cmpd="sng" w="12675">
+                    <a:lnB w="12675" cap="flat" cmpd="sng">
                       <a:solidFill>
                         <a:srgbClr val="000000"/>
                       </a:solidFill>
                       <a:prstDash val="solid"/>
                       <a:round/>
-                      <a:headEnd len="sm" w="sm" type="none"/>
-                      <a:tailEnd len="sm" w="sm" type="none"/>
+                      <a:headEnd type="none" w="sm" len="sm"/>
+                      <a:tailEnd type="none" w="sm" len="sm"/>
                     </a:lnB>
                   </a:tcPr>
                 </a:tc>
               </a:tr>
-              <a:tr h="180975">
+              <a:tr h="0">
                 <a:tc>
                   <a:txBody>
                     <a:bodyPr/>
                     <a:lstStyle/>
                     <a:p>
-                      <a:pPr indent="0" lvl="0" marL="0" rtl="0" algn="l">
+                      <a:pPr marL="0" lvl="0" indent="0" algn="l" rtl="0">
                         <a:lnSpc>
                           <a:spcPct val="115000"/>
                         </a:lnSpc>
@@ -9302,42 +9535,42 @@
                       </a:endParaRPr>
                     </a:p>
                   </a:txBody>
-                  <a:tcPr marT="91425" marB="91425" marR="68575" marL="68575">
-                    <a:lnL cap="flat" cmpd="sng" w="12675">
+                  <a:tcPr marL="68575" marR="68575" marT="91425" marB="91425">
+                    <a:lnL w="12675" cap="flat" cmpd="sng">
                       <a:solidFill>
                         <a:srgbClr val="000000"/>
                       </a:solidFill>
                       <a:prstDash val="solid"/>
                       <a:round/>
-                      <a:headEnd len="sm" w="sm" type="none"/>
-                      <a:tailEnd len="sm" w="sm" type="none"/>
+                      <a:headEnd type="none" w="sm" len="sm"/>
+                      <a:tailEnd type="none" w="sm" len="sm"/>
                     </a:lnL>
-                    <a:lnR cap="flat" cmpd="sng" w="12675">
+                    <a:lnR w="12675" cap="flat" cmpd="sng">
                       <a:solidFill>
                         <a:srgbClr val="000000"/>
                       </a:solidFill>
                       <a:prstDash val="solid"/>
                       <a:round/>
-                      <a:headEnd len="sm" w="sm" type="none"/>
-                      <a:tailEnd len="sm" w="sm" type="none"/>
+                      <a:headEnd type="none" w="sm" len="sm"/>
+                      <a:tailEnd type="none" w="sm" len="sm"/>
                     </a:lnR>
-                    <a:lnT cap="flat" cmpd="sng" w="12675">
+                    <a:lnT w="12675" cap="flat" cmpd="sng">
                       <a:solidFill>
                         <a:srgbClr val="000000"/>
                       </a:solidFill>
                       <a:prstDash val="solid"/>
                       <a:round/>
-                      <a:headEnd len="sm" w="sm" type="none"/>
-                      <a:tailEnd len="sm" w="sm" type="none"/>
+                      <a:headEnd type="none" w="sm" len="sm"/>
+                      <a:tailEnd type="none" w="sm" len="sm"/>
                     </a:lnT>
-                    <a:lnB cap="flat" cmpd="sng" w="12675">
+                    <a:lnB w="12675" cap="flat" cmpd="sng">
                       <a:solidFill>
                         <a:srgbClr val="000000"/>
                       </a:solidFill>
                       <a:prstDash val="solid"/>
                       <a:round/>
-                      <a:headEnd len="sm" w="sm" type="none"/>
-                      <a:tailEnd len="sm" w="sm" type="none"/>
+                      <a:headEnd type="none" w="sm" len="sm"/>
+                      <a:tailEnd type="none" w="sm" len="sm"/>
                     </a:lnB>
                   </a:tcPr>
                 </a:tc>
@@ -9346,7 +9579,7 @@
                     <a:bodyPr/>
                     <a:lstStyle/>
                     <a:p>
-                      <a:pPr indent="0" lvl="0" marL="0" rtl="0" algn="l">
+                      <a:pPr marL="0" lvl="0" indent="0" algn="l" rtl="0">
                         <a:lnSpc>
                           <a:spcPct val="115000"/>
                         </a:lnSpc>
@@ -9375,42 +9608,42 @@
                       </a:endParaRPr>
                     </a:p>
                   </a:txBody>
-                  <a:tcPr marT="91425" marB="91425" marR="68575" marL="68575">
-                    <a:lnL cap="flat" cmpd="sng" w="12675">
+                  <a:tcPr marL="68575" marR="68575" marT="91425" marB="91425">
+                    <a:lnL w="12675" cap="flat" cmpd="sng">
                       <a:solidFill>
                         <a:srgbClr val="000000"/>
                       </a:solidFill>
                       <a:prstDash val="solid"/>
                       <a:round/>
-                      <a:headEnd len="sm" w="sm" type="none"/>
-                      <a:tailEnd len="sm" w="sm" type="none"/>
+                      <a:headEnd type="none" w="sm" len="sm"/>
+                      <a:tailEnd type="none" w="sm" len="sm"/>
                     </a:lnL>
-                    <a:lnR cap="flat" cmpd="sng" w="12675">
+                    <a:lnR w="12675" cap="flat" cmpd="sng">
                       <a:solidFill>
                         <a:srgbClr val="000000"/>
                       </a:solidFill>
                       <a:prstDash val="solid"/>
                       <a:round/>
-                      <a:headEnd len="sm" w="sm" type="none"/>
-                      <a:tailEnd len="sm" w="sm" type="none"/>
+                      <a:headEnd type="none" w="sm" len="sm"/>
+                      <a:tailEnd type="none" w="sm" len="sm"/>
                     </a:lnR>
-                    <a:lnT cap="flat" cmpd="sng" w="12675">
+                    <a:lnT w="12675" cap="flat" cmpd="sng">
                       <a:solidFill>
                         <a:srgbClr val="000000"/>
                       </a:solidFill>
                       <a:prstDash val="solid"/>
                       <a:round/>
-                      <a:headEnd len="sm" w="sm" type="none"/>
-                      <a:tailEnd len="sm" w="sm" type="none"/>
+                      <a:headEnd type="none" w="sm" len="sm"/>
+                      <a:tailEnd type="none" w="sm" len="sm"/>
                     </a:lnT>
-                    <a:lnB cap="flat" cmpd="sng" w="12675">
+                    <a:lnB w="12675" cap="flat" cmpd="sng">
                       <a:solidFill>
                         <a:srgbClr val="000000"/>
                       </a:solidFill>
                       <a:prstDash val="solid"/>
                       <a:round/>
-                      <a:headEnd len="sm" w="sm" type="none"/>
-                      <a:tailEnd len="sm" w="sm" type="none"/>
+                      <a:headEnd type="none" w="sm" len="sm"/>
+                      <a:tailEnd type="none" w="sm" len="sm"/>
                     </a:lnB>
                   </a:tcPr>
                 </a:tc>
@@ -9419,7 +9652,7 @@
                     <a:bodyPr/>
                     <a:lstStyle/>
                     <a:p>
-                      <a:pPr indent="0" lvl="0" marL="0" rtl="0" algn="l">
+                      <a:pPr marL="0" lvl="0" indent="0" algn="l" rtl="0">
                         <a:lnSpc>
                           <a:spcPct val="115000"/>
                         </a:lnSpc>
@@ -9448,42 +9681,42 @@
                       </a:endParaRPr>
                     </a:p>
                   </a:txBody>
-                  <a:tcPr marT="91425" marB="91425" marR="68575" marL="68575">
-                    <a:lnL cap="flat" cmpd="sng" w="12675">
+                  <a:tcPr marL="68575" marR="68575" marT="91425" marB="91425">
+                    <a:lnL w="12675" cap="flat" cmpd="sng">
                       <a:solidFill>
                         <a:srgbClr val="000000"/>
                       </a:solidFill>
                       <a:prstDash val="solid"/>
                       <a:round/>
-                      <a:headEnd len="sm" w="sm" type="none"/>
-                      <a:tailEnd len="sm" w="sm" type="none"/>
+                      <a:headEnd type="none" w="sm" len="sm"/>
+                      <a:tailEnd type="none" w="sm" len="sm"/>
                     </a:lnL>
-                    <a:lnR cap="flat" cmpd="sng" w="12675">
+                    <a:lnR w="12675" cap="flat" cmpd="sng">
                       <a:solidFill>
                         <a:srgbClr val="000000"/>
                       </a:solidFill>
                       <a:prstDash val="solid"/>
                       <a:round/>
-                      <a:headEnd len="sm" w="sm" type="none"/>
-                      <a:tailEnd len="sm" w="sm" type="none"/>
+                      <a:headEnd type="none" w="sm" len="sm"/>
+                      <a:tailEnd type="none" w="sm" len="sm"/>
                     </a:lnR>
-                    <a:lnT cap="flat" cmpd="sng" w="12675">
+                    <a:lnT w="12675" cap="flat" cmpd="sng">
                       <a:solidFill>
                         <a:srgbClr val="000000"/>
                       </a:solidFill>
                       <a:prstDash val="solid"/>
                       <a:round/>
-                      <a:headEnd len="sm" w="sm" type="none"/>
-                      <a:tailEnd len="sm" w="sm" type="none"/>
+                      <a:headEnd type="none" w="sm" len="sm"/>
+                      <a:tailEnd type="none" w="sm" len="sm"/>
                     </a:lnT>
-                    <a:lnB cap="flat" cmpd="sng" w="12675">
+                    <a:lnB w="12675" cap="flat" cmpd="sng">
                       <a:solidFill>
                         <a:srgbClr val="000000"/>
                       </a:solidFill>
                       <a:prstDash val="solid"/>
                       <a:round/>
-                      <a:headEnd len="sm" w="sm" type="none"/>
-                      <a:tailEnd len="sm" w="sm" type="none"/>
+                      <a:headEnd type="none" w="sm" len="sm"/>
+                      <a:tailEnd type="none" w="sm" len="sm"/>
                     </a:lnB>
                   </a:tcPr>
                 </a:tc>
@@ -9492,7 +9725,7 @@
                     <a:bodyPr/>
                     <a:lstStyle/>
                     <a:p>
-                      <a:pPr indent="0" lvl="0" marL="0" rtl="0" algn="l">
+                      <a:pPr marL="0" lvl="0" indent="0" algn="l" rtl="0">
                         <a:lnSpc>
                           <a:spcPct val="115000"/>
                         </a:lnSpc>
@@ -9521,42 +9754,42 @@
                       </a:endParaRPr>
                     </a:p>
                   </a:txBody>
-                  <a:tcPr marT="91425" marB="91425" marR="68575" marL="68575">
-                    <a:lnL cap="flat" cmpd="sng" w="12675">
+                  <a:tcPr marL="68575" marR="68575" marT="91425" marB="91425">
+                    <a:lnL w="12675" cap="flat" cmpd="sng">
                       <a:solidFill>
                         <a:srgbClr val="000000"/>
                       </a:solidFill>
                       <a:prstDash val="solid"/>
                       <a:round/>
-                      <a:headEnd len="sm" w="sm" type="none"/>
-                      <a:tailEnd len="sm" w="sm" type="none"/>
+                      <a:headEnd type="none" w="sm" len="sm"/>
+                      <a:tailEnd type="none" w="sm" len="sm"/>
                     </a:lnL>
-                    <a:lnR cap="flat" cmpd="sng" w="12675">
+                    <a:lnR w="12675" cap="flat" cmpd="sng">
                       <a:solidFill>
                         <a:srgbClr val="000000"/>
                       </a:solidFill>
                       <a:prstDash val="solid"/>
                       <a:round/>
-                      <a:headEnd len="sm" w="sm" type="none"/>
-                      <a:tailEnd len="sm" w="sm" type="none"/>
+                      <a:headEnd type="none" w="sm" len="sm"/>
+                      <a:tailEnd type="none" w="sm" len="sm"/>
                     </a:lnR>
-                    <a:lnT cap="flat" cmpd="sng" w="12675">
+                    <a:lnT w="12675" cap="flat" cmpd="sng">
                       <a:solidFill>
                         <a:srgbClr val="000000"/>
                       </a:solidFill>
                       <a:prstDash val="solid"/>
                       <a:round/>
-                      <a:headEnd len="sm" w="sm" type="none"/>
-                      <a:tailEnd len="sm" w="sm" type="none"/>
+                      <a:headEnd type="none" w="sm" len="sm"/>
+                      <a:tailEnd type="none" w="sm" len="sm"/>
                     </a:lnT>
-                    <a:lnB cap="flat" cmpd="sng" w="12675">
+                    <a:lnB w="12675" cap="flat" cmpd="sng">
                       <a:solidFill>
                         <a:srgbClr val="000000"/>
                       </a:solidFill>
                       <a:prstDash val="solid"/>
                       <a:round/>
-                      <a:headEnd len="sm" w="sm" type="none"/>
-                      <a:tailEnd len="sm" w="sm" type="none"/>
+                      <a:headEnd type="none" w="sm" len="sm"/>
+                      <a:tailEnd type="none" w="sm" len="sm"/>
                     </a:lnB>
                   </a:tcPr>
                 </a:tc>
@@ -9565,7 +9798,7 @@
                     <a:bodyPr/>
                     <a:lstStyle/>
                     <a:p>
-                      <a:pPr indent="0" lvl="0" marL="0" rtl="0" algn="l">
+                      <a:pPr marL="0" lvl="0" indent="0" algn="l" rtl="0">
                         <a:lnSpc>
                           <a:spcPct val="115000"/>
                         </a:lnSpc>
@@ -9594,42 +9827,42 @@
                       </a:endParaRPr>
                     </a:p>
                   </a:txBody>
-                  <a:tcPr marT="91425" marB="91425" marR="68575" marL="68575">
-                    <a:lnL cap="flat" cmpd="sng" w="12675">
+                  <a:tcPr marL="68575" marR="68575" marT="91425" marB="91425">
+                    <a:lnL w="12675" cap="flat" cmpd="sng">
                       <a:solidFill>
                         <a:srgbClr val="000000"/>
                       </a:solidFill>
                       <a:prstDash val="solid"/>
                       <a:round/>
-                      <a:headEnd len="sm" w="sm" type="none"/>
-                      <a:tailEnd len="sm" w="sm" type="none"/>
+                      <a:headEnd type="none" w="sm" len="sm"/>
+                      <a:tailEnd type="none" w="sm" len="sm"/>
                     </a:lnL>
-                    <a:lnR cap="flat" cmpd="sng" w="12675">
+                    <a:lnR w="12675" cap="flat" cmpd="sng">
                       <a:solidFill>
                         <a:srgbClr val="000000"/>
                       </a:solidFill>
                       <a:prstDash val="solid"/>
                       <a:round/>
-                      <a:headEnd len="sm" w="sm" type="none"/>
-                      <a:tailEnd len="sm" w="sm" type="none"/>
+                      <a:headEnd type="none" w="sm" len="sm"/>
+                      <a:tailEnd type="none" w="sm" len="sm"/>
                     </a:lnR>
-                    <a:lnT cap="flat" cmpd="sng" w="12675">
+                    <a:lnT w="12675" cap="flat" cmpd="sng">
                       <a:solidFill>
                         <a:srgbClr val="000000"/>
                       </a:solidFill>
                       <a:prstDash val="solid"/>
                       <a:round/>
-                      <a:headEnd len="sm" w="sm" type="none"/>
-                      <a:tailEnd len="sm" w="sm" type="none"/>
+                      <a:headEnd type="none" w="sm" len="sm"/>
+                      <a:tailEnd type="none" w="sm" len="sm"/>
                     </a:lnT>
-                    <a:lnB cap="flat" cmpd="sng" w="12675">
+                    <a:lnB w="12675" cap="flat" cmpd="sng">
                       <a:solidFill>
                         <a:srgbClr val="000000"/>
                       </a:solidFill>
                       <a:prstDash val="solid"/>
                       <a:round/>
-                      <a:headEnd len="sm" w="sm" type="none"/>
-                      <a:tailEnd len="sm" w="sm" type="none"/>
+                      <a:headEnd type="none" w="sm" len="sm"/>
+                      <a:tailEnd type="none" w="sm" len="sm"/>
                     </a:lnB>
                   </a:tcPr>
                 </a:tc>
@@ -9647,11 +9880,11 @@
 </file>
 
 <file path=ppt/slides/slide16.xml><?xml version="1.0" encoding="utf-8"?>
-<p:sld xmlns:a="http://schemas.openxmlformats.org/drawingml/2006/main" xmlns:r="http://schemas.openxmlformats.org/officeDocument/2006/relationships" xmlns:mc="http://schemas.openxmlformats.org/markup-compatibility/2006" xmlns:mv="urn:schemas-microsoft-com:mac:vml" xmlns:p="http://schemas.openxmlformats.org/presentationml/2006/main" xmlns:c="http://schemas.openxmlformats.org/drawingml/2006/chart" xmlns:dgm="http://schemas.openxmlformats.org/drawingml/2006/diagram" xmlns:o="urn:schemas-microsoft-com:office:office" xmlns:v="urn:schemas-microsoft-com:vml" xmlns:pvml="urn:schemas-microsoft-com:office:powerpoint" xmlns:com="http://schemas.openxmlformats.org/drawingml/2006/compatibility" xmlns:p14="http://schemas.microsoft.com/office/powerpoint/2010/main" xmlns:p15="http://schemas.microsoft.com/office/powerpoint/2012/main" xmlns:ahyp="http://schemas.microsoft.com/office/drawing/2018/hyperlinkcolor">
+<p:sld xmlns:a="http://schemas.openxmlformats.org/drawingml/2006/main" xmlns:r="http://schemas.openxmlformats.org/officeDocument/2006/relationships" xmlns:p="http://schemas.openxmlformats.org/presentationml/2006/main">
   <p:cSld>
     <p:spTree>
       <p:nvGrpSpPr>
-        <p:cNvPr id="149" name="Shape 149"/>
+        <p:cNvPr id="1" name="Shape 149"/>
         <p:cNvGrpSpPr/>
         <p:nvPr/>
       </p:nvGrpSpPr>
@@ -9666,7 +9899,9 @@
       <p:sp>
         <p:nvSpPr>
           <p:cNvPr id="150" name="Google Shape;150;p28"/>
-          <p:cNvSpPr txBox="1"/>
+          <p:cNvSpPr txBox="1">
+            <a:spLocks noGrp="1"/>
+          </p:cNvSpPr>
           <p:nvPr>
             <p:ph type="title"/>
           </p:nvPr>
@@ -9681,12 +9916,12 @@
           </a:prstGeom>
         </p:spPr>
         <p:txBody>
-          <a:bodyPr anchorCtr="0" anchor="t" bIns="91425" lIns="91425" spcFirstLastPara="1" rIns="91425" wrap="square" tIns="91425">
+          <a:bodyPr spcFirstLastPara="1" wrap="square" lIns="91425" tIns="91425" rIns="91425" bIns="91425" anchor="t" anchorCtr="0">
             <a:normAutofit fontScale="90000"/>
           </a:bodyPr>
           <a:lstStyle/>
           <a:p>
-            <a:pPr indent="0" lvl="0" marL="0" rtl="0" algn="l">
+            <a:pPr marL="0" lvl="0" indent="0" algn="l" rtl="0">
               <a:spcBef>
                 <a:spcPts val="0"/>
               </a:spcBef>
@@ -9696,7 +9931,7 @@
               <a:buNone/>
             </a:pPr>
             <a:r>
-              <a:rPr b="1" lang="en">
+              <a:rPr lang="en" b="1">
                 <a:solidFill>
                   <a:schemeClr val="accent1"/>
                 </a:solidFill>
@@ -9714,9 +9949,11 @@
       <p:sp>
         <p:nvSpPr>
           <p:cNvPr id="151" name="Google Shape;151;p28"/>
-          <p:cNvSpPr txBox="1"/>
+          <p:cNvSpPr txBox="1">
+            <a:spLocks noGrp="1"/>
+          </p:cNvSpPr>
           <p:nvPr>
-            <p:ph idx="1" type="body"/>
+            <p:ph type="body" idx="1"/>
           </p:nvPr>
         </p:nvSpPr>
         <p:spPr>
@@ -9729,12 +9966,12 @@
           </a:prstGeom>
         </p:spPr>
         <p:txBody>
-          <a:bodyPr anchorCtr="0" anchor="t" bIns="91425" lIns="91425" spcFirstLastPara="1" rIns="91425" wrap="square" tIns="91425">
+          <a:bodyPr spcFirstLastPara="1" wrap="square" lIns="91425" tIns="91425" rIns="91425" bIns="91425" anchor="t" anchorCtr="0">
             <a:normAutofit lnSpcReduction="10000"/>
           </a:bodyPr>
           <a:lstStyle/>
           <a:p>
-            <a:pPr indent="0" lvl="0" marL="0" rtl="0" algn="ctr">
+            <a:pPr marL="0" lvl="0" indent="0" algn="ctr" rtl="0">
               <a:spcBef>
                 <a:spcPts val="0"/>
               </a:spcBef>
@@ -9744,13 +9981,13 @@
               <a:buNone/>
             </a:pPr>
             <a:r>
-              <a:rPr b="1" lang="en"/>
+              <a:rPr lang="en" b="1"/>
               <a:t>The GBC model has the best performance overall with 98% Accuracy, and 97% and 99% recall for 0 (Fin. Stable) and 1 ( Fin. Unstable)</a:t>
             </a:r>
             <a:endParaRPr/>
           </a:p>
           <a:p>
-            <a:pPr indent="-342900" lvl="0" marL="457200" rtl="0" algn="l">
+            <a:pPr marL="457200" lvl="0" indent="-342900" algn="l" rtl="0">
               <a:spcBef>
                 <a:spcPts val="1200"/>
               </a:spcBef>
@@ -9762,16 +9999,12 @@
             </a:pPr>
             <a:r>
               <a:rPr lang="en"/>
-              <a:t>All models perform relatively well when predicting </a:t>
-            </a:r>
-            <a:r>
-              <a:rPr lang="en"/>
-              <a:t>0 (Fin. Stable).     </a:t>
+              <a:t>All models perform relatively well when predicting 0 (Fin. Stable).     </a:t>
             </a:r>
             <a:endParaRPr/>
           </a:p>
           <a:p>
-            <a:pPr indent="-342900" lvl="0" marL="457200" rtl="0" algn="l">
+            <a:pPr marL="457200" lvl="0" indent="-342900" algn="l" rtl="0">
               <a:spcBef>
                 <a:spcPts val="0"/>
               </a:spcBef>
@@ -9786,7 +10019,7 @@
               <a:t>Logistic regression performs the worst out of all the models when predicting </a:t>
             </a:r>
             <a:r>
-              <a:rPr b="1" lang="en"/>
+              <a:rPr lang="en" b="1"/>
               <a:t> </a:t>
             </a:r>
             <a:r>
@@ -9796,7 +10029,7 @@
             <a:endParaRPr/>
           </a:p>
           <a:p>
-            <a:pPr indent="0" lvl="0" marL="0" rtl="0" algn="l">
+            <a:pPr marL="0" lvl="0" indent="0" algn="l" rtl="0">
               <a:spcBef>
                 <a:spcPts val="1200"/>
               </a:spcBef>
@@ -9805,13 +10038,10 @@
               </a:spcAft>
               <a:buNone/>
             </a:pPr>
-            <a:r>
-              <a:t/>
-            </a:r>
             <a:endParaRPr/>
           </a:p>
           <a:p>
-            <a:pPr indent="0" lvl="0" marL="0" rtl="0" algn="l">
+            <a:pPr marL="0" lvl="0" indent="0" algn="l" rtl="0">
               <a:spcBef>
                 <a:spcPts val="1200"/>
               </a:spcBef>
@@ -9820,13 +10050,10 @@
               </a:spcAft>
               <a:buNone/>
             </a:pPr>
-            <a:r>
-              <a:t/>
-            </a:r>
             <a:endParaRPr sz="1100"/>
           </a:p>
           <a:p>
-            <a:pPr indent="-342900" lvl="0" marL="457200" rtl="0" algn="l">
+            <a:pPr marL="457200" lvl="0" indent="-342900" algn="l" rtl="0">
               <a:spcBef>
                 <a:spcPts val="1200"/>
               </a:spcBef>
@@ -9837,16 +10064,12 @@
               <a:buChar char="●"/>
             </a:pPr>
             <a:r>
-              <a:rPr b="1" lang="en"/>
+              <a:rPr lang="en" b="1"/>
               <a:t>Future work:</a:t>
             </a:r>
             <a:r>
               <a:rPr lang="en"/>
-              <a:t> modeling with Corporate Governance Indicators(CGI) </a:t>
-            </a:r>
-            <a:r>
-              <a:rPr lang="en"/>
-              <a:t>alongside with financial ratios</a:t>
+              <a:t> modeling with Corporate Governance Indicators(CGI) alongside with financial ratios</a:t>
             </a:r>
             <a:endParaRPr/>
           </a:p>
@@ -9861,11 +10084,11 @@
 </file>
 
 <file path=ppt/slides/slide2.xml><?xml version="1.0" encoding="utf-8"?>
-<p:sld xmlns:a="http://schemas.openxmlformats.org/drawingml/2006/main" xmlns:r="http://schemas.openxmlformats.org/officeDocument/2006/relationships" xmlns:mc="http://schemas.openxmlformats.org/markup-compatibility/2006" xmlns:mv="urn:schemas-microsoft-com:mac:vml" xmlns:p="http://schemas.openxmlformats.org/presentationml/2006/main" xmlns:c="http://schemas.openxmlformats.org/drawingml/2006/chart" xmlns:dgm="http://schemas.openxmlformats.org/drawingml/2006/diagram" xmlns:o="urn:schemas-microsoft-com:office:office" xmlns:v="urn:schemas-microsoft-com:vml" xmlns:pvml="urn:schemas-microsoft-com:office:powerpoint" xmlns:com="http://schemas.openxmlformats.org/drawingml/2006/compatibility" xmlns:p14="http://schemas.microsoft.com/office/powerpoint/2010/main" xmlns:p15="http://schemas.microsoft.com/office/powerpoint/2012/main" xmlns:ahyp="http://schemas.microsoft.com/office/drawing/2018/hyperlinkcolor">
+<p:sld xmlns:a="http://schemas.openxmlformats.org/drawingml/2006/main" xmlns:r="http://schemas.openxmlformats.org/officeDocument/2006/relationships" xmlns:p="http://schemas.openxmlformats.org/presentationml/2006/main">
   <p:cSld>
     <p:spTree>
       <p:nvGrpSpPr>
-        <p:cNvPr id="59" name="Shape 59"/>
+        <p:cNvPr id="1" name="Shape 59"/>
         <p:cNvGrpSpPr/>
         <p:nvPr/>
       </p:nvGrpSpPr>
@@ -9880,7 +10103,9 @@
       <p:sp>
         <p:nvSpPr>
           <p:cNvPr id="60" name="Google Shape;60;p14"/>
-          <p:cNvSpPr txBox="1"/>
+          <p:cNvSpPr txBox="1">
+            <a:spLocks noGrp="1"/>
+          </p:cNvSpPr>
           <p:nvPr>
             <p:ph type="title"/>
           </p:nvPr>
@@ -9895,12 +10120,12 @@
           </a:prstGeom>
         </p:spPr>
         <p:txBody>
-          <a:bodyPr anchorCtr="0" anchor="t" bIns="91425" lIns="91425" spcFirstLastPara="1" rIns="91425" wrap="square" tIns="91425">
+          <a:bodyPr spcFirstLastPara="1" wrap="square" lIns="91425" tIns="91425" rIns="91425" bIns="91425" anchor="t" anchorCtr="0">
             <a:normAutofit fontScale="90000"/>
           </a:bodyPr>
           <a:lstStyle/>
           <a:p>
-            <a:pPr indent="0" lvl="0" marL="0" rtl="0" algn="l">
+            <a:pPr marL="0" lvl="0" indent="0" algn="l" rtl="0">
               <a:spcBef>
                 <a:spcPts val="0"/>
               </a:spcBef>
@@ -9920,9 +10145,11 @@
       <p:sp>
         <p:nvSpPr>
           <p:cNvPr id="61" name="Google Shape;61;p14"/>
-          <p:cNvSpPr txBox="1"/>
+          <p:cNvSpPr txBox="1">
+            <a:spLocks noGrp="1"/>
+          </p:cNvSpPr>
           <p:nvPr>
-            <p:ph idx="1" type="body"/>
+            <p:ph type="body" idx="1"/>
           </p:nvPr>
         </p:nvSpPr>
         <p:spPr>
@@ -9935,12 +10162,12 @@
           </a:prstGeom>
         </p:spPr>
         <p:txBody>
-          <a:bodyPr anchorCtr="0" anchor="t" bIns="91425" lIns="91425" spcFirstLastPara="1" rIns="91425" wrap="square" tIns="91425">
+          <a:bodyPr spcFirstLastPara="1" wrap="square" lIns="91425" tIns="91425" rIns="91425" bIns="91425" anchor="t" anchorCtr="0">
             <a:normAutofit/>
           </a:bodyPr>
           <a:lstStyle/>
           <a:p>
-            <a:pPr indent="0" lvl="0" marL="0" rtl="0" algn="l">
+            <a:pPr marL="0" lvl="0" indent="0" algn="l" rtl="0">
               <a:spcBef>
                 <a:spcPts val="0"/>
               </a:spcBef>
@@ -9955,17 +10182,17 @@
               <a:buNone/>
             </a:pPr>
             <a:r>
-              <a:rPr b="1" lang="en" u="sng"/>
+              <a:rPr lang="en" b="1" u="sng" dirty="0"/>
               <a:t>Objective</a:t>
             </a:r>
             <a:r>
-              <a:rPr lang="en"/>
+              <a:rPr lang="en" dirty="0"/>
               <a:t>: Identify which features contributes to the bankruptcy of a company</a:t>
             </a:r>
-            <a:endParaRPr sz="559"/>
+            <a:endParaRPr sz="559" dirty="0"/>
           </a:p>
           <a:p>
-            <a:pPr indent="0" lvl="0" marL="0" rtl="0" algn="l">
+            <a:pPr marL="0" lvl="0" indent="0" algn="l" rtl="0">
               <a:spcBef>
                 <a:spcPts val="1200"/>
               </a:spcBef>
@@ -9980,17 +10207,21 @@
               <a:buNone/>
             </a:pPr>
             <a:r>
-              <a:rPr b="1" lang="en" u="sng"/>
+              <a:rPr lang="en" b="1" u="sng" dirty="0"/>
               <a:t>The Data</a:t>
             </a:r>
             <a:r>
               <a:rPr lang="en"/>
-              <a:t>: CTG data with fetal health classified by three expert obstetricians</a:t>
+              <a:t>: </a:t>
             </a:r>
-            <a:endParaRPr/>
+            <a:r>
+              <a:rPr lang="en" smtClean="0"/>
+              <a:t>Data collected from the Taiwan Economic Journal for the Years 1999-2009</a:t>
+            </a:r>
+            <a:endParaRPr dirty="0"/>
           </a:p>
           <a:p>
-            <a:pPr indent="-342900" lvl="0" marL="457200" rtl="0" algn="l">
+            <a:pPr marL="457200" lvl="0" indent="-342900" algn="l" rtl="0">
               <a:spcBef>
                 <a:spcPts val="1200"/>
               </a:spcBef>
@@ -10001,17 +10232,17 @@
               <a:buChar char="●"/>
             </a:pPr>
             <a:r>
-              <a:rPr b="1" lang="en"/>
+              <a:rPr lang="en" b="1" dirty="0"/>
               <a:t>Source</a:t>
             </a:r>
             <a:r>
-              <a:rPr lang="en"/>
+              <a:rPr lang="en" dirty="0"/>
               <a:t>: https://www.kaggle.com/fedesoriano/company-bankruptcy-prediction</a:t>
             </a:r>
-            <a:endParaRPr/>
+            <a:endParaRPr dirty="0"/>
           </a:p>
           <a:p>
-            <a:pPr indent="-342900" lvl="0" marL="457200" rtl="0" algn="l">
+            <a:pPr marL="457200" lvl="0" indent="-342900" algn="l" rtl="0">
               <a:spcBef>
                 <a:spcPts val="0"/>
               </a:spcBef>
@@ -10022,17 +10253,17 @@
               <a:buChar char="●"/>
             </a:pPr>
             <a:r>
-              <a:rPr b="1" lang="en"/>
+              <a:rPr lang="en" b="1" dirty="0"/>
               <a:t>Size</a:t>
             </a:r>
             <a:r>
-              <a:rPr lang="en"/>
+              <a:rPr lang="en" dirty="0"/>
               <a:t>: 6819 samples</a:t>
             </a:r>
-            <a:endParaRPr/>
+            <a:endParaRPr dirty="0"/>
           </a:p>
           <a:p>
-            <a:pPr indent="-342900" lvl="0" marL="457200" rtl="0" algn="l">
+            <a:pPr marL="457200" lvl="0" indent="-342900" algn="l" rtl="0">
               <a:spcBef>
                 <a:spcPts val="0"/>
               </a:spcBef>
@@ -10043,17 +10274,17 @@
               <a:buChar char="●"/>
             </a:pPr>
             <a:r>
-              <a:rPr b="1" lang="en"/>
+              <a:rPr lang="en" b="1" dirty="0"/>
               <a:t>Features</a:t>
             </a:r>
             <a:r>
-              <a:rPr lang="en"/>
+              <a:rPr lang="en" dirty="0"/>
               <a:t>: 96 predictor variables, 1 response variable (Bankruptcy)</a:t>
             </a:r>
-            <a:endParaRPr/>
+            <a:endParaRPr dirty="0"/>
           </a:p>
           <a:p>
-            <a:pPr indent="-317500" lvl="1" marL="914400" rtl="0" algn="l">
+            <a:pPr marL="914400" lvl="1" indent="-317500" algn="l" rtl="0">
               <a:spcBef>
                 <a:spcPts val="0"/>
               </a:spcBef>
@@ -10064,13 +10295,13 @@
               <a:buChar char="○"/>
             </a:pPr>
             <a:r>
-              <a:rPr lang="en"/>
+              <a:rPr lang="en" dirty="0"/>
               <a:t>1- Bankrupt</a:t>
             </a:r>
-            <a:endParaRPr/>
+            <a:endParaRPr dirty="0"/>
           </a:p>
           <a:p>
-            <a:pPr indent="-317500" lvl="1" marL="914400" rtl="0" algn="l">
+            <a:pPr marL="914400" lvl="1" indent="-317500" algn="l" rtl="0">
               <a:spcBef>
                 <a:spcPts val="0"/>
               </a:spcBef>
@@ -10081,10 +10312,10 @@
               <a:buChar char="○"/>
             </a:pPr>
             <a:r>
-              <a:rPr lang="en"/>
+              <a:rPr lang="en" dirty="0"/>
               <a:t>0- Non Bankrupt</a:t>
             </a:r>
-            <a:endParaRPr b="1"/>
+            <a:endParaRPr b="1" dirty="0"/>
           </a:p>
         </p:txBody>
       </p:sp>
@@ -10093,15 +10324,22 @@
   <p:clrMapOvr>
     <a:masterClrMapping/>
   </p:clrMapOvr>
+  <p:timing>
+    <p:tnLst>
+      <p:par>
+        <p:cTn id="1" dur="indefinite" restart="never" nodeType="tmRoot"/>
+      </p:par>
+    </p:tnLst>
+  </p:timing>
 </p:sld>
 </file>
 
 <file path=ppt/slides/slide3.xml><?xml version="1.0" encoding="utf-8"?>
-<p:sld xmlns:a="http://schemas.openxmlformats.org/drawingml/2006/main" xmlns:r="http://schemas.openxmlformats.org/officeDocument/2006/relationships" xmlns:mc="http://schemas.openxmlformats.org/markup-compatibility/2006" xmlns:mv="urn:schemas-microsoft-com:mac:vml" xmlns:p="http://schemas.openxmlformats.org/presentationml/2006/main" xmlns:c="http://schemas.openxmlformats.org/drawingml/2006/chart" xmlns:dgm="http://schemas.openxmlformats.org/drawingml/2006/diagram" xmlns:o="urn:schemas-microsoft-com:office:office" xmlns:v="urn:schemas-microsoft-com:vml" xmlns:pvml="urn:schemas-microsoft-com:office:powerpoint" xmlns:com="http://schemas.openxmlformats.org/drawingml/2006/compatibility" xmlns:p14="http://schemas.microsoft.com/office/powerpoint/2010/main" xmlns:p15="http://schemas.microsoft.com/office/powerpoint/2012/main" xmlns:ahyp="http://schemas.microsoft.com/office/drawing/2018/hyperlinkcolor">
+<p:sld xmlns:a="http://schemas.openxmlformats.org/drawingml/2006/main" xmlns:r="http://schemas.openxmlformats.org/officeDocument/2006/relationships" xmlns:p="http://schemas.openxmlformats.org/presentationml/2006/main">
   <p:cSld>
     <p:spTree>
       <p:nvGrpSpPr>
-        <p:cNvPr id="65" name="Shape 65"/>
+        <p:cNvPr id="1" name="Shape 65"/>
         <p:cNvGrpSpPr/>
         <p:nvPr/>
       </p:nvGrpSpPr>
@@ -10116,7 +10354,9 @@
       <p:sp>
         <p:nvSpPr>
           <p:cNvPr id="66" name="Google Shape;66;p15"/>
-          <p:cNvSpPr txBox="1"/>
+          <p:cNvSpPr txBox="1">
+            <a:spLocks noGrp="1"/>
+          </p:cNvSpPr>
           <p:nvPr>
             <p:ph type="title"/>
           </p:nvPr>
@@ -10131,12 +10371,12 @@
           </a:prstGeom>
         </p:spPr>
         <p:txBody>
-          <a:bodyPr anchorCtr="0" anchor="t" bIns="91425" lIns="91425" spcFirstLastPara="1" rIns="91425" wrap="square" tIns="91425">
+          <a:bodyPr spcFirstLastPara="1" wrap="square" lIns="91425" tIns="91425" rIns="91425" bIns="91425" anchor="t" anchorCtr="0">
             <a:normAutofit fontScale="90000"/>
           </a:bodyPr>
           <a:lstStyle/>
           <a:p>
-            <a:pPr indent="0" lvl="0" marL="0" rtl="0" algn="l">
+            <a:pPr marL="0" lvl="0" indent="0" algn="l" rtl="0">
               <a:spcBef>
                 <a:spcPts val="0"/>
               </a:spcBef>
@@ -10146,7 +10386,7 @@
               <a:buNone/>
             </a:pPr>
             <a:r>
-              <a:rPr b="1" lang="en">
+              <a:rPr lang="en" b="1">
                 <a:solidFill>
                   <a:schemeClr val="accent1"/>
                 </a:solidFill>
@@ -10164,9 +10404,11 @@
       <p:sp>
         <p:nvSpPr>
           <p:cNvPr id="67" name="Google Shape;67;p15"/>
-          <p:cNvSpPr txBox="1"/>
+          <p:cNvSpPr txBox="1">
+            <a:spLocks noGrp="1"/>
+          </p:cNvSpPr>
           <p:nvPr>
-            <p:ph idx="1" type="body"/>
+            <p:ph type="body" idx="1"/>
           </p:nvPr>
         </p:nvSpPr>
         <p:spPr>
@@ -10179,12 +10421,12 @@
           </a:prstGeom>
         </p:spPr>
         <p:txBody>
-          <a:bodyPr anchorCtr="0" anchor="t" bIns="91425" lIns="91425" spcFirstLastPara="1" rIns="91425" wrap="square" tIns="91425">
+          <a:bodyPr spcFirstLastPara="1" wrap="square" lIns="91425" tIns="91425" rIns="91425" bIns="91425" anchor="t" anchorCtr="0">
             <a:normAutofit/>
           </a:bodyPr>
           <a:lstStyle/>
           <a:p>
-            <a:pPr indent="-342900" lvl="0" marL="457200" rtl="0" algn="l">
+            <a:pPr marL="457200" lvl="0" indent="-342900" algn="l" rtl="0">
               <a:spcBef>
                 <a:spcPts val="0"/>
               </a:spcBef>
@@ -10201,7 +10443,7 @@
             <a:endParaRPr/>
           </a:p>
           <a:p>
-            <a:pPr indent="-342900" lvl="0" marL="457200" rtl="0" algn="l">
+            <a:pPr marL="457200" lvl="0" indent="-342900" algn="l" rtl="0">
               <a:spcBef>
                 <a:spcPts val="0"/>
               </a:spcBef>
@@ -10218,7 +10460,7 @@
             <a:endParaRPr/>
           </a:p>
           <a:p>
-            <a:pPr indent="-342900" lvl="0" marL="457200" rtl="0" algn="l">
+            <a:pPr marL="457200" lvl="0" indent="-342900" algn="l" rtl="0">
               <a:spcBef>
                 <a:spcPts val="0"/>
               </a:spcBef>
@@ -10235,7 +10477,7 @@
             <a:endParaRPr/>
           </a:p>
           <a:p>
-            <a:pPr indent="-317500" lvl="1" marL="914400" rtl="0" algn="l">
+            <a:pPr marL="914400" lvl="1" indent="-317500" algn="l" rtl="0">
               <a:spcBef>
                 <a:spcPts val="0"/>
               </a:spcBef>
@@ -10252,7 +10494,7 @@
             <a:endParaRPr/>
           </a:p>
           <a:p>
-            <a:pPr indent="-317500" lvl="1" marL="914400" rtl="0" algn="l">
+            <a:pPr marL="914400" lvl="1" indent="-317500" algn="l" rtl="0">
               <a:spcBef>
                 <a:spcPts val="0"/>
               </a:spcBef>
@@ -10269,7 +10511,7 @@
             <a:endParaRPr/>
           </a:p>
           <a:p>
-            <a:pPr indent="-317500" lvl="1" marL="914400" rtl="0" algn="l">
+            <a:pPr marL="914400" lvl="1" indent="-317500" algn="l" rtl="0">
               <a:spcBef>
                 <a:spcPts val="0"/>
               </a:spcBef>
@@ -10286,7 +10528,7 @@
             <a:endParaRPr/>
           </a:p>
           <a:p>
-            <a:pPr indent="-317500" lvl="1" marL="914400" rtl="0" algn="l">
+            <a:pPr marL="914400" lvl="1" indent="-317500" algn="l" rtl="0">
               <a:spcBef>
                 <a:spcPts val="0"/>
               </a:spcBef>
@@ -10303,7 +10545,7 @@
             <a:endParaRPr/>
           </a:p>
           <a:p>
-            <a:pPr indent="-342900" lvl="0" marL="457200" rtl="0" algn="l">
+            <a:pPr marL="457200" lvl="0" indent="-342900" algn="l" rtl="0">
               <a:spcBef>
                 <a:spcPts val="0"/>
               </a:spcBef>
@@ -10326,15 +10568,22 @@
   <p:clrMapOvr>
     <a:masterClrMapping/>
   </p:clrMapOvr>
+  <p:timing>
+    <p:tnLst>
+      <p:par>
+        <p:cTn id="1" dur="indefinite" restart="never" nodeType="tmRoot"/>
+      </p:par>
+    </p:tnLst>
+  </p:timing>
 </p:sld>
 </file>
 
 <file path=ppt/slides/slide4.xml><?xml version="1.0" encoding="utf-8"?>
-<p:sld xmlns:a="http://schemas.openxmlformats.org/drawingml/2006/main" xmlns:r="http://schemas.openxmlformats.org/officeDocument/2006/relationships" xmlns:mc="http://schemas.openxmlformats.org/markup-compatibility/2006" xmlns:mv="urn:schemas-microsoft-com:mac:vml" xmlns:p="http://schemas.openxmlformats.org/presentationml/2006/main" xmlns:c="http://schemas.openxmlformats.org/drawingml/2006/chart" xmlns:dgm="http://schemas.openxmlformats.org/drawingml/2006/diagram" xmlns:o="urn:schemas-microsoft-com:office:office" xmlns:v="urn:schemas-microsoft-com:vml" xmlns:pvml="urn:schemas-microsoft-com:office:powerpoint" xmlns:com="http://schemas.openxmlformats.org/drawingml/2006/compatibility" xmlns:p14="http://schemas.microsoft.com/office/powerpoint/2010/main" xmlns:p15="http://schemas.microsoft.com/office/powerpoint/2012/main" xmlns:ahyp="http://schemas.microsoft.com/office/drawing/2018/hyperlinkcolor">
+<p:sld xmlns:a="http://schemas.openxmlformats.org/drawingml/2006/main" xmlns:r="http://schemas.openxmlformats.org/officeDocument/2006/relationships" xmlns:p="http://schemas.openxmlformats.org/presentationml/2006/main">
   <p:cSld>
     <p:spTree>
       <p:nvGrpSpPr>
-        <p:cNvPr id="71" name="Shape 71"/>
+        <p:cNvPr id="1" name="Shape 71"/>
         <p:cNvGrpSpPr/>
         <p:nvPr/>
       </p:nvGrpSpPr>
@@ -10349,7 +10598,9 @@
       <p:sp>
         <p:nvSpPr>
           <p:cNvPr id="72" name="Google Shape;72;p16"/>
-          <p:cNvSpPr txBox="1"/>
+          <p:cNvSpPr txBox="1">
+            <a:spLocks noGrp="1"/>
+          </p:cNvSpPr>
           <p:nvPr>
             <p:ph type="title"/>
           </p:nvPr>
@@ -10364,12 +10615,12 @@
           </a:prstGeom>
         </p:spPr>
         <p:txBody>
-          <a:bodyPr anchorCtr="0" anchor="t" bIns="91425" lIns="91425" spcFirstLastPara="1" rIns="91425" wrap="square" tIns="91425">
+          <a:bodyPr spcFirstLastPara="1" wrap="square" lIns="91425" tIns="91425" rIns="91425" bIns="91425" anchor="t" anchorCtr="0">
             <a:normAutofit fontScale="90000"/>
           </a:bodyPr>
           <a:lstStyle/>
           <a:p>
-            <a:pPr indent="0" lvl="0" marL="0" rtl="0" algn="l">
+            <a:pPr marL="0" lvl="0" indent="0" algn="l" rtl="0">
               <a:spcBef>
                 <a:spcPts val="0"/>
               </a:spcBef>
@@ -10379,7 +10630,7 @@
               <a:buNone/>
             </a:pPr>
             <a:r>
-              <a:rPr b="1" lang="en">
+              <a:rPr lang="en" b="1">
                 <a:solidFill>
                   <a:schemeClr val="accent1"/>
                 </a:solidFill>
@@ -10397,9 +10648,11 @@
       <p:sp>
         <p:nvSpPr>
           <p:cNvPr id="73" name="Google Shape;73;p16"/>
-          <p:cNvSpPr txBox="1"/>
+          <p:cNvSpPr txBox="1">
+            <a:spLocks noGrp="1"/>
+          </p:cNvSpPr>
           <p:nvPr>
-            <p:ph idx="1" type="body"/>
+            <p:ph type="body" idx="1"/>
           </p:nvPr>
         </p:nvSpPr>
         <p:spPr>
@@ -10412,12 +10665,12 @@
           </a:prstGeom>
         </p:spPr>
         <p:txBody>
-          <a:bodyPr anchorCtr="0" anchor="t" bIns="91425" lIns="91425" spcFirstLastPara="1" rIns="91425" wrap="square" tIns="91425">
-            <a:normAutofit/>
+          <a:bodyPr spcFirstLastPara="1" wrap="square" lIns="91425" tIns="91425" rIns="91425" bIns="91425" anchor="t" anchorCtr="0">
+            <a:normAutofit lnSpcReduction="10000"/>
           </a:bodyPr>
           <a:lstStyle/>
           <a:p>
-            <a:pPr indent="0" lvl="0" marL="0" rtl="0" algn="ctr">
+            <a:pPr marL="0" lvl="0" indent="0" algn="ctr" rtl="0">
               <a:spcBef>
                 <a:spcPts val="0"/>
               </a:spcBef>
@@ -10427,7 +10680,7 @@
               <a:buNone/>
             </a:pPr>
             <a:r>
-              <a:rPr b="1" lang="en"/>
+              <a:rPr lang="en" b="1"/>
               <a:t>Imbalanced Dataset</a:t>
             </a:r>
             <a:endParaRPr b="1"/>
@@ -10437,9 +10690,11 @@
       <p:sp>
         <p:nvSpPr>
           <p:cNvPr id="74" name="Google Shape;74;p16"/>
-          <p:cNvSpPr txBox="1"/>
+          <p:cNvSpPr txBox="1">
+            <a:spLocks noGrp="1"/>
+          </p:cNvSpPr>
           <p:nvPr>
-            <p:ph idx="1" type="body"/>
+            <p:ph type="body" idx="1"/>
           </p:nvPr>
         </p:nvSpPr>
         <p:spPr>
@@ -10452,12 +10707,12 @@
           </a:prstGeom>
         </p:spPr>
         <p:txBody>
-          <a:bodyPr anchorCtr="0" anchor="t" bIns="91425" lIns="91425" spcFirstLastPara="1" rIns="91425" wrap="square" tIns="91425">
-            <a:normAutofit/>
+          <a:bodyPr spcFirstLastPara="1" wrap="square" lIns="91425" tIns="91425" rIns="91425" bIns="91425" anchor="t" anchorCtr="0">
+            <a:normAutofit lnSpcReduction="10000"/>
           </a:bodyPr>
           <a:lstStyle/>
           <a:p>
-            <a:pPr indent="0" lvl="0" marL="0" rtl="0" algn="ctr">
+            <a:pPr marL="0" lvl="0" indent="0" algn="ctr" rtl="0">
               <a:spcBef>
                 <a:spcPts val="0"/>
               </a:spcBef>
@@ -10467,7 +10722,7 @@
               <a:buNone/>
             </a:pPr>
             <a:r>
-              <a:rPr b="1" lang="en"/>
+              <a:rPr lang="en" b="1"/>
               <a:t>Observing the Outliers</a:t>
             </a:r>
             <a:endParaRPr b="1"/>
@@ -10535,15 +10790,22 @@
   <p:clrMapOvr>
     <a:masterClrMapping/>
   </p:clrMapOvr>
+  <p:timing>
+    <p:tnLst>
+      <p:par>
+        <p:cTn id="1" dur="indefinite" restart="never" nodeType="tmRoot"/>
+      </p:par>
+    </p:tnLst>
+  </p:timing>
 </p:sld>
 </file>
 
 <file path=ppt/slides/slide5.xml><?xml version="1.0" encoding="utf-8"?>
-<p:sld xmlns:a="http://schemas.openxmlformats.org/drawingml/2006/main" xmlns:r="http://schemas.openxmlformats.org/officeDocument/2006/relationships" xmlns:mc="http://schemas.openxmlformats.org/markup-compatibility/2006" xmlns:mv="urn:schemas-microsoft-com:mac:vml" xmlns:p="http://schemas.openxmlformats.org/presentationml/2006/main" xmlns:c="http://schemas.openxmlformats.org/drawingml/2006/chart" xmlns:dgm="http://schemas.openxmlformats.org/drawingml/2006/diagram" xmlns:o="urn:schemas-microsoft-com:office:office" xmlns:v="urn:schemas-microsoft-com:vml" xmlns:pvml="urn:schemas-microsoft-com:office:powerpoint" xmlns:com="http://schemas.openxmlformats.org/drawingml/2006/compatibility" xmlns:p14="http://schemas.microsoft.com/office/powerpoint/2010/main" xmlns:p15="http://schemas.microsoft.com/office/powerpoint/2012/main" xmlns:ahyp="http://schemas.microsoft.com/office/drawing/2018/hyperlinkcolor">
+<p:sld xmlns:a="http://schemas.openxmlformats.org/drawingml/2006/main" xmlns:r="http://schemas.openxmlformats.org/officeDocument/2006/relationships" xmlns:p="http://schemas.openxmlformats.org/presentationml/2006/main">
   <p:cSld>
     <p:spTree>
       <p:nvGrpSpPr>
-        <p:cNvPr id="80" name="Shape 80"/>
+        <p:cNvPr id="1" name="Shape 80"/>
         <p:cNvGrpSpPr/>
         <p:nvPr/>
       </p:nvGrpSpPr>
@@ -10558,7 +10820,9 @@
       <p:sp>
         <p:nvSpPr>
           <p:cNvPr id="81" name="Google Shape;81;p17"/>
-          <p:cNvSpPr txBox="1"/>
+          <p:cNvSpPr txBox="1">
+            <a:spLocks noGrp="1"/>
+          </p:cNvSpPr>
           <p:nvPr>
             <p:ph type="title"/>
           </p:nvPr>
@@ -10573,12 +10837,12 @@
           </a:prstGeom>
         </p:spPr>
         <p:txBody>
-          <a:bodyPr anchorCtr="0" anchor="t" bIns="91425" lIns="91425" spcFirstLastPara="1" rIns="91425" wrap="square" tIns="91425">
+          <a:bodyPr spcFirstLastPara="1" wrap="square" lIns="91425" tIns="91425" rIns="91425" bIns="91425" anchor="t" anchorCtr="0">
             <a:normAutofit fontScale="90000"/>
           </a:bodyPr>
           <a:lstStyle/>
           <a:p>
-            <a:pPr indent="0" lvl="0" marL="0" rtl="0" algn="l">
+            <a:pPr marL="0" lvl="0" indent="0" algn="l" rtl="0">
               <a:spcBef>
                 <a:spcPts val="0"/>
               </a:spcBef>
@@ -10588,7 +10852,7 @@
               <a:buNone/>
             </a:pPr>
             <a:r>
-              <a:rPr b="1" lang="en">
+              <a:rPr lang="en" b="1">
                 <a:solidFill>
                   <a:schemeClr val="accent1"/>
                 </a:solidFill>
@@ -10613,7 +10877,7 @@
           <a:blip r:embed="rId3">
             <a:alphaModFix/>
           </a:blip>
-          <a:srcRect b="9365" l="11062" r="11580" t="16307"/>
+          <a:srcRect l="11062" t="16307" r="11580" b="9365"/>
           <a:stretch/>
         </p:blipFill>
         <p:spPr>
@@ -10661,9 +10925,11 @@
       <p:sp>
         <p:nvSpPr>
           <p:cNvPr id="84" name="Google Shape;84;p17"/>
-          <p:cNvSpPr txBox="1"/>
+          <p:cNvSpPr txBox="1">
+            <a:spLocks noGrp="1"/>
+          </p:cNvSpPr>
           <p:nvPr>
-            <p:ph idx="1" type="body"/>
+            <p:ph type="body" idx="1"/>
           </p:nvPr>
         </p:nvSpPr>
         <p:spPr>
@@ -10676,12 +10942,12 @@
           </a:prstGeom>
         </p:spPr>
         <p:txBody>
-          <a:bodyPr anchorCtr="0" anchor="t" bIns="91425" lIns="91425" spcFirstLastPara="1" rIns="91425" wrap="square" tIns="91425">
-            <a:normAutofit/>
+          <a:bodyPr spcFirstLastPara="1" wrap="square" lIns="91425" tIns="91425" rIns="91425" bIns="91425" anchor="t" anchorCtr="0">
+            <a:normAutofit lnSpcReduction="10000"/>
           </a:bodyPr>
           <a:lstStyle/>
           <a:p>
-            <a:pPr indent="0" lvl="0" marL="0" rtl="0" algn="ctr">
+            <a:pPr marL="0" lvl="0" indent="0" algn="ctr" rtl="0">
               <a:spcBef>
                 <a:spcPts val="0"/>
               </a:spcBef>
@@ -10691,7 +10957,7 @@
               <a:buNone/>
             </a:pPr>
             <a:r>
-              <a:rPr b="1" lang="en"/>
+              <a:rPr lang="en" b="1"/>
               <a:t>Min/Max Normalization</a:t>
             </a:r>
             <a:endParaRPr b="1"/>
@@ -10701,9 +10967,11 @@
       <p:sp>
         <p:nvSpPr>
           <p:cNvPr id="85" name="Google Shape;85;p17"/>
-          <p:cNvSpPr txBox="1"/>
+          <p:cNvSpPr txBox="1">
+            <a:spLocks noGrp="1"/>
+          </p:cNvSpPr>
           <p:nvPr>
-            <p:ph idx="1" type="body"/>
+            <p:ph type="body" idx="1"/>
           </p:nvPr>
         </p:nvSpPr>
         <p:spPr>
@@ -10716,12 +10984,12 @@
           </a:prstGeom>
         </p:spPr>
         <p:txBody>
-          <a:bodyPr anchorCtr="0" anchor="t" bIns="91425" lIns="91425" spcFirstLastPara="1" rIns="91425" wrap="square" tIns="91425">
-            <a:normAutofit/>
+          <a:bodyPr spcFirstLastPara="1" wrap="square" lIns="91425" tIns="91425" rIns="91425" bIns="91425" anchor="t" anchorCtr="0">
+            <a:normAutofit lnSpcReduction="10000"/>
           </a:bodyPr>
           <a:lstStyle/>
           <a:p>
-            <a:pPr indent="0" lvl="0" marL="0" rtl="0" algn="ctr">
+            <a:pPr marL="0" lvl="0" indent="0" algn="ctr" rtl="0">
               <a:spcBef>
                 <a:spcPts val="0"/>
               </a:spcBef>
@@ -10731,7 +10999,7 @@
               <a:buNone/>
             </a:pPr>
             <a:r>
-              <a:rPr b="1" lang="en"/>
+              <a:rPr lang="en" b="1"/>
               <a:t>Capping Outliers</a:t>
             </a:r>
             <a:endParaRPr b="1"/>
@@ -10743,15 +11011,22 @@
   <p:clrMapOvr>
     <a:masterClrMapping/>
   </p:clrMapOvr>
+  <p:timing>
+    <p:tnLst>
+      <p:par>
+        <p:cTn id="1" dur="indefinite" restart="never" nodeType="tmRoot"/>
+      </p:par>
+    </p:tnLst>
+  </p:timing>
 </p:sld>
 </file>
 
 <file path=ppt/slides/slide6.xml><?xml version="1.0" encoding="utf-8"?>
-<p:sld xmlns:a="http://schemas.openxmlformats.org/drawingml/2006/main" xmlns:r="http://schemas.openxmlformats.org/officeDocument/2006/relationships" xmlns:mc="http://schemas.openxmlformats.org/markup-compatibility/2006" xmlns:mv="urn:schemas-microsoft-com:mac:vml" xmlns:p="http://schemas.openxmlformats.org/presentationml/2006/main" xmlns:c="http://schemas.openxmlformats.org/drawingml/2006/chart" xmlns:dgm="http://schemas.openxmlformats.org/drawingml/2006/diagram" xmlns:o="urn:schemas-microsoft-com:office:office" xmlns:v="urn:schemas-microsoft-com:vml" xmlns:pvml="urn:schemas-microsoft-com:office:powerpoint" xmlns:com="http://schemas.openxmlformats.org/drawingml/2006/compatibility" xmlns:p14="http://schemas.microsoft.com/office/powerpoint/2010/main" xmlns:p15="http://schemas.microsoft.com/office/powerpoint/2012/main" xmlns:ahyp="http://schemas.microsoft.com/office/drawing/2018/hyperlinkcolor">
+<p:sld xmlns:a="http://schemas.openxmlformats.org/drawingml/2006/main" xmlns:r="http://schemas.openxmlformats.org/officeDocument/2006/relationships" xmlns:p="http://schemas.openxmlformats.org/presentationml/2006/main">
   <p:cSld>
     <p:spTree>
       <p:nvGrpSpPr>
-        <p:cNvPr id="89" name="Shape 89"/>
+        <p:cNvPr id="1" name="Shape 89"/>
         <p:cNvGrpSpPr/>
         <p:nvPr/>
       </p:nvGrpSpPr>
@@ -10766,7 +11041,9 @@
       <p:sp>
         <p:nvSpPr>
           <p:cNvPr id="90" name="Google Shape;90;p18"/>
-          <p:cNvSpPr txBox="1"/>
+          <p:cNvSpPr txBox="1">
+            <a:spLocks noGrp="1"/>
+          </p:cNvSpPr>
           <p:nvPr>
             <p:ph type="title"/>
           </p:nvPr>
@@ -10781,12 +11058,12 @@
           </a:prstGeom>
         </p:spPr>
         <p:txBody>
-          <a:bodyPr anchorCtr="0" anchor="t" bIns="91425" lIns="91425" spcFirstLastPara="1" rIns="91425" wrap="square" tIns="91425">
+          <a:bodyPr spcFirstLastPara="1" wrap="square" lIns="91425" tIns="91425" rIns="91425" bIns="91425" anchor="t" anchorCtr="0">
             <a:normAutofit fontScale="90000"/>
           </a:bodyPr>
           <a:lstStyle/>
           <a:p>
-            <a:pPr indent="0" lvl="0" marL="0" rtl="0" algn="l">
+            <a:pPr marL="0" lvl="0" indent="0" algn="l" rtl="0">
               <a:spcBef>
                 <a:spcPts val="0"/>
               </a:spcBef>
@@ -10814,9 +11091,11 @@
       <p:sp>
         <p:nvSpPr>
           <p:cNvPr id="91" name="Google Shape;91;p18"/>
-          <p:cNvSpPr txBox="1"/>
+          <p:cNvSpPr txBox="1">
+            <a:spLocks noGrp="1"/>
+          </p:cNvSpPr>
           <p:nvPr>
-            <p:ph idx="1" type="body"/>
+            <p:ph type="body" idx="1"/>
           </p:nvPr>
         </p:nvSpPr>
         <p:spPr>
@@ -10829,12 +11108,12 @@
           </a:prstGeom>
         </p:spPr>
         <p:txBody>
-          <a:bodyPr anchorCtr="0" anchor="t" bIns="91425" lIns="91425" spcFirstLastPara="1" rIns="91425" wrap="square" tIns="91425">
+          <a:bodyPr spcFirstLastPara="1" wrap="square" lIns="91425" tIns="91425" rIns="91425" bIns="91425" anchor="t" anchorCtr="0">
             <a:normAutofit/>
           </a:bodyPr>
           <a:lstStyle/>
           <a:p>
-            <a:pPr indent="-342900" lvl="0" marL="457200" rtl="0" algn="l">
+            <a:pPr marL="457200" lvl="0" indent="-342900" algn="l" rtl="0">
               <a:spcBef>
                 <a:spcPts val="0"/>
               </a:spcBef>
@@ -10846,16 +11125,12 @@
             </a:pPr>
             <a:r>
               <a:rPr lang="en"/>
-              <a:t>U</a:t>
-            </a:r>
-            <a:r>
-              <a:rPr lang="en"/>
-              <a:t>sed to check if there is perfect correlation between any of the columns. If the correlation is more than 0.95 or less than -0.95 then remove one of the columns to avoid multicollinearity in the dataset. </a:t>
+              <a:t>Used to check if there is perfect correlation between any of the columns. If the correlation is more than 0.95 or less than -0.95 then remove one of the columns to avoid multicollinearity in the dataset. </a:t>
             </a:r>
             <a:endParaRPr/>
           </a:p>
           <a:p>
-            <a:pPr indent="-342900" lvl="0" marL="457200" rtl="0" algn="l">
+            <a:pPr marL="457200" lvl="0" indent="-342900" algn="l" rtl="0">
               <a:spcBef>
                 <a:spcPts val="0"/>
               </a:spcBef>
@@ -10878,15 +11153,22 @@
   <p:clrMapOvr>
     <a:masterClrMapping/>
   </p:clrMapOvr>
+  <p:timing>
+    <p:tnLst>
+      <p:par>
+        <p:cTn id="1" dur="indefinite" restart="never" nodeType="tmRoot"/>
+      </p:par>
+    </p:tnLst>
+  </p:timing>
 </p:sld>
 </file>
 
 <file path=ppt/slides/slide7.xml><?xml version="1.0" encoding="utf-8"?>
-<p:sld xmlns:a="http://schemas.openxmlformats.org/drawingml/2006/main" xmlns:r="http://schemas.openxmlformats.org/officeDocument/2006/relationships" xmlns:mc="http://schemas.openxmlformats.org/markup-compatibility/2006" xmlns:mv="urn:schemas-microsoft-com:mac:vml" xmlns:p="http://schemas.openxmlformats.org/presentationml/2006/main" xmlns:c="http://schemas.openxmlformats.org/drawingml/2006/chart" xmlns:dgm="http://schemas.openxmlformats.org/drawingml/2006/diagram" xmlns:o="urn:schemas-microsoft-com:office:office" xmlns:v="urn:schemas-microsoft-com:vml" xmlns:pvml="urn:schemas-microsoft-com:office:powerpoint" xmlns:com="http://schemas.openxmlformats.org/drawingml/2006/compatibility" xmlns:p14="http://schemas.microsoft.com/office/powerpoint/2010/main" xmlns:p15="http://schemas.microsoft.com/office/powerpoint/2012/main" xmlns:ahyp="http://schemas.microsoft.com/office/drawing/2018/hyperlinkcolor">
+<p:sld xmlns:a="http://schemas.openxmlformats.org/drawingml/2006/main" xmlns:r="http://schemas.openxmlformats.org/officeDocument/2006/relationships" xmlns:p="http://schemas.openxmlformats.org/presentationml/2006/main">
   <p:cSld>
     <p:spTree>
       <p:nvGrpSpPr>
-        <p:cNvPr id="95" name="Shape 95"/>
+        <p:cNvPr id="1" name="Shape 95"/>
         <p:cNvGrpSpPr/>
         <p:nvPr/>
       </p:nvGrpSpPr>
@@ -10901,7 +11183,9 @@
       <p:sp>
         <p:nvSpPr>
           <p:cNvPr id="96" name="Google Shape;96;p19"/>
-          <p:cNvSpPr txBox="1"/>
+          <p:cNvSpPr txBox="1">
+            <a:spLocks noGrp="1"/>
+          </p:cNvSpPr>
           <p:nvPr>
             <p:ph type="title"/>
           </p:nvPr>
@@ -10916,12 +11200,12 @@
           </a:prstGeom>
         </p:spPr>
         <p:txBody>
-          <a:bodyPr anchorCtr="0" anchor="t" bIns="91425" lIns="91425" spcFirstLastPara="1" rIns="91425" wrap="square" tIns="91425">
+          <a:bodyPr spcFirstLastPara="1" wrap="square" lIns="91425" tIns="91425" rIns="91425" bIns="91425" anchor="t" anchorCtr="0">
             <a:normAutofit fontScale="90000"/>
           </a:bodyPr>
           <a:lstStyle/>
           <a:p>
-            <a:pPr indent="0" lvl="0" marL="0" rtl="0" algn="l">
+            <a:pPr marL="0" lvl="0" indent="0" algn="l" rtl="0">
               <a:spcBef>
                 <a:spcPts val="0"/>
               </a:spcBef>
@@ -10949,9 +11233,11 @@
       <p:sp>
         <p:nvSpPr>
           <p:cNvPr id="97" name="Google Shape;97;p19"/>
-          <p:cNvSpPr txBox="1"/>
+          <p:cNvSpPr txBox="1">
+            <a:spLocks noGrp="1"/>
+          </p:cNvSpPr>
           <p:nvPr>
-            <p:ph idx="1" type="body"/>
+            <p:ph type="body" idx="1"/>
           </p:nvPr>
         </p:nvSpPr>
         <p:spPr>
@@ -10964,12 +11250,12 @@
           </a:prstGeom>
         </p:spPr>
         <p:txBody>
-          <a:bodyPr anchorCtr="0" anchor="t" bIns="91425" lIns="91425" spcFirstLastPara="1" rIns="91425" wrap="square" tIns="91425">
+          <a:bodyPr spcFirstLastPara="1" wrap="square" lIns="91425" tIns="91425" rIns="91425" bIns="91425" anchor="t" anchorCtr="0">
             <a:normAutofit/>
           </a:bodyPr>
           <a:lstStyle/>
           <a:p>
-            <a:pPr indent="-342900" lvl="0" marL="457200" rtl="0" algn="l">
+            <a:pPr marL="457200" lvl="0" indent="-342900" algn="l" rtl="0">
               <a:spcBef>
                 <a:spcPts val="0"/>
               </a:spcBef>
@@ -10986,7 +11272,7 @@
             <a:endParaRPr/>
           </a:p>
           <a:p>
-            <a:pPr indent="-342900" lvl="0" marL="457200" rtl="0" algn="l">
+            <a:pPr marL="457200" lvl="0" indent="-342900" algn="l" rtl="0">
               <a:spcBef>
                 <a:spcPts val="0"/>
               </a:spcBef>
@@ -11003,7 +11289,7 @@
             <a:endParaRPr/>
           </a:p>
           <a:p>
-            <a:pPr indent="0" lvl="0" marL="457200" rtl="0" algn="l">
+            <a:pPr marL="457200" lvl="0" indent="0" algn="l" rtl="0">
               <a:spcBef>
                 <a:spcPts val="1000"/>
               </a:spcBef>
@@ -11012,9 +11298,6 @@
               </a:spcAft>
               <a:buNone/>
             </a:pPr>
-            <a:r>
-              <a:t/>
-            </a:r>
             <a:endParaRPr/>
           </a:p>
         </p:txBody>
@@ -11028,11 +11311,11 @@
 </file>
 
 <file path=ppt/slides/slide8.xml><?xml version="1.0" encoding="utf-8"?>
-<p:sld xmlns:a="http://schemas.openxmlformats.org/drawingml/2006/main" xmlns:r="http://schemas.openxmlformats.org/officeDocument/2006/relationships" xmlns:mc="http://schemas.openxmlformats.org/markup-compatibility/2006" xmlns:mv="urn:schemas-microsoft-com:mac:vml" xmlns:p="http://schemas.openxmlformats.org/presentationml/2006/main" xmlns:c="http://schemas.openxmlformats.org/drawingml/2006/chart" xmlns:dgm="http://schemas.openxmlformats.org/drawingml/2006/diagram" xmlns:o="urn:schemas-microsoft-com:office:office" xmlns:v="urn:schemas-microsoft-com:vml" xmlns:pvml="urn:schemas-microsoft-com:office:powerpoint" xmlns:com="http://schemas.openxmlformats.org/drawingml/2006/compatibility" xmlns:p14="http://schemas.microsoft.com/office/powerpoint/2010/main" xmlns:p15="http://schemas.microsoft.com/office/powerpoint/2012/main" xmlns:ahyp="http://schemas.microsoft.com/office/drawing/2018/hyperlinkcolor">
+<p:sld xmlns:a="http://schemas.openxmlformats.org/drawingml/2006/main" xmlns:r="http://schemas.openxmlformats.org/officeDocument/2006/relationships" xmlns:p="http://schemas.openxmlformats.org/presentationml/2006/main">
   <p:cSld>
     <p:spTree>
       <p:nvGrpSpPr>
-        <p:cNvPr id="101" name="Shape 101"/>
+        <p:cNvPr id="1" name="Shape 101"/>
         <p:cNvGrpSpPr/>
         <p:nvPr/>
       </p:nvGrpSpPr>
@@ -11047,7 +11330,9 @@
       <p:sp>
         <p:nvSpPr>
           <p:cNvPr id="102" name="Google Shape;102;p20"/>
-          <p:cNvSpPr txBox="1"/>
+          <p:cNvSpPr txBox="1">
+            <a:spLocks noGrp="1"/>
+          </p:cNvSpPr>
           <p:nvPr>
             <p:ph type="title"/>
           </p:nvPr>
@@ -11062,12 +11347,12 @@
           </a:prstGeom>
         </p:spPr>
         <p:txBody>
-          <a:bodyPr anchorCtr="0" anchor="t" bIns="91425" lIns="91425" spcFirstLastPara="1" rIns="91425" wrap="square" tIns="91425">
+          <a:bodyPr spcFirstLastPara="1" wrap="square" lIns="91425" tIns="91425" rIns="91425" bIns="91425" anchor="t" anchorCtr="0">
             <a:normAutofit fontScale="90000"/>
           </a:bodyPr>
           <a:lstStyle/>
           <a:p>
-            <a:pPr indent="0" lvl="0" marL="0" rtl="0" algn="l">
+            <a:pPr marL="0" lvl="0" indent="0" algn="l" rtl="0">
               <a:spcBef>
                 <a:spcPts val="0"/>
               </a:spcBef>
@@ -11077,7 +11362,7 @@
               <a:buNone/>
             </a:pPr>
             <a:r>
-              <a:rPr b="1" lang="en">
+              <a:rPr lang="en" b="1">
                 <a:solidFill>
                   <a:schemeClr val="accent1"/>
                 </a:solidFill>
@@ -11095,9 +11380,11 @@
       <p:sp>
         <p:nvSpPr>
           <p:cNvPr id="103" name="Google Shape;103;p20"/>
-          <p:cNvSpPr txBox="1"/>
+          <p:cNvSpPr txBox="1">
+            <a:spLocks noGrp="1"/>
+          </p:cNvSpPr>
           <p:nvPr>
-            <p:ph idx="1" type="body"/>
+            <p:ph type="body" idx="1"/>
           </p:nvPr>
         </p:nvSpPr>
         <p:spPr>
@@ -11110,12 +11397,12 @@
           </a:prstGeom>
         </p:spPr>
         <p:txBody>
-          <a:bodyPr anchorCtr="0" anchor="t" bIns="91425" lIns="91425" spcFirstLastPara="1" rIns="91425" wrap="square" tIns="91425">
+          <a:bodyPr spcFirstLastPara="1" wrap="square" lIns="91425" tIns="91425" rIns="91425" bIns="91425" anchor="t" anchorCtr="0">
             <a:normAutofit/>
           </a:bodyPr>
           <a:lstStyle/>
           <a:p>
-            <a:pPr indent="-342900" lvl="0" marL="457200" rtl="0" algn="l">
+            <a:pPr marL="457200" lvl="0" indent="-342900" algn="l" rtl="0">
               <a:spcBef>
                 <a:spcPts val="0"/>
               </a:spcBef>
@@ -11132,7 +11419,7 @@
             <a:endParaRPr/>
           </a:p>
           <a:p>
-            <a:pPr indent="-342900" lvl="0" marL="457200" rtl="0" algn="l">
+            <a:pPr marL="457200" lvl="0" indent="-342900" algn="l" rtl="0">
               <a:spcBef>
                 <a:spcPts val="0"/>
               </a:spcBef>
@@ -11149,7 +11436,7 @@
             <a:endParaRPr/>
           </a:p>
           <a:p>
-            <a:pPr indent="-342900" lvl="0" marL="914400" rtl="0" algn="l">
+            <a:pPr marL="914400" lvl="0" indent="-342900" algn="l" rtl="0">
               <a:spcBef>
                 <a:spcPts val="0"/>
               </a:spcBef>
@@ -11166,7 +11453,7 @@
             <a:endParaRPr/>
           </a:p>
           <a:p>
-            <a:pPr indent="-342900" lvl="0" marL="914400" rtl="0" algn="l">
+            <a:pPr marL="914400" lvl="0" indent="-342900" algn="l" rtl="0">
               <a:spcBef>
                 <a:spcPts val="0"/>
               </a:spcBef>
@@ -11193,11 +11480,11 @@
 </file>
 
 <file path=ppt/slides/slide9.xml><?xml version="1.0" encoding="utf-8"?>
-<p:sld xmlns:a="http://schemas.openxmlformats.org/drawingml/2006/main" xmlns:r="http://schemas.openxmlformats.org/officeDocument/2006/relationships" xmlns:mc="http://schemas.openxmlformats.org/markup-compatibility/2006" xmlns:mv="urn:schemas-microsoft-com:mac:vml" xmlns:p="http://schemas.openxmlformats.org/presentationml/2006/main" xmlns:c="http://schemas.openxmlformats.org/drawingml/2006/chart" xmlns:dgm="http://schemas.openxmlformats.org/drawingml/2006/diagram" xmlns:o="urn:schemas-microsoft-com:office:office" xmlns:v="urn:schemas-microsoft-com:vml" xmlns:pvml="urn:schemas-microsoft-com:office:powerpoint" xmlns:com="http://schemas.openxmlformats.org/drawingml/2006/compatibility" xmlns:p14="http://schemas.microsoft.com/office/powerpoint/2010/main" xmlns:p15="http://schemas.microsoft.com/office/powerpoint/2012/main" xmlns:ahyp="http://schemas.microsoft.com/office/drawing/2018/hyperlinkcolor">
+<p:sld xmlns:a="http://schemas.openxmlformats.org/drawingml/2006/main" xmlns:r="http://schemas.openxmlformats.org/officeDocument/2006/relationships" xmlns:p="http://schemas.openxmlformats.org/presentationml/2006/main">
   <p:cSld>
     <p:spTree>
       <p:nvGrpSpPr>
-        <p:cNvPr id="107" name="Shape 107"/>
+        <p:cNvPr id="1" name="Shape 107"/>
         <p:cNvGrpSpPr/>
         <p:nvPr/>
       </p:nvGrpSpPr>
@@ -11212,7 +11499,9 @@
       <p:sp>
         <p:nvSpPr>
           <p:cNvPr id="108" name="Google Shape;108;p21"/>
-          <p:cNvSpPr txBox="1"/>
+          <p:cNvSpPr txBox="1">
+            <a:spLocks noGrp="1"/>
+          </p:cNvSpPr>
           <p:nvPr>
             <p:ph type="title"/>
           </p:nvPr>
@@ -11227,12 +11516,12 @@
           </a:prstGeom>
         </p:spPr>
         <p:txBody>
-          <a:bodyPr anchorCtr="0" anchor="t" bIns="91425" lIns="91425" spcFirstLastPara="1" rIns="91425" wrap="square" tIns="91425">
+          <a:bodyPr spcFirstLastPara="1" wrap="square" lIns="91425" tIns="91425" rIns="91425" bIns="91425" anchor="t" anchorCtr="0">
             <a:normAutofit fontScale="90000"/>
           </a:bodyPr>
           <a:lstStyle/>
           <a:p>
-            <a:pPr indent="0" lvl="0" marL="0" rtl="0" algn="l">
+            <a:pPr marL="0" lvl="0" indent="0" algn="l" rtl="0">
               <a:spcBef>
                 <a:spcPts val="0"/>
               </a:spcBef>
@@ -11242,7 +11531,7 @@
               <a:buNone/>
             </a:pPr>
             <a:r>
-              <a:rPr b="1" lang="en">
+              <a:rPr lang="en" b="1">
                 <a:solidFill>
                   <a:schemeClr val="accent1"/>
                 </a:solidFill>
@@ -11260,9 +11549,11 @@
       <p:sp>
         <p:nvSpPr>
           <p:cNvPr id="109" name="Google Shape;109;p21"/>
-          <p:cNvSpPr txBox="1"/>
+          <p:cNvSpPr txBox="1">
+            <a:spLocks noGrp="1"/>
+          </p:cNvSpPr>
           <p:nvPr>
-            <p:ph idx="1" type="body"/>
+            <p:ph type="body" idx="1"/>
           </p:nvPr>
         </p:nvSpPr>
         <p:spPr>
@@ -11275,12 +11566,12 @@
           </a:prstGeom>
         </p:spPr>
         <p:txBody>
-          <a:bodyPr anchorCtr="0" anchor="t" bIns="91425" lIns="91425" spcFirstLastPara="1" rIns="91425" wrap="square" tIns="91425">
+          <a:bodyPr spcFirstLastPara="1" wrap="square" lIns="91425" tIns="91425" rIns="91425" bIns="91425" anchor="t" anchorCtr="0">
             <a:normAutofit/>
           </a:bodyPr>
           <a:lstStyle/>
           <a:p>
-            <a:pPr indent="-342900" lvl="0" marL="457200" rtl="0" algn="l">
+            <a:pPr marL="457200" lvl="0" indent="-342900" algn="l" rtl="0">
               <a:spcBef>
                 <a:spcPts val="0"/>
               </a:spcBef>
@@ -11308,7 +11599,7 @@
             </a:endParaRPr>
           </a:p>
           <a:p>
-            <a:pPr indent="-342900" lvl="0" marL="457200" rtl="0" algn="l">
+            <a:pPr marL="457200" lvl="0" indent="-342900" algn="l" rtl="0">
               <a:spcBef>
                 <a:spcPts val="0"/>
               </a:spcBef>
@@ -11336,7 +11627,7 @@
             </a:endParaRPr>
           </a:p>
           <a:p>
-            <a:pPr indent="-342900" lvl="0" marL="457200" rtl="0" algn="l">
+            <a:pPr marL="457200" lvl="0" indent="-342900" algn="l" rtl="0">
               <a:spcBef>
                 <a:spcPts val="0"/>
               </a:spcBef>
@@ -11355,23 +11646,7 @@
                   <a:srgbClr val="4A4A4A"/>
                 </a:solidFill>
               </a:rPr>
-              <a:t>SVM can be used for classifying non-linear data by using the kernel method. The kernel method means transforming data into another dimension that has a clear dividing margin between classes of data. The kernels can be Linear, Radial, Polynomial or </a:t>
-            </a:r>
-            <a:r>
-              <a:rPr lang="en">
-                <a:solidFill>
-                  <a:srgbClr val="4A4A4A"/>
-                </a:solidFill>
-              </a:rPr>
-              <a:t>Sigmoid</a:t>
-            </a:r>
-            <a:r>
-              <a:rPr lang="en">
-                <a:solidFill>
-                  <a:srgbClr val="4A4A4A"/>
-                </a:solidFill>
-              </a:rPr>
-              <a:t>.</a:t>
+              <a:t>SVM can be used for classifying non-linear data by using the kernel method. The kernel method means transforming data into another dimension that has a clear dividing margin between classes of data. The kernels can be Linear, Radial, Polynomial or Sigmoid.</a:t>
             </a:r>
             <a:endParaRPr>
               <a:solidFill>
@@ -11380,7 +11655,7 @@
             </a:endParaRPr>
           </a:p>
           <a:p>
-            <a:pPr indent="-342900" lvl="0" marL="457200" rtl="0" algn="l">
+            <a:pPr marL="457200" lvl="0" indent="-342900" algn="l" rtl="0">
               <a:spcBef>
                 <a:spcPts val="0"/>
               </a:spcBef>
@@ -11414,7 +11689,7 @@
 </file>
 
 <file path=ppt/theme/theme1.xml><?xml version="1.0" encoding="utf-8"?>
-<a:theme xmlns:a="http://schemas.openxmlformats.org/drawingml/2006/main" xmlns:r="http://schemas.openxmlformats.org/officeDocument/2006/relationships" name="Simple Light">
+<a:theme xmlns:a="http://schemas.openxmlformats.org/drawingml/2006/main" name="Simple Light">
   <a:themeElements>
     <a:clrScheme name="Simple Light">
       <a:dk1>
@@ -11689,11 +11964,13 @@
       </a:bgFillStyleLst>
     </a:fmtScheme>
   </a:themeElements>
+  <a:objectDefaults/>
+  <a:extraClrSchemeLst/>
 </a:theme>
 </file>
 
 <file path=ppt/theme/theme2.xml><?xml version="1.0" encoding="utf-8"?>
-<a:theme xmlns:a="http://schemas.openxmlformats.org/drawingml/2006/main" xmlns:r="http://schemas.openxmlformats.org/officeDocument/2006/relationships">
+<a:theme xmlns:a="http://schemas.openxmlformats.org/drawingml/2006/main">
   <a:themeElements>
     <a:clrScheme name="Default">
       <a:dk1>
@@ -11968,5 +12245,7 @@
       </a:bgFillStyleLst>
     </a:fmtScheme>
   </a:themeElements>
+  <a:objectDefaults/>
+  <a:extraClrSchemeLst/>
 </a:theme>
 </file>
--- a/Data 698 Final Project Presentation.pptx
+++ b/Data 698 Final Project Presentation.pptx
@@ -2102,7 +2102,7 @@
         </p:nvSpPr>
         <p:spPr>
           <a:xfrm>
-            <a:off x="381300" y="685800"/>
+            <a:off x="381000" y="685800"/>
             <a:ext cx="6096000" cy="3429000"/>
           </a:xfrm>
           <a:custGeom>
@@ -10211,11 +10211,11 @@
               <a:t>The Data</a:t>
             </a:r>
             <a:r>
-              <a:rPr lang="en"/>
+              <a:rPr lang="en" dirty="0"/>
               <a:t>: </a:t>
             </a:r>
             <a:r>
-              <a:rPr lang="en" smtClean="0"/>
+              <a:rPr lang="en" dirty="0" smtClean="0"/>
               <a:t>Data collected from the Taiwan Economic Journal for the Years 1999-2009</a:t>
             </a:r>
             <a:endParaRPr dirty="0"/>
@@ -11266,27 +11266,35 @@
               <a:buChar char="●"/>
             </a:pPr>
             <a:r>
-              <a:rPr lang="en"/>
+              <a:rPr lang="en" dirty="0"/>
               <a:t>Imbalance dataset</a:t>
             </a:r>
-            <a:endParaRPr/>
+            <a:endParaRPr dirty="0"/>
           </a:p>
           <a:p>
-            <a:pPr marL="457200" lvl="0" indent="-342900" algn="l" rtl="0">
-              <a:spcBef>
-                <a:spcPts val="0"/>
-              </a:spcBef>
-              <a:spcAft>
-                <a:spcPts val="0"/>
-              </a:spcAft>
-              <a:buSzPts val="1800"/>
-              <a:buChar char="●"/>
-            </a:pPr>
+            <a:pPr lvl="0"/>
             <a:r>
-              <a:rPr lang="en"/>
-              <a:t>SMOTE will be used which oversamples the minority class, the bankrupt counts in this case. It duplicates examples in the minority class, yet they won't add any new information to the models. The new examples can be synthesized from existing examples.</a:t>
+              <a:rPr lang="en" dirty="0" smtClean="0"/>
+              <a:t>SMOTE(</a:t>
             </a:r>
-            <a:endParaRPr/>
+            <a:r>
+              <a:rPr lang="en-US">
+                <a:solidFill>
+                  <a:srgbClr val="202124"/>
+                </a:solidFill>
+                <a:latin typeface="Google Sans"/>
+              </a:rPr>
+              <a:t>Synthetic Minority Oversampling Technique</a:t>
+            </a:r>
+            <a:r>
+              <a:rPr lang="en" smtClean="0"/>
+              <a:t>) </a:t>
+            </a:r>
+            <a:r>
+              <a:rPr lang="en" dirty="0"/>
+              <a:t>will be used which oversamples the minority class, the bankrupt counts in this case. It duplicates examples in the minority class, yet they won't add any new information to the models. The new examples can be synthesized from existing examples.</a:t>
+            </a:r>
+            <a:endParaRPr dirty="0"/>
           </a:p>
           <a:p>
             <a:pPr marL="457200" lvl="0" indent="0" algn="l" rtl="0">
@@ -11298,7 +11306,7 @@
               </a:spcAft>
               <a:buNone/>
             </a:pPr>
-            <a:endParaRPr/>
+            <a:endParaRPr dirty="0"/>
           </a:p>
         </p:txBody>
       </p:sp>
